--- a/Device Screen (Revised).pptx
+++ b/Device Screen (Revised).pptx
@@ -5,10 +5,13 @@
     <p:sldMasterId id="2147483648" r:id="rId1"/>
   </p:sldMasterIdLst>
   <p:sldIdLst>
-    <p:sldId id="258" r:id="rId2"/>
-    <p:sldId id="257" r:id="rId3"/>
-    <p:sldId id="260" r:id="rId4"/>
-    <p:sldId id="256" r:id="rId5"/>
+    <p:sldId id="262" r:id="rId2"/>
+    <p:sldId id="258" r:id="rId3"/>
+    <p:sldId id="257" r:id="rId4"/>
+    <p:sldId id="260" r:id="rId5"/>
+    <p:sldId id="256" r:id="rId6"/>
+    <p:sldId id="261" r:id="rId7"/>
+    <p:sldId id="263" r:id="rId8"/>
   </p:sldIdLst>
   <p:sldSz cx="12192000" cy="6858000"/>
   <p:notesSz cx="6858000" cy="9144000"/>
@@ -246,7 +249,7 @@
           <a:p>
             <a:fld id="{60646C8D-0F85-E345-9B71-95A6D1123F21}" type="datetimeFigureOut">
               <a:rPr lang="en-US" smtClean="0"/>
-              <a:t>7/24/16</a:t>
+              <a:t>7/31/16</a:t>
             </a:fld>
             <a:endParaRPr lang="en-US"/>
           </a:p>
@@ -416,7 +419,7 @@
           <a:p>
             <a:fld id="{60646C8D-0F85-E345-9B71-95A6D1123F21}" type="datetimeFigureOut">
               <a:rPr lang="en-US" smtClean="0"/>
-              <a:t>7/24/16</a:t>
+              <a:t>7/31/16</a:t>
             </a:fld>
             <a:endParaRPr lang="en-US"/>
           </a:p>
@@ -596,7 +599,7 @@
           <a:p>
             <a:fld id="{60646C8D-0F85-E345-9B71-95A6D1123F21}" type="datetimeFigureOut">
               <a:rPr lang="en-US" smtClean="0"/>
-              <a:t>7/24/16</a:t>
+              <a:t>7/31/16</a:t>
             </a:fld>
             <a:endParaRPr lang="en-US"/>
           </a:p>
@@ -766,7 +769,7 @@
           <a:p>
             <a:fld id="{60646C8D-0F85-E345-9B71-95A6D1123F21}" type="datetimeFigureOut">
               <a:rPr lang="en-US" smtClean="0"/>
-              <a:t>7/24/16</a:t>
+              <a:t>7/31/16</a:t>
             </a:fld>
             <a:endParaRPr lang="en-US"/>
           </a:p>
@@ -1012,7 +1015,7 @@
           <a:p>
             <a:fld id="{60646C8D-0F85-E345-9B71-95A6D1123F21}" type="datetimeFigureOut">
               <a:rPr lang="en-US" smtClean="0"/>
-              <a:t>7/24/16</a:t>
+              <a:t>7/31/16</a:t>
             </a:fld>
             <a:endParaRPr lang="en-US"/>
           </a:p>
@@ -1244,7 +1247,7 @@
           <a:p>
             <a:fld id="{60646C8D-0F85-E345-9B71-95A6D1123F21}" type="datetimeFigureOut">
               <a:rPr lang="en-US" smtClean="0"/>
-              <a:t>7/24/16</a:t>
+              <a:t>7/31/16</a:t>
             </a:fld>
             <a:endParaRPr lang="en-US"/>
           </a:p>
@@ -1611,7 +1614,7 @@
           <a:p>
             <a:fld id="{60646C8D-0F85-E345-9B71-95A6D1123F21}" type="datetimeFigureOut">
               <a:rPr lang="en-US" smtClean="0"/>
-              <a:t>7/24/16</a:t>
+              <a:t>7/31/16</a:t>
             </a:fld>
             <a:endParaRPr lang="en-US"/>
           </a:p>
@@ -1729,7 +1732,7 @@
           <a:p>
             <a:fld id="{60646C8D-0F85-E345-9B71-95A6D1123F21}" type="datetimeFigureOut">
               <a:rPr lang="en-US" smtClean="0"/>
-              <a:t>7/24/16</a:t>
+              <a:t>7/31/16</a:t>
             </a:fld>
             <a:endParaRPr lang="en-US"/>
           </a:p>
@@ -1824,7 +1827,7 @@
           <a:p>
             <a:fld id="{60646C8D-0F85-E345-9B71-95A6D1123F21}" type="datetimeFigureOut">
               <a:rPr lang="en-US" smtClean="0"/>
-              <a:t>7/24/16</a:t>
+              <a:t>7/31/16</a:t>
             </a:fld>
             <a:endParaRPr lang="en-US"/>
           </a:p>
@@ -2101,7 +2104,7 @@
           <a:p>
             <a:fld id="{60646C8D-0F85-E345-9B71-95A6D1123F21}" type="datetimeFigureOut">
               <a:rPr lang="en-US" smtClean="0"/>
-              <a:t>7/24/16</a:t>
+              <a:t>7/31/16</a:t>
             </a:fld>
             <a:endParaRPr lang="en-US"/>
           </a:p>
@@ -2354,7 +2357,7 @@
           <a:p>
             <a:fld id="{60646C8D-0F85-E345-9B71-95A6D1123F21}" type="datetimeFigureOut">
               <a:rPr lang="en-US" smtClean="0"/>
-              <a:t>7/24/16</a:t>
+              <a:t>7/31/16</a:t>
             </a:fld>
             <a:endParaRPr lang="en-US"/>
           </a:p>
@@ -2567,7 +2570,7 @@
           <a:p>
             <a:fld id="{60646C8D-0F85-E345-9B71-95A6D1123F21}" type="datetimeFigureOut">
               <a:rPr lang="en-US" smtClean="0"/>
-              <a:t>7/24/16</a:t>
+              <a:t>7/31/16</a:t>
             </a:fld>
             <a:endParaRPr lang="en-US"/>
           </a:p>
@@ -2980,7 +2983,7 @@
         </p:nvSpPr>
         <p:spPr>
           <a:xfrm>
-            <a:off x="1728445" y="477868"/>
+            <a:off x="4258849" y="494494"/>
             <a:ext cx="3657600" cy="5943600"/>
           </a:xfrm>
           <a:prstGeom prst="frame">
@@ -3027,8 +3030,8 @@
         </p:nvSpPr>
         <p:spPr>
           <a:xfrm>
-            <a:off x="2744447" y="2631790"/>
-            <a:ext cx="2285090" cy="406401"/>
+            <a:off x="5192845" y="1474216"/>
+            <a:ext cx="1804125" cy="1406978"/>
           </a:xfrm>
           <a:prstGeom prst="frame">
             <a:avLst>
@@ -3057,7 +3060,7 @@
           <a:lstStyle/>
           <a:p>
             <a:pPr algn="ctr"/>
-            <a:endParaRPr lang="en-US">
+            <a:endParaRPr lang="en-US" sz="2000">
               <a:solidFill>
                 <a:schemeClr val="tx1"/>
               </a:solidFill>
@@ -3067,152 +3070,14 @@
       </p:sp>
       <p:sp>
         <p:nvSpPr>
-          <p:cNvPr id="4" name="Frame 3"/>
-          <p:cNvSpPr/>
-          <p:nvPr/>
-        </p:nvSpPr>
-        <p:spPr>
-          <a:xfrm>
-            <a:off x="2736737" y="3276044"/>
-            <a:ext cx="2285090" cy="406401"/>
-          </a:xfrm>
-          <a:prstGeom prst="frame">
-            <a:avLst>
-              <a:gd name="adj1" fmla="val 0"/>
-            </a:avLst>
-          </a:prstGeom>
-        </p:spPr>
-        <p:style>
-          <a:lnRef idx="2">
-            <a:schemeClr val="dk1">
-              <a:shade val="50000"/>
-            </a:schemeClr>
-          </a:lnRef>
-          <a:fillRef idx="1">
-            <a:schemeClr val="dk1"/>
-          </a:fillRef>
-          <a:effectRef idx="0">
-            <a:schemeClr val="dk1"/>
-          </a:effectRef>
-          <a:fontRef idx="minor">
-            <a:schemeClr val="lt1"/>
-          </a:fontRef>
-        </p:style>
-        <p:txBody>
-          <a:bodyPr rtlCol="0" anchor="ctr"/>
-          <a:lstStyle/>
-          <a:p>
-            <a:pPr algn="ctr"/>
-            <a:endParaRPr lang="en-US">
-              <a:solidFill>
-                <a:schemeClr val="tx1"/>
-              </a:solidFill>
-            </a:endParaRPr>
-          </a:p>
-        </p:txBody>
-      </p:sp>
-      <p:sp>
-        <p:nvSpPr>
-          <p:cNvPr id="5" name="Frame 4"/>
-          <p:cNvSpPr/>
-          <p:nvPr/>
-        </p:nvSpPr>
-        <p:spPr>
-          <a:xfrm>
-            <a:off x="2744446" y="1089282"/>
-            <a:ext cx="1640114" cy="1279071"/>
-          </a:xfrm>
-          <a:prstGeom prst="frame">
-            <a:avLst>
-              <a:gd name="adj1" fmla="val 0"/>
-            </a:avLst>
-          </a:prstGeom>
-        </p:spPr>
-        <p:style>
-          <a:lnRef idx="2">
-            <a:schemeClr val="dk1">
-              <a:shade val="50000"/>
-            </a:schemeClr>
-          </a:lnRef>
-          <a:fillRef idx="1">
-            <a:schemeClr val="dk1"/>
-          </a:fillRef>
-          <a:effectRef idx="0">
-            <a:schemeClr val="dk1"/>
-          </a:effectRef>
-          <a:fontRef idx="minor">
-            <a:schemeClr val="lt1"/>
-          </a:fontRef>
-        </p:style>
-        <p:txBody>
-          <a:bodyPr rtlCol="0" anchor="ctr"/>
-          <a:lstStyle/>
-          <a:p>
-            <a:pPr algn="ctr"/>
-            <a:endParaRPr lang="en-US">
-              <a:solidFill>
-                <a:schemeClr val="tx1"/>
-              </a:solidFill>
-            </a:endParaRPr>
-          </a:p>
-        </p:txBody>
-      </p:sp>
-      <p:sp>
-        <p:nvSpPr>
-          <p:cNvPr id="6" name="Frame 5"/>
-          <p:cNvSpPr/>
-          <p:nvPr/>
-        </p:nvSpPr>
-        <p:spPr>
-          <a:xfrm>
-            <a:off x="2137566" y="3985000"/>
-            <a:ext cx="2891970" cy="452584"/>
-          </a:xfrm>
-          <a:prstGeom prst="frame">
-            <a:avLst>
-              <a:gd name="adj1" fmla="val 0"/>
-            </a:avLst>
-          </a:prstGeom>
-        </p:spPr>
-        <p:style>
-          <a:lnRef idx="2">
-            <a:schemeClr val="dk1">
-              <a:shade val="50000"/>
-            </a:schemeClr>
-          </a:lnRef>
-          <a:fillRef idx="1">
-            <a:schemeClr val="dk1"/>
-          </a:fillRef>
-          <a:effectRef idx="0">
-            <a:schemeClr val="dk1"/>
-          </a:effectRef>
-          <a:fontRef idx="minor">
-            <a:schemeClr val="lt1"/>
-          </a:fontRef>
-        </p:style>
-        <p:txBody>
-          <a:bodyPr rtlCol="0" anchor="ctr"/>
-          <a:lstStyle/>
-          <a:p>
-            <a:pPr algn="ctr"/>
-            <a:endParaRPr lang="en-US">
-              <a:solidFill>
-                <a:schemeClr val="tx1"/>
-              </a:solidFill>
-            </a:endParaRPr>
-          </a:p>
-        </p:txBody>
-      </p:sp>
-      <p:sp>
-        <p:nvSpPr>
-          <p:cNvPr id="7" name="TextBox 6"/>
+          <p:cNvPr id="4" name="TextBox 3"/>
           <p:cNvSpPr txBox="1"/>
           <p:nvPr/>
         </p:nvSpPr>
         <p:spPr>
           <a:xfrm>
-            <a:off x="1787412" y="2696490"/>
-            <a:ext cx="986970" cy="276999"/>
+            <a:off x="5367695" y="1771440"/>
+            <a:ext cx="1439909" cy="923330"/>
           </a:xfrm>
           <a:prstGeom prst="rect">
             <a:avLst/>
@@ -3227,28 +3092,55 @@
           <a:p>
             <a:pPr algn="ctr"/>
             <a:r>
-              <a:rPr lang="en-US" sz="1200" dirty="0"/>
-              <a:t>Username</a:t>
-            </a:r>
-          </a:p>
-        </p:txBody>
-      </p:sp>
-      <p:sp>
-        <p:nvSpPr>
-          <p:cNvPr id="8" name="TextBox 7"/>
+              <a:rPr lang="en-US" dirty="0"/>
+              <a:t>LOGO</a:t>
+            </a:r>
+          </a:p>
+          <a:p>
+            <a:pPr algn="ctr"/>
+            <a:r>
+              <a:rPr lang="en-US" dirty="0"/>
+              <a:t>+</a:t>
+            </a:r>
+          </a:p>
+          <a:p>
+            <a:pPr algn="ctr"/>
+            <a:r>
+              <a:rPr lang="en-US" dirty="0"/>
+              <a:t>Flashcards</a:t>
+            </a:r>
+          </a:p>
+        </p:txBody>
+      </p:sp>
+      <p:sp>
+        <p:nvSpPr>
+          <p:cNvPr id="5" name="TextBox 4"/>
           <p:cNvSpPr txBox="1"/>
           <p:nvPr/>
         </p:nvSpPr>
         <p:spPr>
           <a:xfrm>
-            <a:off x="1773352" y="3319133"/>
-            <a:ext cx="963386" cy="276999"/>
+            <a:off x="4980831" y="3627288"/>
+            <a:ext cx="2321077" cy="692497"/>
           </a:xfrm>
           <a:prstGeom prst="rect">
             <a:avLst/>
           </a:prstGeom>
-          <a:noFill/>
-        </p:spPr>
+        </p:spPr>
+        <p:style>
+          <a:lnRef idx="2">
+            <a:schemeClr val="dk1"/>
+          </a:lnRef>
+          <a:fillRef idx="1">
+            <a:schemeClr val="lt1"/>
+          </a:fillRef>
+          <a:effectRef idx="0">
+            <a:schemeClr val="dk1"/>
+          </a:effectRef>
+          <a:fontRef idx="minor">
+            <a:schemeClr val="dk1"/>
+          </a:fontRef>
+        </p:style>
         <p:txBody>
           <a:bodyPr wrap="square" rtlCol="0">
             <a:spAutoFit/>
@@ -3256,29 +3148,50 @@
           <a:lstStyle/>
           <a:p>
             <a:pPr algn="ctr"/>
-            <a:r>
-              <a:rPr lang="en-US" sz="1200" dirty="0"/>
-              <a:t>Password</a:t>
-            </a:r>
-          </a:p>
-        </p:txBody>
-      </p:sp>
-      <p:sp>
-        <p:nvSpPr>
-          <p:cNvPr id="9" name="TextBox 8"/>
+            <a:endParaRPr lang="en-US" sz="1050" dirty="0" smtClean="0"/>
+          </a:p>
+          <a:p>
+            <a:pPr algn="ctr"/>
+            <a:r>
+              <a:rPr lang="en-US" dirty="0" smtClean="0"/>
+              <a:t>LOG IN</a:t>
+            </a:r>
+          </a:p>
+          <a:p>
+            <a:pPr algn="ctr"/>
+            <a:endParaRPr lang="en-US" sz="1050" dirty="0"/>
+          </a:p>
+        </p:txBody>
+      </p:sp>
+      <p:sp>
+        <p:nvSpPr>
+          <p:cNvPr id="6" name="TextBox 5"/>
           <p:cNvSpPr txBox="1"/>
           <p:nvPr/>
         </p:nvSpPr>
         <p:spPr>
           <a:xfrm>
-            <a:off x="2902741" y="1359485"/>
-            <a:ext cx="1309008" cy="738664"/>
+            <a:off x="4980831" y="4762120"/>
+            <a:ext cx="2321077" cy="715581"/>
           </a:xfrm>
           <a:prstGeom prst="rect">
             <a:avLst/>
           </a:prstGeom>
-          <a:noFill/>
-        </p:spPr>
+        </p:spPr>
+        <p:style>
+          <a:lnRef idx="2">
+            <a:schemeClr val="dk1"/>
+          </a:lnRef>
+          <a:fillRef idx="1">
+            <a:schemeClr val="lt1"/>
+          </a:fillRef>
+          <a:effectRef idx="0">
+            <a:schemeClr val="dk1"/>
+          </a:effectRef>
+          <a:fontRef idx="minor">
+            <a:schemeClr val="dk1"/>
+          </a:fontRef>
+        </p:style>
         <p:txBody>
           <a:bodyPr wrap="square" rtlCol="0">
             <a:spAutoFit/>
@@ -3286,1185 +3199,25 @@
           <a:lstStyle/>
           <a:p>
             <a:pPr algn="ctr"/>
-            <a:r>
-              <a:rPr lang="en-US" sz="1400" dirty="0"/>
-              <a:t>LOGO</a:t>
-            </a:r>
-          </a:p>
-          <a:p>
-            <a:pPr algn="ctr"/>
-            <a:r>
-              <a:rPr lang="en-US" sz="1400" dirty="0"/>
-              <a:t>+</a:t>
-            </a:r>
-          </a:p>
-          <a:p>
-            <a:pPr algn="ctr"/>
-            <a:r>
-              <a:rPr lang="en-US" sz="1400" dirty="0"/>
-              <a:t>Flashcards</a:t>
-            </a:r>
-          </a:p>
-        </p:txBody>
-      </p:sp>
-      <p:sp>
-        <p:nvSpPr>
-          <p:cNvPr id="10" name="TextBox 9"/>
-          <p:cNvSpPr txBox="1"/>
-          <p:nvPr/>
-        </p:nvSpPr>
-        <p:spPr>
-          <a:xfrm>
-            <a:off x="3046523" y="4063013"/>
-            <a:ext cx="963386" cy="307777"/>
-          </a:xfrm>
-          <a:prstGeom prst="rect">
-            <a:avLst/>
-          </a:prstGeom>
-          <a:noFill/>
-        </p:spPr>
-        <p:txBody>
-          <a:bodyPr wrap="square" rtlCol="0">
-            <a:spAutoFit/>
-          </a:bodyPr>
-          <a:lstStyle/>
-          <a:p>
-            <a:pPr algn="ctr"/>
-            <a:r>
-              <a:rPr lang="en-US" sz="1400"/>
-              <a:t>LOG IN</a:t>
-            </a:r>
-            <a:endParaRPr lang="en-US" sz="1400" dirty="0"/>
-          </a:p>
-        </p:txBody>
-      </p:sp>
-      <p:sp>
-        <p:nvSpPr>
-          <p:cNvPr id="11" name="Frame 10"/>
-          <p:cNvSpPr/>
-          <p:nvPr/>
-        </p:nvSpPr>
-        <p:spPr>
-          <a:xfrm>
-            <a:off x="2137566" y="5189066"/>
-            <a:ext cx="1132115" cy="815521"/>
-          </a:xfrm>
-          <a:prstGeom prst="frame">
-            <a:avLst>
-              <a:gd name="adj1" fmla="val 0"/>
-            </a:avLst>
-          </a:prstGeom>
-        </p:spPr>
-        <p:style>
-          <a:lnRef idx="2">
-            <a:schemeClr val="dk1">
-              <a:shade val="50000"/>
-            </a:schemeClr>
-          </a:lnRef>
-          <a:fillRef idx="1">
-            <a:schemeClr val="dk1"/>
-          </a:fillRef>
-          <a:effectRef idx="0">
-            <a:schemeClr val="dk1"/>
-          </a:effectRef>
-          <a:fontRef idx="minor">
-            <a:schemeClr val="lt1"/>
-          </a:fontRef>
-        </p:style>
-        <p:txBody>
-          <a:bodyPr rtlCol="0" anchor="ctr"/>
-          <a:lstStyle/>
-          <a:p>
-            <a:pPr algn="ctr"/>
-            <a:endParaRPr lang="en-US">
-              <a:solidFill>
-                <a:schemeClr val="tx1"/>
-              </a:solidFill>
-            </a:endParaRPr>
-          </a:p>
-        </p:txBody>
-      </p:sp>
-      <p:sp>
-        <p:nvSpPr>
-          <p:cNvPr id="12" name="Frame 11"/>
-          <p:cNvSpPr/>
-          <p:nvPr/>
-        </p:nvSpPr>
-        <p:spPr>
-          <a:xfrm>
-            <a:off x="3879282" y="5189066"/>
-            <a:ext cx="1150254" cy="815521"/>
-          </a:xfrm>
-          <a:prstGeom prst="frame">
-            <a:avLst>
-              <a:gd name="adj1" fmla="val 0"/>
-            </a:avLst>
-          </a:prstGeom>
-        </p:spPr>
-        <p:style>
-          <a:lnRef idx="2">
-            <a:schemeClr val="dk1">
-              <a:shade val="50000"/>
-            </a:schemeClr>
-          </a:lnRef>
-          <a:fillRef idx="1">
-            <a:schemeClr val="dk1"/>
-          </a:fillRef>
-          <a:effectRef idx="0">
-            <a:schemeClr val="dk1"/>
-          </a:effectRef>
-          <a:fontRef idx="minor">
-            <a:schemeClr val="lt1"/>
-          </a:fontRef>
-        </p:style>
-        <p:txBody>
-          <a:bodyPr rtlCol="0" anchor="ctr"/>
-          <a:lstStyle/>
-          <a:p>
-            <a:pPr algn="ctr"/>
-            <a:endParaRPr lang="en-US">
-              <a:solidFill>
-                <a:schemeClr val="tx1"/>
-              </a:solidFill>
-            </a:endParaRPr>
-          </a:p>
-        </p:txBody>
-      </p:sp>
-      <p:sp>
-        <p:nvSpPr>
-          <p:cNvPr id="13" name="TextBox 12"/>
-          <p:cNvSpPr txBox="1"/>
-          <p:nvPr/>
-        </p:nvSpPr>
-        <p:spPr>
-          <a:xfrm>
-            <a:off x="2219210" y="5221177"/>
-            <a:ext cx="963386" cy="738664"/>
-          </a:xfrm>
-          <a:prstGeom prst="rect">
-            <a:avLst/>
-          </a:prstGeom>
-          <a:noFill/>
-        </p:spPr>
-        <p:txBody>
-          <a:bodyPr wrap="square" rtlCol="0">
-            <a:spAutoFit/>
-          </a:bodyPr>
-          <a:lstStyle/>
-          <a:p>
-            <a:pPr algn="ctr"/>
-            <a:r>
-              <a:rPr lang="en-US" sz="1400" dirty="0"/>
-              <a:t>LOG IN</a:t>
-            </a:r>
-          </a:p>
-          <a:p>
-            <a:pPr algn="ctr"/>
-            <a:r>
-              <a:rPr lang="en-US" sz="1400" dirty="0"/>
-              <a:t>with Facebook</a:t>
-            </a:r>
-          </a:p>
-        </p:txBody>
-      </p:sp>
-      <p:sp>
-        <p:nvSpPr>
-          <p:cNvPr id="14" name="TextBox 13"/>
-          <p:cNvSpPr txBox="1"/>
-          <p:nvPr/>
-        </p:nvSpPr>
-        <p:spPr>
-          <a:xfrm>
-            <a:off x="3972716" y="5231783"/>
-            <a:ext cx="963386" cy="738664"/>
-          </a:xfrm>
-          <a:prstGeom prst="rect">
-            <a:avLst/>
-          </a:prstGeom>
-          <a:noFill/>
-        </p:spPr>
-        <p:txBody>
-          <a:bodyPr wrap="square" rtlCol="0">
-            <a:spAutoFit/>
-          </a:bodyPr>
-          <a:lstStyle/>
-          <a:p>
-            <a:pPr algn="ctr"/>
-            <a:r>
-              <a:rPr lang="en-US" sz="1400" dirty="0"/>
-              <a:t>LOG IN</a:t>
-            </a:r>
-          </a:p>
-          <a:p>
-            <a:pPr algn="ctr"/>
-            <a:r>
-              <a:rPr lang="en-US" sz="1400" dirty="0"/>
-              <a:t>with Google+</a:t>
-            </a:r>
-          </a:p>
-        </p:txBody>
-      </p:sp>
-      <p:sp>
-        <p:nvSpPr>
-          <p:cNvPr id="15" name="Frame 14"/>
-          <p:cNvSpPr/>
-          <p:nvPr/>
-        </p:nvSpPr>
-        <p:spPr>
-          <a:xfrm>
-            <a:off x="6789254" y="477868"/>
-            <a:ext cx="3657600" cy="5943600"/>
-          </a:xfrm>
-          <a:prstGeom prst="frame">
-            <a:avLst>
-              <a:gd name="adj1" fmla="val 992"/>
-            </a:avLst>
-          </a:prstGeom>
-          <a:ln/>
-        </p:spPr>
-        <p:style>
-          <a:lnRef idx="2">
-            <a:schemeClr val="dk1">
-              <a:shade val="50000"/>
-            </a:schemeClr>
-          </a:lnRef>
-          <a:fillRef idx="1">
-            <a:schemeClr val="dk1"/>
-          </a:fillRef>
-          <a:effectRef idx="0">
-            <a:schemeClr val="dk1"/>
-          </a:effectRef>
-          <a:fontRef idx="minor">
-            <a:schemeClr val="lt1"/>
-          </a:fontRef>
-        </p:style>
-        <p:txBody>
-          <a:bodyPr rtlCol="0" anchor="ctr"/>
-          <a:lstStyle/>
-          <a:p>
-            <a:pPr algn="ctr"/>
-            <a:endParaRPr lang="en-US">
-              <a:solidFill>
-                <a:schemeClr val="tx1"/>
-              </a:solidFill>
-            </a:endParaRPr>
-          </a:p>
-        </p:txBody>
-      </p:sp>
-      <p:sp>
-        <p:nvSpPr>
-          <p:cNvPr id="16" name="Frame 15"/>
-          <p:cNvSpPr/>
-          <p:nvPr/>
-        </p:nvSpPr>
-        <p:spPr>
-          <a:xfrm>
-            <a:off x="7188397" y="913296"/>
-            <a:ext cx="1132115" cy="815521"/>
-          </a:xfrm>
-          <a:prstGeom prst="frame">
-            <a:avLst>
-              <a:gd name="adj1" fmla="val 0"/>
-            </a:avLst>
-          </a:prstGeom>
-        </p:spPr>
-        <p:style>
-          <a:lnRef idx="2">
-            <a:schemeClr val="dk1">
-              <a:shade val="50000"/>
-            </a:schemeClr>
-          </a:lnRef>
-          <a:fillRef idx="1">
-            <a:schemeClr val="dk1"/>
-          </a:fillRef>
-          <a:effectRef idx="0">
-            <a:schemeClr val="dk1"/>
-          </a:effectRef>
-          <a:fontRef idx="minor">
-            <a:schemeClr val="lt1"/>
-          </a:fontRef>
-        </p:style>
-        <p:txBody>
-          <a:bodyPr rtlCol="0" anchor="ctr"/>
-          <a:lstStyle/>
-          <a:p>
-            <a:pPr algn="ctr"/>
-            <a:endParaRPr lang="en-US">
-              <a:solidFill>
-                <a:schemeClr val="tx1"/>
-              </a:solidFill>
-            </a:endParaRPr>
-          </a:p>
-        </p:txBody>
-      </p:sp>
-      <p:sp>
-        <p:nvSpPr>
-          <p:cNvPr id="17" name="Frame 16"/>
-          <p:cNvSpPr/>
-          <p:nvPr/>
-        </p:nvSpPr>
-        <p:spPr>
-          <a:xfrm>
-            <a:off x="8930113" y="913296"/>
-            <a:ext cx="1150254" cy="815521"/>
-          </a:xfrm>
-          <a:prstGeom prst="frame">
-            <a:avLst>
-              <a:gd name="adj1" fmla="val 0"/>
-            </a:avLst>
-          </a:prstGeom>
-        </p:spPr>
-        <p:style>
-          <a:lnRef idx="2">
-            <a:schemeClr val="dk1">
-              <a:shade val="50000"/>
-            </a:schemeClr>
-          </a:lnRef>
-          <a:fillRef idx="1">
-            <a:schemeClr val="dk1"/>
-          </a:fillRef>
-          <a:effectRef idx="0">
-            <a:schemeClr val="dk1"/>
-          </a:effectRef>
-          <a:fontRef idx="minor">
-            <a:schemeClr val="lt1"/>
-          </a:fontRef>
-        </p:style>
-        <p:txBody>
-          <a:bodyPr rtlCol="0" anchor="ctr"/>
-          <a:lstStyle/>
-          <a:p>
-            <a:pPr algn="ctr"/>
-            <a:endParaRPr lang="en-US">
-              <a:solidFill>
-                <a:schemeClr val="tx1"/>
-              </a:solidFill>
-            </a:endParaRPr>
-          </a:p>
-        </p:txBody>
-      </p:sp>
-      <p:sp>
-        <p:nvSpPr>
-          <p:cNvPr id="18" name="Frame 17"/>
-          <p:cNvSpPr/>
-          <p:nvPr/>
-        </p:nvSpPr>
-        <p:spPr>
-          <a:xfrm>
-            <a:off x="7863312" y="3598442"/>
-            <a:ext cx="2416627" cy="332721"/>
-          </a:xfrm>
-          <a:prstGeom prst="frame">
-            <a:avLst>
-              <a:gd name="adj1" fmla="val 0"/>
-            </a:avLst>
-          </a:prstGeom>
-        </p:spPr>
-        <p:style>
-          <a:lnRef idx="2">
-            <a:schemeClr val="dk1">
-              <a:shade val="50000"/>
-            </a:schemeClr>
-          </a:lnRef>
-          <a:fillRef idx="1">
-            <a:schemeClr val="dk1"/>
-          </a:fillRef>
-          <a:effectRef idx="0">
-            <a:schemeClr val="dk1"/>
-          </a:effectRef>
-          <a:fontRef idx="minor">
-            <a:schemeClr val="lt1"/>
-          </a:fontRef>
-        </p:style>
-        <p:txBody>
-          <a:bodyPr rtlCol="0" anchor="ctr"/>
-          <a:lstStyle/>
-          <a:p>
-            <a:pPr algn="ctr"/>
-            <a:endParaRPr lang="en-US">
-              <a:solidFill>
-                <a:schemeClr val="tx1"/>
-              </a:solidFill>
-            </a:endParaRPr>
-          </a:p>
-        </p:txBody>
-      </p:sp>
-      <p:sp>
-        <p:nvSpPr>
-          <p:cNvPr id="19" name="Frame 18"/>
-          <p:cNvSpPr/>
-          <p:nvPr/>
-        </p:nvSpPr>
-        <p:spPr>
-          <a:xfrm>
-            <a:off x="7863312" y="3062068"/>
-            <a:ext cx="2416627" cy="315029"/>
-          </a:xfrm>
-          <a:prstGeom prst="frame">
-            <a:avLst>
-              <a:gd name="adj1" fmla="val 0"/>
-            </a:avLst>
-          </a:prstGeom>
-        </p:spPr>
-        <p:style>
-          <a:lnRef idx="2">
-            <a:schemeClr val="dk1">
-              <a:shade val="50000"/>
-            </a:schemeClr>
-          </a:lnRef>
-          <a:fillRef idx="1">
-            <a:schemeClr val="dk1"/>
-          </a:fillRef>
-          <a:effectRef idx="0">
-            <a:schemeClr val="dk1"/>
-          </a:effectRef>
-          <a:fontRef idx="minor">
-            <a:schemeClr val="lt1"/>
-          </a:fontRef>
-        </p:style>
-        <p:txBody>
-          <a:bodyPr rtlCol="0" anchor="ctr"/>
-          <a:lstStyle/>
-          <a:p>
-            <a:pPr algn="ctr"/>
-            <a:endParaRPr lang="en-US">
-              <a:solidFill>
-                <a:schemeClr val="tx1"/>
-              </a:solidFill>
-            </a:endParaRPr>
-          </a:p>
-        </p:txBody>
-      </p:sp>
-      <p:sp>
-        <p:nvSpPr>
-          <p:cNvPr id="20" name="Frame 19"/>
-          <p:cNvSpPr/>
-          <p:nvPr/>
-        </p:nvSpPr>
-        <p:spPr>
-          <a:xfrm>
-            <a:off x="7863312" y="2546319"/>
-            <a:ext cx="2411488" cy="328753"/>
-          </a:xfrm>
-          <a:prstGeom prst="frame">
-            <a:avLst>
-              <a:gd name="adj1" fmla="val 0"/>
-            </a:avLst>
-          </a:prstGeom>
-        </p:spPr>
-        <p:style>
-          <a:lnRef idx="2">
-            <a:schemeClr val="dk1">
-              <a:shade val="50000"/>
-            </a:schemeClr>
-          </a:lnRef>
-          <a:fillRef idx="1">
-            <a:schemeClr val="dk1"/>
-          </a:fillRef>
-          <a:effectRef idx="0">
-            <a:schemeClr val="dk1"/>
-          </a:effectRef>
-          <a:fontRef idx="minor">
-            <a:schemeClr val="lt1"/>
-          </a:fontRef>
-        </p:style>
-        <p:txBody>
-          <a:bodyPr rtlCol="0" anchor="ctr"/>
-          <a:lstStyle/>
-          <a:p>
-            <a:pPr algn="ctr"/>
-            <a:endParaRPr lang="en-US">
-              <a:solidFill>
-                <a:schemeClr val="tx1"/>
-              </a:solidFill>
-            </a:endParaRPr>
-          </a:p>
-        </p:txBody>
-      </p:sp>
-      <p:sp>
-        <p:nvSpPr>
-          <p:cNvPr id="21" name="Frame 20"/>
-          <p:cNvSpPr/>
-          <p:nvPr/>
-        </p:nvSpPr>
-        <p:spPr>
-          <a:xfrm>
-            <a:off x="7863311" y="4164502"/>
-            <a:ext cx="2416627" cy="362852"/>
-          </a:xfrm>
-          <a:prstGeom prst="frame">
-            <a:avLst>
-              <a:gd name="adj1" fmla="val 0"/>
-            </a:avLst>
-          </a:prstGeom>
-        </p:spPr>
-        <p:style>
-          <a:lnRef idx="2">
-            <a:schemeClr val="dk1">
-              <a:shade val="50000"/>
-            </a:schemeClr>
-          </a:lnRef>
-          <a:fillRef idx="1">
-            <a:schemeClr val="dk1"/>
-          </a:fillRef>
-          <a:effectRef idx="0">
-            <a:schemeClr val="dk1"/>
-          </a:effectRef>
-          <a:fontRef idx="minor">
-            <a:schemeClr val="lt1"/>
-          </a:fontRef>
-        </p:style>
-        <p:txBody>
-          <a:bodyPr rtlCol="0" anchor="ctr"/>
-          <a:lstStyle/>
-          <a:p>
-            <a:pPr algn="ctr"/>
-            <a:endParaRPr lang="en-US">
-              <a:solidFill>
-                <a:schemeClr val="tx1"/>
-              </a:solidFill>
-            </a:endParaRPr>
-          </a:p>
-        </p:txBody>
-      </p:sp>
-      <p:sp>
-        <p:nvSpPr>
-          <p:cNvPr id="22" name="Frame 21"/>
-          <p:cNvSpPr/>
-          <p:nvPr/>
-        </p:nvSpPr>
-        <p:spPr>
-          <a:xfrm>
-            <a:off x="7246453" y="4730551"/>
-            <a:ext cx="188688" cy="181431"/>
-          </a:xfrm>
-          <a:prstGeom prst="frame">
-            <a:avLst>
-              <a:gd name="adj1" fmla="val 219"/>
-            </a:avLst>
-          </a:prstGeom>
-        </p:spPr>
-        <p:style>
-          <a:lnRef idx="2">
-            <a:schemeClr val="dk1">
-              <a:shade val="50000"/>
-            </a:schemeClr>
-          </a:lnRef>
-          <a:fillRef idx="1">
-            <a:schemeClr val="dk1"/>
-          </a:fillRef>
-          <a:effectRef idx="0">
-            <a:schemeClr val="dk1"/>
-          </a:effectRef>
-          <a:fontRef idx="minor">
-            <a:schemeClr val="lt1"/>
-          </a:fontRef>
-        </p:style>
-        <p:txBody>
-          <a:bodyPr rtlCol="0" anchor="ctr"/>
-          <a:lstStyle/>
-          <a:p>
-            <a:pPr algn="ctr"/>
-            <a:endParaRPr lang="en-US">
-              <a:solidFill>
-                <a:schemeClr val="tx1"/>
-              </a:solidFill>
-            </a:endParaRPr>
-          </a:p>
-        </p:txBody>
-      </p:sp>
-      <p:sp>
-        <p:nvSpPr>
-          <p:cNvPr id="23" name="Frame 22"/>
-          <p:cNvSpPr/>
-          <p:nvPr/>
-        </p:nvSpPr>
-        <p:spPr>
-          <a:xfrm>
-            <a:off x="7250085" y="5151468"/>
-            <a:ext cx="185056" cy="188685"/>
-          </a:xfrm>
-          <a:prstGeom prst="frame">
-            <a:avLst>
-              <a:gd name="adj1" fmla="val 219"/>
-            </a:avLst>
-          </a:prstGeom>
-        </p:spPr>
-        <p:style>
-          <a:lnRef idx="2">
-            <a:schemeClr val="dk1">
-              <a:shade val="50000"/>
-            </a:schemeClr>
-          </a:lnRef>
-          <a:fillRef idx="1">
-            <a:schemeClr val="dk1"/>
-          </a:fillRef>
-          <a:effectRef idx="0">
-            <a:schemeClr val="dk1"/>
-          </a:effectRef>
-          <a:fontRef idx="minor">
-            <a:schemeClr val="lt1"/>
-          </a:fontRef>
-        </p:style>
-        <p:txBody>
-          <a:bodyPr rtlCol="0" anchor="ctr"/>
-          <a:lstStyle/>
-          <a:p>
-            <a:pPr algn="ctr"/>
-            <a:endParaRPr lang="en-US">
-              <a:solidFill>
-                <a:schemeClr val="tx1"/>
-              </a:solidFill>
-            </a:endParaRPr>
-          </a:p>
-        </p:txBody>
-      </p:sp>
-      <p:sp>
-        <p:nvSpPr>
-          <p:cNvPr id="24" name="Frame 23"/>
-          <p:cNvSpPr/>
-          <p:nvPr/>
-        </p:nvSpPr>
-        <p:spPr>
-          <a:xfrm>
-            <a:off x="7785296" y="5537909"/>
-            <a:ext cx="1665515" cy="466276"/>
-          </a:xfrm>
-          <a:prstGeom prst="frame">
-            <a:avLst>
-              <a:gd name="adj1" fmla="val 0"/>
-            </a:avLst>
-          </a:prstGeom>
-        </p:spPr>
-        <p:style>
-          <a:lnRef idx="2">
-            <a:schemeClr val="dk1">
-              <a:shade val="50000"/>
-            </a:schemeClr>
-          </a:lnRef>
-          <a:fillRef idx="1">
-            <a:schemeClr val="dk1"/>
-          </a:fillRef>
-          <a:effectRef idx="0">
-            <a:schemeClr val="dk1"/>
-          </a:effectRef>
-          <a:fontRef idx="minor">
-            <a:schemeClr val="lt1"/>
-          </a:fontRef>
-        </p:style>
-        <p:txBody>
-          <a:bodyPr rtlCol="0" anchor="ctr"/>
-          <a:lstStyle/>
-          <a:p>
-            <a:pPr algn="ctr"/>
-            <a:endParaRPr lang="en-US">
-              <a:solidFill>
-                <a:schemeClr val="tx1"/>
-              </a:solidFill>
-            </a:endParaRPr>
-          </a:p>
-        </p:txBody>
-      </p:sp>
-      <p:sp>
-        <p:nvSpPr>
-          <p:cNvPr id="25" name="TextBox 24"/>
-          <p:cNvSpPr txBox="1"/>
-          <p:nvPr/>
-        </p:nvSpPr>
-        <p:spPr>
-          <a:xfrm>
-            <a:off x="7270041" y="945407"/>
-            <a:ext cx="963386" cy="738664"/>
-          </a:xfrm>
-          <a:prstGeom prst="rect">
-            <a:avLst/>
-          </a:prstGeom>
-          <a:noFill/>
-        </p:spPr>
-        <p:txBody>
-          <a:bodyPr wrap="square" rtlCol="0">
-            <a:spAutoFit/>
-          </a:bodyPr>
-          <a:lstStyle/>
-          <a:p>
-            <a:pPr algn="ctr"/>
-            <a:r>
-              <a:rPr lang="en-US" sz="1400" dirty="0"/>
-              <a:t>SIGN UP with Facebook</a:t>
-            </a:r>
-          </a:p>
-        </p:txBody>
-      </p:sp>
-      <p:sp>
-        <p:nvSpPr>
-          <p:cNvPr id="26" name="TextBox 25"/>
-          <p:cNvSpPr txBox="1"/>
-          <p:nvPr/>
-        </p:nvSpPr>
-        <p:spPr>
-          <a:xfrm>
-            <a:off x="8136360" y="5617158"/>
-            <a:ext cx="963386" cy="307777"/>
-          </a:xfrm>
-          <a:prstGeom prst="rect">
-            <a:avLst/>
-          </a:prstGeom>
-          <a:noFill/>
-        </p:spPr>
-        <p:txBody>
-          <a:bodyPr wrap="square" rtlCol="0">
-            <a:spAutoFit/>
-          </a:bodyPr>
-          <a:lstStyle/>
-          <a:p>
-            <a:pPr algn="ctr"/>
-            <a:r>
-              <a:rPr lang="en-US" sz="1400" dirty="0"/>
+            <a:endParaRPr lang="en-US" sz="1050" dirty="0" smtClean="0"/>
+          </a:p>
+          <a:p>
+            <a:pPr algn="ctr"/>
+            <a:r>
+              <a:rPr lang="en-US" dirty="0" smtClean="0"/>
               <a:t>SIGN UP</a:t>
             </a:r>
           </a:p>
-        </p:txBody>
-      </p:sp>
-      <p:sp>
-        <p:nvSpPr>
-          <p:cNvPr id="27" name="TextBox 26"/>
-          <p:cNvSpPr txBox="1"/>
-          <p:nvPr/>
-        </p:nvSpPr>
-        <p:spPr>
-          <a:xfrm>
-            <a:off x="9023547" y="956013"/>
-            <a:ext cx="963386" cy="738664"/>
-          </a:xfrm>
-          <a:prstGeom prst="rect">
-            <a:avLst/>
-          </a:prstGeom>
-          <a:noFill/>
-        </p:spPr>
-        <p:txBody>
-          <a:bodyPr wrap="square" rtlCol="0">
-            <a:spAutoFit/>
-          </a:bodyPr>
-          <a:lstStyle/>
-          <a:p>
-            <a:pPr algn="ctr"/>
-            <a:r>
-              <a:rPr lang="en-US" sz="1400" dirty="0"/>
-              <a:t>SIGN UP with Google+</a:t>
-            </a:r>
-          </a:p>
-        </p:txBody>
-      </p:sp>
-      <p:cxnSp>
-        <p:nvCxnSpPr>
-          <p:cNvPr id="28" name="Straight Connector 27"/>
-          <p:cNvCxnSpPr/>
-          <p:nvPr/>
-        </p:nvCxnSpPr>
-        <p:spPr>
-          <a:xfrm>
-            <a:off x="6999712" y="2098149"/>
-            <a:ext cx="863599" cy="0"/>
-          </a:xfrm>
-          <a:prstGeom prst="line">
-            <a:avLst/>
-          </a:prstGeom>
-        </p:spPr>
-        <p:style>
-          <a:lnRef idx="1">
-            <a:schemeClr val="dk1"/>
-          </a:lnRef>
-          <a:fillRef idx="0">
-            <a:schemeClr val="dk1"/>
-          </a:fillRef>
-          <a:effectRef idx="0">
-            <a:schemeClr val="dk1"/>
-          </a:effectRef>
-          <a:fontRef idx="minor">
-            <a:schemeClr val="tx1"/>
-          </a:fontRef>
-        </p:style>
-      </p:cxnSp>
-      <p:cxnSp>
-        <p:nvCxnSpPr>
-          <p:cNvPr id="29" name="Straight Connector 28"/>
-          <p:cNvCxnSpPr/>
-          <p:nvPr/>
-        </p:nvCxnSpPr>
-        <p:spPr>
-          <a:xfrm>
-            <a:off x="9450811" y="2098149"/>
-            <a:ext cx="823988" cy="0"/>
-          </a:xfrm>
-          <a:prstGeom prst="line">
-            <a:avLst/>
-          </a:prstGeom>
-        </p:spPr>
-        <p:style>
-          <a:lnRef idx="1">
-            <a:schemeClr val="dk1"/>
-          </a:lnRef>
-          <a:fillRef idx="0">
-            <a:schemeClr val="dk1"/>
-          </a:fillRef>
-          <a:effectRef idx="0">
-            <a:schemeClr val="dk1"/>
-          </a:effectRef>
-          <a:fontRef idx="minor">
-            <a:schemeClr val="tx1"/>
-          </a:fontRef>
-        </p:style>
-      </p:cxnSp>
-      <p:sp>
-        <p:nvSpPr>
-          <p:cNvPr id="30" name="TextBox 29"/>
-          <p:cNvSpPr txBox="1"/>
-          <p:nvPr/>
-        </p:nvSpPr>
-        <p:spPr>
-          <a:xfrm>
-            <a:off x="7863312" y="1998345"/>
-            <a:ext cx="1587500" cy="246221"/>
-          </a:xfrm>
-          <a:prstGeom prst="rect">
-            <a:avLst/>
-          </a:prstGeom>
-          <a:noFill/>
-        </p:spPr>
-        <p:txBody>
-          <a:bodyPr wrap="square" rtlCol="0">
-            <a:spAutoFit/>
-          </a:bodyPr>
-          <a:lstStyle/>
-          <a:p>
-            <a:pPr algn="ctr"/>
-            <a:r>
-              <a:rPr lang="en-US" sz="1000" dirty="0"/>
-              <a:t>Or, Create a new account</a:t>
-            </a:r>
-          </a:p>
-        </p:txBody>
-      </p:sp>
-      <p:sp>
-        <p:nvSpPr>
-          <p:cNvPr id="31" name="TextBox 30"/>
-          <p:cNvSpPr txBox="1"/>
-          <p:nvPr/>
-        </p:nvSpPr>
-        <p:spPr>
-          <a:xfrm>
-            <a:off x="6876341" y="2576675"/>
-            <a:ext cx="986970" cy="276999"/>
-          </a:xfrm>
-          <a:prstGeom prst="rect">
-            <a:avLst/>
-          </a:prstGeom>
-          <a:noFill/>
-        </p:spPr>
-        <p:txBody>
-          <a:bodyPr wrap="square" rtlCol="0">
-            <a:spAutoFit/>
-          </a:bodyPr>
-          <a:lstStyle/>
-          <a:p>
-            <a:pPr algn="ctr"/>
-            <a:r>
-              <a:rPr lang="en-US" sz="1200" dirty="0"/>
-              <a:t>Username</a:t>
-            </a:r>
-          </a:p>
-        </p:txBody>
-      </p:sp>
-      <p:sp>
-        <p:nvSpPr>
-          <p:cNvPr id="32" name="TextBox 31"/>
-          <p:cNvSpPr txBox="1"/>
-          <p:nvPr/>
-        </p:nvSpPr>
-        <p:spPr>
-          <a:xfrm>
-            <a:off x="6883598" y="3098258"/>
-            <a:ext cx="986970" cy="276999"/>
-          </a:xfrm>
-          <a:prstGeom prst="rect">
-            <a:avLst/>
-          </a:prstGeom>
-          <a:noFill/>
-        </p:spPr>
-        <p:txBody>
-          <a:bodyPr wrap="square" rtlCol="0">
-            <a:spAutoFit/>
-          </a:bodyPr>
-          <a:lstStyle/>
-          <a:p>
-            <a:pPr algn="ctr"/>
-            <a:r>
-              <a:rPr lang="en-US" sz="1200" dirty="0"/>
-              <a:t>Password</a:t>
-            </a:r>
-          </a:p>
-        </p:txBody>
-      </p:sp>
-      <p:sp>
-        <p:nvSpPr>
-          <p:cNvPr id="33" name="TextBox 32"/>
-          <p:cNvSpPr txBox="1"/>
-          <p:nvPr/>
-        </p:nvSpPr>
-        <p:spPr>
-          <a:xfrm>
-            <a:off x="6883598" y="3623386"/>
-            <a:ext cx="986970" cy="461665"/>
-          </a:xfrm>
-          <a:prstGeom prst="rect">
-            <a:avLst/>
-          </a:prstGeom>
-          <a:noFill/>
-        </p:spPr>
-        <p:txBody>
-          <a:bodyPr wrap="square" rtlCol="0">
-            <a:spAutoFit/>
-          </a:bodyPr>
-          <a:lstStyle/>
-          <a:p>
-            <a:pPr algn="ctr"/>
-            <a:r>
-              <a:rPr lang="en-US" sz="1200" dirty="0"/>
-              <a:t>Password (again)</a:t>
-            </a:r>
-          </a:p>
-        </p:txBody>
-      </p:sp>
-      <p:sp>
-        <p:nvSpPr>
-          <p:cNvPr id="34" name="TextBox 33"/>
-          <p:cNvSpPr txBox="1"/>
-          <p:nvPr/>
-        </p:nvSpPr>
-        <p:spPr>
-          <a:xfrm>
-            <a:off x="6883598" y="4202515"/>
-            <a:ext cx="986970" cy="276999"/>
-          </a:xfrm>
-          <a:prstGeom prst="rect">
-            <a:avLst/>
-          </a:prstGeom>
-          <a:noFill/>
-        </p:spPr>
-        <p:txBody>
-          <a:bodyPr wrap="square" rtlCol="0">
-            <a:spAutoFit/>
-          </a:bodyPr>
-          <a:lstStyle/>
-          <a:p>
-            <a:pPr algn="ctr"/>
-            <a:r>
-              <a:rPr lang="en-US" sz="1200" dirty="0"/>
-              <a:t>Email</a:t>
-            </a:r>
-          </a:p>
-        </p:txBody>
-      </p:sp>
-      <p:sp>
-        <p:nvSpPr>
-          <p:cNvPr id="35" name="TextBox 34"/>
-          <p:cNvSpPr txBox="1"/>
-          <p:nvPr/>
-        </p:nvSpPr>
-        <p:spPr>
-          <a:xfrm>
-            <a:off x="7751734" y="5025230"/>
-            <a:ext cx="2680001" cy="430887"/>
-          </a:xfrm>
-          <a:prstGeom prst="rect">
-            <a:avLst/>
-          </a:prstGeom>
-          <a:noFill/>
-        </p:spPr>
-        <p:txBody>
-          <a:bodyPr wrap="square" rtlCol="0">
-            <a:spAutoFit/>
-          </a:bodyPr>
-          <a:lstStyle/>
-          <a:p>
-            <a:r>
-              <a:rPr lang="en-US" sz="1050" dirty="0"/>
-              <a:t>I have read the </a:t>
-            </a:r>
-            <a:r>
-              <a:rPr lang="en-US" sz="1050" u="sng" dirty="0"/>
-              <a:t>Terms and Services</a:t>
-            </a:r>
-            <a:r>
-              <a:rPr lang="en-US" sz="1050" dirty="0"/>
-              <a:t> and therefore agree to it.</a:t>
-            </a:r>
-            <a:endParaRPr lang="en-US" sz="1050" u="sng" dirty="0"/>
-          </a:p>
-        </p:txBody>
-      </p:sp>
-      <p:sp>
-        <p:nvSpPr>
-          <p:cNvPr id="36" name="TextBox 35"/>
-          <p:cNvSpPr txBox="1"/>
-          <p:nvPr/>
-        </p:nvSpPr>
-        <p:spPr>
-          <a:xfrm>
-            <a:off x="7759745" y="4698565"/>
-            <a:ext cx="2680001" cy="253916"/>
-          </a:xfrm>
-          <a:prstGeom prst="rect">
-            <a:avLst/>
-          </a:prstGeom>
-          <a:noFill/>
-        </p:spPr>
-        <p:txBody>
-          <a:bodyPr wrap="square" rtlCol="0">
-            <a:spAutoFit/>
-          </a:bodyPr>
-          <a:lstStyle/>
-          <a:p>
-            <a:r>
-              <a:rPr lang="en-US" sz="1050" dirty="0"/>
-              <a:t>I am </a:t>
-            </a:r>
-            <a:r>
-              <a:rPr lang="en-US" sz="1050" dirty="0" smtClean="0"/>
-              <a:t>over the </a:t>
-            </a:r>
-            <a:r>
-              <a:rPr lang="en-US" sz="1050" dirty="0"/>
-              <a:t>age of 13</a:t>
-            </a:r>
-          </a:p>
-        </p:txBody>
-      </p:sp>
-      <p:cxnSp>
-        <p:nvCxnSpPr>
-          <p:cNvPr id="38" name="Straight Connector 37"/>
-          <p:cNvCxnSpPr/>
-          <p:nvPr/>
-        </p:nvCxnSpPr>
-        <p:spPr>
-          <a:xfrm>
-            <a:off x="6087649" y="0"/>
-            <a:ext cx="0" cy="6858000"/>
-          </a:xfrm>
-          <a:prstGeom prst="line">
-            <a:avLst/>
-          </a:prstGeom>
-        </p:spPr>
-        <p:style>
-          <a:lnRef idx="1">
-            <a:schemeClr val="dk1"/>
-          </a:lnRef>
-          <a:fillRef idx="0">
-            <a:schemeClr val="dk1"/>
-          </a:fillRef>
-          <a:effectRef idx="0">
-            <a:schemeClr val="dk1"/>
-          </a:effectRef>
-          <a:fontRef idx="minor">
-            <a:schemeClr val="tx1"/>
-          </a:fontRef>
-        </p:style>
-      </p:cxnSp>
-      <p:cxnSp>
-        <p:nvCxnSpPr>
-          <p:cNvPr id="39" name="Straight Connector 38"/>
-          <p:cNvCxnSpPr/>
-          <p:nvPr/>
-        </p:nvCxnSpPr>
-        <p:spPr>
-          <a:xfrm>
-            <a:off x="1962149" y="4781253"/>
-            <a:ext cx="713718" cy="0"/>
-          </a:xfrm>
-          <a:prstGeom prst="line">
-            <a:avLst/>
-          </a:prstGeom>
-        </p:spPr>
-        <p:style>
-          <a:lnRef idx="1">
-            <a:schemeClr val="dk1"/>
-          </a:lnRef>
-          <a:fillRef idx="0">
-            <a:schemeClr val="dk1"/>
-          </a:fillRef>
-          <a:effectRef idx="0">
-            <a:schemeClr val="dk1"/>
-          </a:effectRef>
-          <a:fontRef idx="minor">
-            <a:schemeClr val="tx1"/>
-          </a:fontRef>
-        </p:style>
-      </p:cxnSp>
-      <p:cxnSp>
-        <p:nvCxnSpPr>
-          <p:cNvPr id="40" name="Straight Connector 39"/>
-          <p:cNvCxnSpPr/>
-          <p:nvPr/>
-        </p:nvCxnSpPr>
-        <p:spPr>
-          <a:xfrm>
-            <a:off x="4437101" y="4781253"/>
-            <a:ext cx="718325" cy="0"/>
-          </a:xfrm>
-          <a:prstGeom prst="line">
-            <a:avLst/>
-          </a:prstGeom>
-        </p:spPr>
-        <p:style>
-          <a:lnRef idx="1">
-            <a:schemeClr val="dk1"/>
-          </a:lnRef>
-          <a:fillRef idx="0">
-            <a:schemeClr val="dk1"/>
-          </a:fillRef>
-          <a:effectRef idx="0">
-            <a:schemeClr val="dk1"/>
-          </a:effectRef>
-          <a:fontRef idx="minor">
-            <a:schemeClr val="tx1"/>
-          </a:fontRef>
-        </p:style>
-      </p:cxnSp>
-      <p:sp>
-        <p:nvSpPr>
-          <p:cNvPr id="41" name="TextBox 40"/>
-          <p:cNvSpPr txBox="1"/>
-          <p:nvPr/>
-        </p:nvSpPr>
-        <p:spPr>
-          <a:xfrm>
-            <a:off x="2693320" y="4681449"/>
-            <a:ext cx="1761363" cy="246221"/>
-          </a:xfrm>
-          <a:prstGeom prst="rect">
-            <a:avLst/>
-          </a:prstGeom>
-          <a:noFill/>
-        </p:spPr>
-        <p:txBody>
-          <a:bodyPr wrap="square" rtlCol="0">
-            <a:spAutoFit/>
-          </a:bodyPr>
-          <a:lstStyle/>
-          <a:p>
-            <a:pPr algn="ctr"/>
-            <a:r>
-              <a:rPr lang="en-US" sz="1000" dirty="0" smtClean="0"/>
-              <a:t>Forgot Username / Password?</a:t>
-            </a:r>
-            <a:endParaRPr lang="en-US" sz="1000" dirty="0"/>
+          <a:p>
+            <a:pPr algn="ctr"/>
+            <a:endParaRPr lang="en-US" sz="1050" dirty="0"/>
           </a:p>
         </p:txBody>
       </p:sp>
     </p:spTree>
     <p:extLst>
       <p:ext uri="{BB962C8B-B14F-4D97-AF65-F5344CB8AC3E}">
-        <p14:creationId xmlns:p14="http://schemas.microsoft.com/office/powerpoint/2010/main" val="247589901"/>
+        <p14:creationId xmlns:p14="http://schemas.microsoft.com/office/powerpoint/2010/main" val="90204275"/>
       </p:ext>
     </p:extLst>
   </p:cSld>
@@ -4493,13 +3246,13 @@
       </p:grpSpPr>
       <p:sp>
         <p:nvSpPr>
-          <p:cNvPr id="49" name="Frame 48"/>
+          <p:cNvPr id="2" name="Frame 1"/>
           <p:cNvSpPr/>
           <p:nvPr/>
         </p:nvSpPr>
         <p:spPr>
           <a:xfrm>
-            <a:off x="1728998" y="485433"/>
+            <a:off x="1728445" y="477868"/>
             <a:ext cx="3657600" cy="5943600"/>
           </a:xfrm>
           <a:prstGeom prst="frame">
@@ -4538,75 +3291,1052 @@
           </a:p>
         </p:txBody>
       </p:sp>
+      <p:sp>
+        <p:nvSpPr>
+          <p:cNvPr id="3" name="Frame 2"/>
+          <p:cNvSpPr/>
+          <p:nvPr/>
+        </p:nvSpPr>
+        <p:spPr>
+          <a:xfrm>
+            <a:off x="2744447" y="2631790"/>
+            <a:ext cx="2285090" cy="406401"/>
+          </a:xfrm>
+          <a:prstGeom prst="frame">
+            <a:avLst>
+              <a:gd name="adj1" fmla="val 0"/>
+            </a:avLst>
+          </a:prstGeom>
+        </p:spPr>
+        <p:style>
+          <a:lnRef idx="2">
+            <a:schemeClr val="dk1">
+              <a:shade val="50000"/>
+            </a:schemeClr>
+          </a:lnRef>
+          <a:fillRef idx="1">
+            <a:schemeClr val="dk1"/>
+          </a:fillRef>
+          <a:effectRef idx="0">
+            <a:schemeClr val="dk1"/>
+          </a:effectRef>
+          <a:fontRef idx="minor">
+            <a:schemeClr val="lt1"/>
+          </a:fontRef>
+        </p:style>
+        <p:txBody>
+          <a:bodyPr rtlCol="0" anchor="ctr"/>
+          <a:lstStyle/>
+          <a:p>
+            <a:pPr algn="ctr"/>
+            <a:endParaRPr lang="en-US">
+              <a:solidFill>
+                <a:schemeClr val="tx1"/>
+              </a:solidFill>
+            </a:endParaRPr>
+          </a:p>
+        </p:txBody>
+      </p:sp>
+      <p:sp>
+        <p:nvSpPr>
+          <p:cNvPr id="4" name="Frame 3"/>
+          <p:cNvSpPr/>
+          <p:nvPr/>
+        </p:nvSpPr>
+        <p:spPr>
+          <a:xfrm>
+            <a:off x="2736737" y="3276044"/>
+            <a:ext cx="2285090" cy="406401"/>
+          </a:xfrm>
+          <a:prstGeom prst="frame">
+            <a:avLst>
+              <a:gd name="adj1" fmla="val 0"/>
+            </a:avLst>
+          </a:prstGeom>
+        </p:spPr>
+        <p:style>
+          <a:lnRef idx="2">
+            <a:schemeClr val="dk1">
+              <a:shade val="50000"/>
+            </a:schemeClr>
+          </a:lnRef>
+          <a:fillRef idx="1">
+            <a:schemeClr val="dk1"/>
+          </a:fillRef>
+          <a:effectRef idx="0">
+            <a:schemeClr val="dk1"/>
+          </a:effectRef>
+          <a:fontRef idx="minor">
+            <a:schemeClr val="lt1"/>
+          </a:fontRef>
+        </p:style>
+        <p:txBody>
+          <a:bodyPr rtlCol="0" anchor="ctr"/>
+          <a:lstStyle/>
+          <a:p>
+            <a:pPr algn="ctr"/>
+            <a:endParaRPr lang="en-US">
+              <a:solidFill>
+                <a:schemeClr val="tx1"/>
+              </a:solidFill>
+            </a:endParaRPr>
+          </a:p>
+        </p:txBody>
+      </p:sp>
+      <p:sp>
+        <p:nvSpPr>
+          <p:cNvPr id="5" name="Frame 4"/>
+          <p:cNvSpPr/>
+          <p:nvPr/>
+        </p:nvSpPr>
+        <p:spPr>
+          <a:xfrm>
+            <a:off x="2744446" y="956280"/>
+            <a:ext cx="1640114" cy="1279071"/>
+          </a:xfrm>
+          <a:prstGeom prst="frame">
+            <a:avLst>
+              <a:gd name="adj1" fmla="val 0"/>
+            </a:avLst>
+          </a:prstGeom>
+        </p:spPr>
+        <p:style>
+          <a:lnRef idx="2">
+            <a:schemeClr val="dk1">
+              <a:shade val="50000"/>
+            </a:schemeClr>
+          </a:lnRef>
+          <a:fillRef idx="1">
+            <a:schemeClr val="dk1"/>
+          </a:fillRef>
+          <a:effectRef idx="0">
+            <a:schemeClr val="dk1"/>
+          </a:effectRef>
+          <a:fontRef idx="minor">
+            <a:schemeClr val="lt1"/>
+          </a:fontRef>
+        </p:style>
+        <p:txBody>
+          <a:bodyPr rtlCol="0" anchor="ctr"/>
+          <a:lstStyle/>
+          <a:p>
+            <a:pPr algn="ctr"/>
+            <a:endParaRPr lang="en-US">
+              <a:solidFill>
+                <a:schemeClr val="tx1"/>
+              </a:solidFill>
+            </a:endParaRPr>
+          </a:p>
+        </p:txBody>
+      </p:sp>
+      <p:sp>
+        <p:nvSpPr>
+          <p:cNvPr id="6" name="Frame 5"/>
+          <p:cNvSpPr/>
+          <p:nvPr/>
+        </p:nvSpPr>
+        <p:spPr>
+          <a:xfrm>
+            <a:off x="2137566" y="3985000"/>
+            <a:ext cx="2891970" cy="452584"/>
+          </a:xfrm>
+          <a:prstGeom prst="frame">
+            <a:avLst>
+              <a:gd name="adj1" fmla="val 0"/>
+            </a:avLst>
+          </a:prstGeom>
+        </p:spPr>
+        <p:style>
+          <a:lnRef idx="2">
+            <a:schemeClr val="dk1">
+              <a:shade val="50000"/>
+            </a:schemeClr>
+          </a:lnRef>
+          <a:fillRef idx="1">
+            <a:schemeClr val="dk1"/>
+          </a:fillRef>
+          <a:effectRef idx="0">
+            <a:schemeClr val="dk1"/>
+          </a:effectRef>
+          <a:fontRef idx="minor">
+            <a:schemeClr val="lt1"/>
+          </a:fontRef>
+        </p:style>
+        <p:txBody>
+          <a:bodyPr rtlCol="0" anchor="ctr"/>
+          <a:lstStyle/>
+          <a:p>
+            <a:pPr algn="ctr"/>
+            <a:endParaRPr lang="en-US">
+              <a:solidFill>
+                <a:schemeClr val="tx1"/>
+              </a:solidFill>
+            </a:endParaRPr>
+          </a:p>
+        </p:txBody>
+      </p:sp>
+      <p:sp>
+        <p:nvSpPr>
+          <p:cNvPr id="7" name="TextBox 6"/>
+          <p:cNvSpPr txBox="1"/>
+          <p:nvPr/>
+        </p:nvSpPr>
+        <p:spPr>
+          <a:xfrm>
+            <a:off x="1787412" y="2696490"/>
+            <a:ext cx="986970" cy="276999"/>
+          </a:xfrm>
+          <a:prstGeom prst="rect">
+            <a:avLst/>
+          </a:prstGeom>
+          <a:noFill/>
+        </p:spPr>
+        <p:txBody>
+          <a:bodyPr wrap="square" rtlCol="0">
+            <a:spAutoFit/>
+          </a:bodyPr>
+          <a:lstStyle/>
+          <a:p>
+            <a:pPr algn="ctr"/>
+            <a:r>
+              <a:rPr lang="en-US" sz="1200" dirty="0"/>
+              <a:t>Username</a:t>
+            </a:r>
+          </a:p>
+        </p:txBody>
+      </p:sp>
+      <p:sp>
+        <p:nvSpPr>
+          <p:cNvPr id="8" name="TextBox 7"/>
+          <p:cNvSpPr txBox="1"/>
+          <p:nvPr/>
+        </p:nvSpPr>
+        <p:spPr>
+          <a:xfrm>
+            <a:off x="1773352" y="3319133"/>
+            <a:ext cx="963386" cy="276999"/>
+          </a:xfrm>
+          <a:prstGeom prst="rect">
+            <a:avLst/>
+          </a:prstGeom>
+          <a:noFill/>
+        </p:spPr>
+        <p:txBody>
+          <a:bodyPr wrap="square" rtlCol="0">
+            <a:spAutoFit/>
+          </a:bodyPr>
+          <a:lstStyle/>
+          <a:p>
+            <a:pPr algn="ctr"/>
+            <a:r>
+              <a:rPr lang="en-US" sz="1200" dirty="0"/>
+              <a:t>Password</a:t>
+            </a:r>
+          </a:p>
+        </p:txBody>
+      </p:sp>
+      <p:sp>
+        <p:nvSpPr>
+          <p:cNvPr id="9" name="TextBox 8"/>
+          <p:cNvSpPr txBox="1"/>
+          <p:nvPr/>
+        </p:nvSpPr>
+        <p:spPr>
+          <a:xfrm>
+            <a:off x="2902741" y="1226483"/>
+            <a:ext cx="1309008" cy="738664"/>
+          </a:xfrm>
+          <a:prstGeom prst="rect">
+            <a:avLst/>
+          </a:prstGeom>
+          <a:noFill/>
+        </p:spPr>
+        <p:txBody>
+          <a:bodyPr wrap="square" rtlCol="0">
+            <a:spAutoFit/>
+          </a:bodyPr>
+          <a:lstStyle/>
+          <a:p>
+            <a:pPr algn="ctr"/>
+            <a:r>
+              <a:rPr lang="en-US" sz="1400" dirty="0"/>
+              <a:t>LOGO</a:t>
+            </a:r>
+          </a:p>
+          <a:p>
+            <a:pPr algn="ctr"/>
+            <a:r>
+              <a:rPr lang="en-US" sz="1400" dirty="0"/>
+              <a:t>+</a:t>
+            </a:r>
+          </a:p>
+          <a:p>
+            <a:pPr algn="ctr"/>
+            <a:r>
+              <a:rPr lang="en-US" sz="1400" dirty="0"/>
+              <a:t>Flashcards</a:t>
+            </a:r>
+          </a:p>
+        </p:txBody>
+      </p:sp>
+      <p:sp>
+        <p:nvSpPr>
+          <p:cNvPr id="10" name="TextBox 9"/>
+          <p:cNvSpPr txBox="1"/>
+          <p:nvPr/>
+        </p:nvSpPr>
+        <p:spPr>
+          <a:xfrm>
+            <a:off x="3046523" y="4063013"/>
+            <a:ext cx="963386" cy="307777"/>
+          </a:xfrm>
+          <a:prstGeom prst="rect">
+            <a:avLst/>
+          </a:prstGeom>
+          <a:noFill/>
+        </p:spPr>
+        <p:txBody>
+          <a:bodyPr wrap="square" rtlCol="0">
+            <a:spAutoFit/>
+          </a:bodyPr>
+          <a:lstStyle/>
+          <a:p>
+            <a:pPr algn="ctr"/>
+            <a:r>
+              <a:rPr lang="en-US" sz="1400"/>
+              <a:t>LOG IN</a:t>
+            </a:r>
+            <a:endParaRPr lang="en-US" sz="1400" dirty="0"/>
+          </a:p>
+        </p:txBody>
+      </p:sp>
+      <p:sp>
+        <p:nvSpPr>
+          <p:cNvPr id="11" name="Frame 10"/>
+          <p:cNvSpPr/>
+          <p:nvPr/>
+        </p:nvSpPr>
+        <p:spPr>
+          <a:xfrm>
+            <a:off x="2137566" y="5189066"/>
+            <a:ext cx="1132115" cy="815521"/>
+          </a:xfrm>
+          <a:prstGeom prst="frame">
+            <a:avLst>
+              <a:gd name="adj1" fmla="val 0"/>
+            </a:avLst>
+          </a:prstGeom>
+        </p:spPr>
+        <p:style>
+          <a:lnRef idx="2">
+            <a:schemeClr val="dk1">
+              <a:shade val="50000"/>
+            </a:schemeClr>
+          </a:lnRef>
+          <a:fillRef idx="1">
+            <a:schemeClr val="dk1"/>
+          </a:fillRef>
+          <a:effectRef idx="0">
+            <a:schemeClr val="dk1"/>
+          </a:effectRef>
+          <a:fontRef idx="minor">
+            <a:schemeClr val="lt1"/>
+          </a:fontRef>
+        </p:style>
+        <p:txBody>
+          <a:bodyPr rtlCol="0" anchor="ctr"/>
+          <a:lstStyle/>
+          <a:p>
+            <a:pPr algn="ctr"/>
+            <a:endParaRPr lang="en-US">
+              <a:solidFill>
+                <a:schemeClr val="tx1"/>
+              </a:solidFill>
+            </a:endParaRPr>
+          </a:p>
+        </p:txBody>
+      </p:sp>
+      <p:sp>
+        <p:nvSpPr>
+          <p:cNvPr id="12" name="Frame 11"/>
+          <p:cNvSpPr/>
+          <p:nvPr/>
+        </p:nvSpPr>
+        <p:spPr>
+          <a:xfrm>
+            <a:off x="3879282" y="5189066"/>
+            <a:ext cx="1150254" cy="815521"/>
+          </a:xfrm>
+          <a:prstGeom prst="frame">
+            <a:avLst>
+              <a:gd name="adj1" fmla="val 0"/>
+            </a:avLst>
+          </a:prstGeom>
+        </p:spPr>
+        <p:style>
+          <a:lnRef idx="2">
+            <a:schemeClr val="dk1">
+              <a:shade val="50000"/>
+            </a:schemeClr>
+          </a:lnRef>
+          <a:fillRef idx="1">
+            <a:schemeClr val="dk1"/>
+          </a:fillRef>
+          <a:effectRef idx="0">
+            <a:schemeClr val="dk1"/>
+          </a:effectRef>
+          <a:fontRef idx="minor">
+            <a:schemeClr val="lt1"/>
+          </a:fontRef>
+        </p:style>
+        <p:txBody>
+          <a:bodyPr rtlCol="0" anchor="ctr"/>
+          <a:lstStyle/>
+          <a:p>
+            <a:pPr algn="ctr"/>
+            <a:endParaRPr lang="en-US">
+              <a:solidFill>
+                <a:schemeClr val="tx1"/>
+              </a:solidFill>
+            </a:endParaRPr>
+          </a:p>
+        </p:txBody>
+      </p:sp>
+      <p:sp>
+        <p:nvSpPr>
+          <p:cNvPr id="13" name="TextBox 12"/>
+          <p:cNvSpPr txBox="1"/>
+          <p:nvPr/>
+        </p:nvSpPr>
+        <p:spPr>
+          <a:xfrm>
+            <a:off x="2219210" y="5221177"/>
+            <a:ext cx="963386" cy="738664"/>
+          </a:xfrm>
+          <a:prstGeom prst="rect">
+            <a:avLst/>
+          </a:prstGeom>
+          <a:noFill/>
+        </p:spPr>
+        <p:txBody>
+          <a:bodyPr wrap="square" rtlCol="0">
+            <a:spAutoFit/>
+          </a:bodyPr>
+          <a:lstStyle/>
+          <a:p>
+            <a:pPr algn="ctr"/>
+            <a:r>
+              <a:rPr lang="en-US" sz="1400" dirty="0"/>
+              <a:t>LOG IN</a:t>
+            </a:r>
+          </a:p>
+          <a:p>
+            <a:pPr algn="ctr"/>
+            <a:r>
+              <a:rPr lang="en-US" sz="1400" dirty="0"/>
+              <a:t>with Facebook</a:t>
+            </a:r>
+          </a:p>
+        </p:txBody>
+      </p:sp>
+      <p:sp>
+        <p:nvSpPr>
+          <p:cNvPr id="14" name="TextBox 13"/>
+          <p:cNvSpPr txBox="1"/>
+          <p:nvPr/>
+        </p:nvSpPr>
+        <p:spPr>
+          <a:xfrm>
+            <a:off x="3972716" y="5231783"/>
+            <a:ext cx="963386" cy="738664"/>
+          </a:xfrm>
+          <a:prstGeom prst="rect">
+            <a:avLst/>
+          </a:prstGeom>
+          <a:noFill/>
+        </p:spPr>
+        <p:txBody>
+          <a:bodyPr wrap="square" rtlCol="0">
+            <a:spAutoFit/>
+          </a:bodyPr>
+          <a:lstStyle/>
+          <a:p>
+            <a:pPr algn="ctr"/>
+            <a:r>
+              <a:rPr lang="en-US" sz="1400" dirty="0"/>
+              <a:t>LOG IN</a:t>
+            </a:r>
+          </a:p>
+          <a:p>
+            <a:pPr algn="ctr"/>
+            <a:r>
+              <a:rPr lang="en-US" sz="1400" dirty="0"/>
+              <a:t>with Google+</a:t>
+            </a:r>
+          </a:p>
+        </p:txBody>
+      </p:sp>
+      <p:sp>
+        <p:nvSpPr>
+          <p:cNvPr id="15" name="Frame 14"/>
+          <p:cNvSpPr/>
+          <p:nvPr/>
+        </p:nvSpPr>
+        <p:spPr>
+          <a:xfrm>
+            <a:off x="6789254" y="477868"/>
+            <a:ext cx="3657600" cy="5943600"/>
+          </a:xfrm>
+          <a:prstGeom prst="frame">
+            <a:avLst>
+              <a:gd name="adj1" fmla="val 992"/>
+            </a:avLst>
+          </a:prstGeom>
+          <a:ln/>
+        </p:spPr>
+        <p:style>
+          <a:lnRef idx="2">
+            <a:schemeClr val="dk1">
+              <a:shade val="50000"/>
+            </a:schemeClr>
+          </a:lnRef>
+          <a:fillRef idx="1">
+            <a:schemeClr val="dk1"/>
+          </a:fillRef>
+          <a:effectRef idx="0">
+            <a:schemeClr val="dk1"/>
+          </a:effectRef>
+          <a:fontRef idx="minor">
+            <a:schemeClr val="lt1"/>
+          </a:fontRef>
+        </p:style>
+        <p:txBody>
+          <a:bodyPr rtlCol="0" anchor="ctr"/>
+          <a:lstStyle/>
+          <a:p>
+            <a:pPr algn="ctr"/>
+            <a:endParaRPr lang="en-US">
+              <a:solidFill>
+                <a:schemeClr val="tx1"/>
+              </a:solidFill>
+            </a:endParaRPr>
+          </a:p>
+        </p:txBody>
+      </p:sp>
+      <p:sp>
+        <p:nvSpPr>
+          <p:cNvPr id="16" name="Frame 15"/>
+          <p:cNvSpPr/>
+          <p:nvPr/>
+        </p:nvSpPr>
+        <p:spPr>
+          <a:xfrm>
+            <a:off x="7188397" y="913296"/>
+            <a:ext cx="1132115" cy="815521"/>
+          </a:xfrm>
+          <a:prstGeom prst="frame">
+            <a:avLst>
+              <a:gd name="adj1" fmla="val 0"/>
+            </a:avLst>
+          </a:prstGeom>
+        </p:spPr>
+        <p:style>
+          <a:lnRef idx="2">
+            <a:schemeClr val="dk1">
+              <a:shade val="50000"/>
+            </a:schemeClr>
+          </a:lnRef>
+          <a:fillRef idx="1">
+            <a:schemeClr val="dk1"/>
+          </a:fillRef>
+          <a:effectRef idx="0">
+            <a:schemeClr val="dk1"/>
+          </a:effectRef>
+          <a:fontRef idx="minor">
+            <a:schemeClr val="lt1"/>
+          </a:fontRef>
+        </p:style>
+        <p:txBody>
+          <a:bodyPr rtlCol="0" anchor="ctr"/>
+          <a:lstStyle/>
+          <a:p>
+            <a:pPr algn="ctr"/>
+            <a:endParaRPr lang="en-US">
+              <a:solidFill>
+                <a:schemeClr val="tx1"/>
+              </a:solidFill>
+            </a:endParaRPr>
+          </a:p>
+        </p:txBody>
+      </p:sp>
+      <p:sp>
+        <p:nvSpPr>
+          <p:cNvPr id="17" name="Frame 16"/>
+          <p:cNvSpPr/>
+          <p:nvPr/>
+        </p:nvSpPr>
+        <p:spPr>
+          <a:xfrm>
+            <a:off x="8930113" y="913296"/>
+            <a:ext cx="1150254" cy="815521"/>
+          </a:xfrm>
+          <a:prstGeom prst="frame">
+            <a:avLst>
+              <a:gd name="adj1" fmla="val 0"/>
+            </a:avLst>
+          </a:prstGeom>
+        </p:spPr>
+        <p:style>
+          <a:lnRef idx="2">
+            <a:schemeClr val="dk1">
+              <a:shade val="50000"/>
+            </a:schemeClr>
+          </a:lnRef>
+          <a:fillRef idx="1">
+            <a:schemeClr val="dk1"/>
+          </a:fillRef>
+          <a:effectRef idx="0">
+            <a:schemeClr val="dk1"/>
+          </a:effectRef>
+          <a:fontRef idx="minor">
+            <a:schemeClr val="lt1"/>
+          </a:fontRef>
+        </p:style>
+        <p:txBody>
+          <a:bodyPr rtlCol="0" anchor="ctr"/>
+          <a:lstStyle/>
+          <a:p>
+            <a:pPr algn="ctr"/>
+            <a:endParaRPr lang="en-US">
+              <a:solidFill>
+                <a:schemeClr val="tx1"/>
+              </a:solidFill>
+            </a:endParaRPr>
+          </a:p>
+        </p:txBody>
+      </p:sp>
+      <p:sp>
+        <p:nvSpPr>
+          <p:cNvPr id="18" name="Frame 17"/>
+          <p:cNvSpPr/>
+          <p:nvPr/>
+        </p:nvSpPr>
+        <p:spPr>
+          <a:xfrm>
+            <a:off x="7863312" y="3598442"/>
+            <a:ext cx="2416627" cy="332721"/>
+          </a:xfrm>
+          <a:prstGeom prst="frame">
+            <a:avLst>
+              <a:gd name="adj1" fmla="val 0"/>
+            </a:avLst>
+          </a:prstGeom>
+        </p:spPr>
+        <p:style>
+          <a:lnRef idx="2">
+            <a:schemeClr val="dk1">
+              <a:shade val="50000"/>
+            </a:schemeClr>
+          </a:lnRef>
+          <a:fillRef idx="1">
+            <a:schemeClr val="dk1"/>
+          </a:fillRef>
+          <a:effectRef idx="0">
+            <a:schemeClr val="dk1"/>
+          </a:effectRef>
+          <a:fontRef idx="minor">
+            <a:schemeClr val="lt1"/>
+          </a:fontRef>
+        </p:style>
+        <p:txBody>
+          <a:bodyPr rtlCol="0" anchor="ctr"/>
+          <a:lstStyle/>
+          <a:p>
+            <a:pPr algn="ctr"/>
+            <a:endParaRPr lang="en-US">
+              <a:solidFill>
+                <a:schemeClr val="tx1"/>
+              </a:solidFill>
+            </a:endParaRPr>
+          </a:p>
+        </p:txBody>
+      </p:sp>
+      <p:sp>
+        <p:nvSpPr>
+          <p:cNvPr id="19" name="Frame 18"/>
+          <p:cNvSpPr/>
+          <p:nvPr/>
+        </p:nvSpPr>
+        <p:spPr>
+          <a:xfrm>
+            <a:off x="7863312" y="3062068"/>
+            <a:ext cx="2416627" cy="315029"/>
+          </a:xfrm>
+          <a:prstGeom prst="frame">
+            <a:avLst>
+              <a:gd name="adj1" fmla="val 0"/>
+            </a:avLst>
+          </a:prstGeom>
+        </p:spPr>
+        <p:style>
+          <a:lnRef idx="2">
+            <a:schemeClr val="dk1">
+              <a:shade val="50000"/>
+            </a:schemeClr>
+          </a:lnRef>
+          <a:fillRef idx="1">
+            <a:schemeClr val="dk1"/>
+          </a:fillRef>
+          <a:effectRef idx="0">
+            <a:schemeClr val="dk1"/>
+          </a:effectRef>
+          <a:fontRef idx="minor">
+            <a:schemeClr val="lt1"/>
+          </a:fontRef>
+        </p:style>
+        <p:txBody>
+          <a:bodyPr rtlCol="0" anchor="ctr"/>
+          <a:lstStyle/>
+          <a:p>
+            <a:pPr algn="ctr"/>
+            <a:endParaRPr lang="en-US">
+              <a:solidFill>
+                <a:schemeClr val="tx1"/>
+              </a:solidFill>
+            </a:endParaRPr>
+          </a:p>
+        </p:txBody>
+      </p:sp>
+      <p:sp>
+        <p:nvSpPr>
+          <p:cNvPr id="20" name="Frame 19"/>
+          <p:cNvSpPr/>
+          <p:nvPr/>
+        </p:nvSpPr>
+        <p:spPr>
+          <a:xfrm>
+            <a:off x="7863312" y="2546319"/>
+            <a:ext cx="2411488" cy="328753"/>
+          </a:xfrm>
+          <a:prstGeom prst="frame">
+            <a:avLst>
+              <a:gd name="adj1" fmla="val 0"/>
+            </a:avLst>
+          </a:prstGeom>
+        </p:spPr>
+        <p:style>
+          <a:lnRef idx="2">
+            <a:schemeClr val="dk1">
+              <a:shade val="50000"/>
+            </a:schemeClr>
+          </a:lnRef>
+          <a:fillRef idx="1">
+            <a:schemeClr val="dk1"/>
+          </a:fillRef>
+          <a:effectRef idx="0">
+            <a:schemeClr val="dk1"/>
+          </a:effectRef>
+          <a:fontRef idx="minor">
+            <a:schemeClr val="lt1"/>
+          </a:fontRef>
+        </p:style>
+        <p:txBody>
+          <a:bodyPr rtlCol="0" anchor="ctr"/>
+          <a:lstStyle/>
+          <a:p>
+            <a:pPr algn="ctr"/>
+            <a:endParaRPr lang="en-US">
+              <a:solidFill>
+                <a:schemeClr val="tx1"/>
+              </a:solidFill>
+            </a:endParaRPr>
+          </a:p>
+        </p:txBody>
+      </p:sp>
+      <p:sp>
+        <p:nvSpPr>
+          <p:cNvPr id="21" name="Frame 20"/>
+          <p:cNvSpPr/>
+          <p:nvPr/>
+        </p:nvSpPr>
+        <p:spPr>
+          <a:xfrm>
+            <a:off x="7863311" y="4164502"/>
+            <a:ext cx="2416627" cy="362852"/>
+          </a:xfrm>
+          <a:prstGeom prst="frame">
+            <a:avLst>
+              <a:gd name="adj1" fmla="val 0"/>
+            </a:avLst>
+          </a:prstGeom>
+        </p:spPr>
+        <p:style>
+          <a:lnRef idx="2">
+            <a:schemeClr val="dk1">
+              <a:shade val="50000"/>
+            </a:schemeClr>
+          </a:lnRef>
+          <a:fillRef idx="1">
+            <a:schemeClr val="dk1"/>
+          </a:fillRef>
+          <a:effectRef idx="0">
+            <a:schemeClr val="dk1"/>
+          </a:effectRef>
+          <a:fontRef idx="minor">
+            <a:schemeClr val="lt1"/>
+          </a:fontRef>
+        </p:style>
+        <p:txBody>
+          <a:bodyPr rtlCol="0" anchor="ctr"/>
+          <a:lstStyle/>
+          <a:p>
+            <a:pPr algn="ctr"/>
+            <a:endParaRPr lang="en-US">
+              <a:solidFill>
+                <a:schemeClr val="tx1"/>
+              </a:solidFill>
+            </a:endParaRPr>
+          </a:p>
+        </p:txBody>
+      </p:sp>
+      <p:sp>
+        <p:nvSpPr>
+          <p:cNvPr id="22" name="Frame 21"/>
+          <p:cNvSpPr/>
+          <p:nvPr/>
+        </p:nvSpPr>
+        <p:spPr>
+          <a:xfrm>
+            <a:off x="7246453" y="4730551"/>
+            <a:ext cx="188688" cy="181431"/>
+          </a:xfrm>
+          <a:prstGeom prst="frame">
+            <a:avLst>
+              <a:gd name="adj1" fmla="val 219"/>
+            </a:avLst>
+          </a:prstGeom>
+        </p:spPr>
+        <p:style>
+          <a:lnRef idx="2">
+            <a:schemeClr val="dk1">
+              <a:shade val="50000"/>
+            </a:schemeClr>
+          </a:lnRef>
+          <a:fillRef idx="1">
+            <a:schemeClr val="dk1"/>
+          </a:fillRef>
+          <a:effectRef idx="0">
+            <a:schemeClr val="dk1"/>
+          </a:effectRef>
+          <a:fontRef idx="minor">
+            <a:schemeClr val="lt1"/>
+          </a:fontRef>
+        </p:style>
+        <p:txBody>
+          <a:bodyPr rtlCol="0" anchor="ctr"/>
+          <a:lstStyle/>
+          <a:p>
+            <a:pPr algn="ctr"/>
+            <a:endParaRPr lang="en-US">
+              <a:solidFill>
+                <a:schemeClr val="tx1"/>
+              </a:solidFill>
+            </a:endParaRPr>
+          </a:p>
+        </p:txBody>
+      </p:sp>
+      <p:sp>
+        <p:nvSpPr>
+          <p:cNvPr id="23" name="Frame 22"/>
+          <p:cNvSpPr/>
+          <p:nvPr/>
+        </p:nvSpPr>
+        <p:spPr>
+          <a:xfrm>
+            <a:off x="7250085" y="5151468"/>
+            <a:ext cx="185056" cy="188685"/>
+          </a:xfrm>
+          <a:prstGeom prst="frame">
+            <a:avLst>
+              <a:gd name="adj1" fmla="val 219"/>
+            </a:avLst>
+          </a:prstGeom>
+        </p:spPr>
+        <p:style>
+          <a:lnRef idx="2">
+            <a:schemeClr val="dk1">
+              <a:shade val="50000"/>
+            </a:schemeClr>
+          </a:lnRef>
+          <a:fillRef idx="1">
+            <a:schemeClr val="dk1"/>
+          </a:fillRef>
+          <a:effectRef idx="0">
+            <a:schemeClr val="dk1"/>
+          </a:effectRef>
+          <a:fontRef idx="minor">
+            <a:schemeClr val="lt1"/>
+          </a:fontRef>
+        </p:style>
+        <p:txBody>
+          <a:bodyPr rtlCol="0" anchor="ctr"/>
+          <a:lstStyle/>
+          <a:p>
+            <a:pPr algn="ctr"/>
+            <a:endParaRPr lang="en-US">
+              <a:solidFill>
+                <a:schemeClr val="tx1"/>
+              </a:solidFill>
+            </a:endParaRPr>
+          </a:p>
+        </p:txBody>
+      </p:sp>
+      <p:sp>
+        <p:nvSpPr>
+          <p:cNvPr id="24" name="Frame 23"/>
+          <p:cNvSpPr/>
+          <p:nvPr/>
+        </p:nvSpPr>
+        <p:spPr>
+          <a:xfrm>
+            <a:off x="7785296" y="5537909"/>
+            <a:ext cx="1665515" cy="466276"/>
+          </a:xfrm>
+          <a:prstGeom prst="frame">
+            <a:avLst>
+              <a:gd name="adj1" fmla="val 0"/>
+            </a:avLst>
+          </a:prstGeom>
+        </p:spPr>
+        <p:style>
+          <a:lnRef idx="2">
+            <a:schemeClr val="dk1">
+              <a:shade val="50000"/>
+            </a:schemeClr>
+          </a:lnRef>
+          <a:fillRef idx="1">
+            <a:schemeClr val="dk1"/>
+          </a:fillRef>
+          <a:effectRef idx="0">
+            <a:schemeClr val="dk1"/>
+          </a:effectRef>
+          <a:fontRef idx="minor">
+            <a:schemeClr val="lt1"/>
+          </a:fontRef>
+        </p:style>
+        <p:txBody>
+          <a:bodyPr rtlCol="0" anchor="ctr"/>
+          <a:lstStyle/>
+          <a:p>
+            <a:pPr algn="ctr"/>
+            <a:endParaRPr lang="en-US">
+              <a:solidFill>
+                <a:schemeClr val="tx1"/>
+              </a:solidFill>
+            </a:endParaRPr>
+          </a:p>
+        </p:txBody>
+      </p:sp>
+      <p:sp>
+        <p:nvSpPr>
+          <p:cNvPr id="25" name="TextBox 24"/>
+          <p:cNvSpPr txBox="1"/>
+          <p:nvPr/>
+        </p:nvSpPr>
+        <p:spPr>
+          <a:xfrm>
+            <a:off x="7270041" y="945407"/>
+            <a:ext cx="963386" cy="738664"/>
+          </a:xfrm>
+          <a:prstGeom prst="rect">
+            <a:avLst/>
+          </a:prstGeom>
+          <a:noFill/>
+        </p:spPr>
+        <p:txBody>
+          <a:bodyPr wrap="square" rtlCol="0">
+            <a:spAutoFit/>
+          </a:bodyPr>
+          <a:lstStyle/>
+          <a:p>
+            <a:pPr algn="ctr"/>
+            <a:r>
+              <a:rPr lang="en-US" sz="1400" dirty="0"/>
+              <a:t>SIGN UP with Facebook</a:t>
+            </a:r>
+          </a:p>
+        </p:txBody>
+      </p:sp>
+      <p:sp>
+        <p:nvSpPr>
+          <p:cNvPr id="26" name="TextBox 25"/>
+          <p:cNvSpPr txBox="1"/>
+          <p:nvPr/>
+        </p:nvSpPr>
+        <p:spPr>
+          <a:xfrm>
+            <a:off x="8136360" y="5617158"/>
+            <a:ext cx="963386" cy="307777"/>
+          </a:xfrm>
+          <a:prstGeom prst="rect">
+            <a:avLst/>
+          </a:prstGeom>
+          <a:noFill/>
+        </p:spPr>
+        <p:txBody>
+          <a:bodyPr wrap="square" rtlCol="0">
+            <a:spAutoFit/>
+          </a:bodyPr>
+          <a:lstStyle/>
+          <a:p>
+            <a:pPr algn="ctr"/>
+            <a:r>
+              <a:rPr lang="en-US" sz="1400" dirty="0"/>
+              <a:t>SIGN UP</a:t>
+            </a:r>
+          </a:p>
+        </p:txBody>
+      </p:sp>
+      <p:sp>
+        <p:nvSpPr>
+          <p:cNvPr id="27" name="TextBox 26"/>
+          <p:cNvSpPr txBox="1"/>
+          <p:nvPr/>
+        </p:nvSpPr>
+        <p:spPr>
+          <a:xfrm>
+            <a:off x="9023547" y="956013"/>
+            <a:ext cx="963386" cy="738664"/>
+          </a:xfrm>
+          <a:prstGeom prst="rect">
+            <a:avLst/>
+          </a:prstGeom>
+          <a:noFill/>
+        </p:spPr>
+        <p:txBody>
+          <a:bodyPr wrap="square" rtlCol="0">
+            <a:spAutoFit/>
+          </a:bodyPr>
+          <a:lstStyle/>
+          <a:p>
+            <a:pPr algn="ctr"/>
+            <a:r>
+              <a:rPr lang="en-US" sz="1400" dirty="0"/>
+              <a:t>SIGN UP with Google+</a:t>
+            </a:r>
+          </a:p>
+        </p:txBody>
+      </p:sp>
       <p:cxnSp>
         <p:nvCxnSpPr>
-          <p:cNvPr id="50" name="Straight Connector 49"/>
+          <p:cNvPr id="28" name="Straight Connector 27"/>
           <p:cNvCxnSpPr/>
           <p:nvPr/>
         </p:nvCxnSpPr>
         <p:spPr>
           <a:xfrm>
-            <a:off x="1728996" y="1657453"/>
-            <a:ext cx="3657602" cy="0"/>
-          </a:xfrm>
-          <a:prstGeom prst="line">
-            <a:avLst/>
-          </a:prstGeom>
-        </p:spPr>
-        <p:style>
-          <a:lnRef idx="1">
-            <a:schemeClr val="dk1"/>
-          </a:lnRef>
-          <a:fillRef idx="0">
-            <a:schemeClr val="dk1"/>
-          </a:fillRef>
-          <a:effectRef idx="0">
-            <a:schemeClr val="dk1"/>
-          </a:effectRef>
-          <a:fontRef idx="minor">
-            <a:schemeClr val="tx1"/>
-          </a:fontRef>
-        </p:style>
-      </p:cxnSp>
-      <p:sp>
-        <p:nvSpPr>
-          <p:cNvPr id="51" name="TextBox 50"/>
-          <p:cNvSpPr txBox="1"/>
-          <p:nvPr/>
-        </p:nvSpPr>
-        <p:spPr>
-          <a:xfrm>
-            <a:off x="2206991" y="800506"/>
-            <a:ext cx="728020" cy="369332"/>
-          </a:xfrm>
-          <a:prstGeom prst="rect">
-            <a:avLst/>
-          </a:prstGeom>
-          <a:noFill/>
-        </p:spPr>
-        <p:txBody>
-          <a:bodyPr wrap="none" rtlCol="0">
-            <a:spAutoFit/>
-          </a:bodyPr>
-          <a:lstStyle/>
-          <a:p>
-            <a:r>
-              <a:rPr lang="en-US" dirty="0"/>
-              <a:t>LOGO</a:t>
-            </a:r>
-          </a:p>
-        </p:txBody>
-      </p:sp>
-      <p:cxnSp>
-        <p:nvCxnSpPr>
-          <p:cNvPr id="52" name="Straight Connector 51"/>
-          <p:cNvCxnSpPr/>
-          <p:nvPr/>
-        </p:nvCxnSpPr>
-        <p:spPr>
-          <a:xfrm>
-            <a:off x="1888656" y="2473890"/>
-            <a:ext cx="3294743" cy="14514"/>
+            <a:off x="6999712" y="2098149"/>
+            <a:ext cx="863599" cy="0"/>
           </a:xfrm>
           <a:prstGeom prst="line">
             <a:avLst/>
@@ -4629,14 +4359,269 @@
       </p:cxnSp>
       <p:cxnSp>
         <p:nvCxnSpPr>
-          <p:cNvPr id="53" name="Straight Connector 52"/>
+          <p:cNvPr id="29" name="Straight Connector 28"/>
           <p:cNvCxnSpPr/>
           <p:nvPr/>
         </p:nvCxnSpPr>
         <p:spPr>
           <a:xfrm>
-            <a:off x="1910423" y="3003660"/>
-            <a:ext cx="3294743" cy="14514"/>
+            <a:off x="9450811" y="2098149"/>
+            <a:ext cx="823988" cy="0"/>
+          </a:xfrm>
+          <a:prstGeom prst="line">
+            <a:avLst/>
+          </a:prstGeom>
+        </p:spPr>
+        <p:style>
+          <a:lnRef idx="1">
+            <a:schemeClr val="dk1"/>
+          </a:lnRef>
+          <a:fillRef idx="0">
+            <a:schemeClr val="dk1"/>
+          </a:fillRef>
+          <a:effectRef idx="0">
+            <a:schemeClr val="dk1"/>
+          </a:effectRef>
+          <a:fontRef idx="minor">
+            <a:schemeClr val="tx1"/>
+          </a:fontRef>
+        </p:style>
+      </p:cxnSp>
+      <p:sp>
+        <p:nvSpPr>
+          <p:cNvPr id="30" name="TextBox 29"/>
+          <p:cNvSpPr txBox="1"/>
+          <p:nvPr/>
+        </p:nvSpPr>
+        <p:spPr>
+          <a:xfrm>
+            <a:off x="7863312" y="1998345"/>
+            <a:ext cx="1587500" cy="246221"/>
+          </a:xfrm>
+          <a:prstGeom prst="rect">
+            <a:avLst/>
+          </a:prstGeom>
+          <a:noFill/>
+        </p:spPr>
+        <p:txBody>
+          <a:bodyPr wrap="square" rtlCol="0">
+            <a:spAutoFit/>
+          </a:bodyPr>
+          <a:lstStyle/>
+          <a:p>
+            <a:pPr algn="ctr"/>
+            <a:r>
+              <a:rPr lang="en-US" sz="1000" dirty="0"/>
+              <a:t>Or, Create a new account</a:t>
+            </a:r>
+          </a:p>
+        </p:txBody>
+      </p:sp>
+      <p:sp>
+        <p:nvSpPr>
+          <p:cNvPr id="31" name="TextBox 30"/>
+          <p:cNvSpPr txBox="1"/>
+          <p:nvPr/>
+        </p:nvSpPr>
+        <p:spPr>
+          <a:xfrm>
+            <a:off x="6876341" y="2576675"/>
+            <a:ext cx="986970" cy="276999"/>
+          </a:xfrm>
+          <a:prstGeom prst="rect">
+            <a:avLst/>
+          </a:prstGeom>
+          <a:noFill/>
+        </p:spPr>
+        <p:txBody>
+          <a:bodyPr wrap="square" rtlCol="0">
+            <a:spAutoFit/>
+          </a:bodyPr>
+          <a:lstStyle/>
+          <a:p>
+            <a:pPr algn="ctr"/>
+            <a:r>
+              <a:rPr lang="en-US" sz="1200" dirty="0"/>
+              <a:t>Username</a:t>
+            </a:r>
+          </a:p>
+        </p:txBody>
+      </p:sp>
+      <p:sp>
+        <p:nvSpPr>
+          <p:cNvPr id="32" name="TextBox 31"/>
+          <p:cNvSpPr txBox="1"/>
+          <p:nvPr/>
+        </p:nvSpPr>
+        <p:spPr>
+          <a:xfrm>
+            <a:off x="6883598" y="3098258"/>
+            <a:ext cx="986970" cy="276999"/>
+          </a:xfrm>
+          <a:prstGeom prst="rect">
+            <a:avLst/>
+          </a:prstGeom>
+          <a:noFill/>
+        </p:spPr>
+        <p:txBody>
+          <a:bodyPr wrap="square" rtlCol="0">
+            <a:spAutoFit/>
+          </a:bodyPr>
+          <a:lstStyle/>
+          <a:p>
+            <a:pPr algn="ctr"/>
+            <a:r>
+              <a:rPr lang="en-US" sz="1200" dirty="0"/>
+              <a:t>Password</a:t>
+            </a:r>
+          </a:p>
+        </p:txBody>
+      </p:sp>
+      <p:sp>
+        <p:nvSpPr>
+          <p:cNvPr id="33" name="TextBox 32"/>
+          <p:cNvSpPr txBox="1"/>
+          <p:nvPr/>
+        </p:nvSpPr>
+        <p:spPr>
+          <a:xfrm>
+            <a:off x="6883598" y="3623386"/>
+            <a:ext cx="986970" cy="461665"/>
+          </a:xfrm>
+          <a:prstGeom prst="rect">
+            <a:avLst/>
+          </a:prstGeom>
+          <a:noFill/>
+        </p:spPr>
+        <p:txBody>
+          <a:bodyPr wrap="square" rtlCol="0">
+            <a:spAutoFit/>
+          </a:bodyPr>
+          <a:lstStyle/>
+          <a:p>
+            <a:pPr algn="ctr"/>
+            <a:r>
+              <a:rPr lang="en-US" sz="1200" dirty="0"/>
+              <a:t>Password (again)</a:t>
+            </a:r>
+          </a:p>
+        </p:txBody>
+      </p:sp>
+      <p:sp>
+        <p:nvSpPr>
+          <p:cNvPr id="34" name="TextBox 33"/>
+          <p:cNvSpPr txBox="1"/>
+          <p:nvPr/>
+        </p:nvSpPr>
+        <p:spPr>
+          <a:xfrm>
+            <a:off x="6883598" y="4202515"/>
+            <a:ext cx="986970" cy="276999"/>
+          </a:xfrm>
+          <a:prstGeom prst="rect">
+            <a:avLst/>
+          </a:prstGeom>
+          <a:noFill/>
+        </p:spPr>
+        <p:txBody>
+          <a:bodyPr wrap="square" rtlCol="0">
+            <a:spAutoFit/>
+          </a:bodyPr>
+          <a:lstStyle/>
+          <a:p>
+            <a:pPr algn="ctr"/>
+            <a:r>
+              <a:rPr lang="en-US" sz="1200" dirty="0"/>
+              <a:t>Email</a:t>
+            </a:r>
+          </a:p>
+        </p:txBody>
+      </p:sp>
+      <p:sp>
+        <p:nvSpPr>
+          <p:cNvPr id="35" name="TextBox 34"/>
+          <p:cNvSpPr txBox="1"/>
+          <p:nvPr/>
+        </p:nvSpPr>
+        <p:spPr>
+          <a:xfrm>
+            <a:off x="7751734" y="5025230"/>
+            <a:ext cx="2680001" cy="430887"/>
+          </a:xfrm>
+          <a:prstGeom prst="rect">
+            <a:avLst/>
+          </a:prstGeom>
+          <a:noFill/>
+        </p:spPr>
+        <p:txBody>
+          <a:bodyPr wrap="square" rtlCol="0">
+            <a:spAutoFit/>
+          </a:bodyPr>
+          <a:lstStyle/>
+          <a:p>
+            <a:r>
+              <a:rPr lang="en-US" sz="1050" dirty="0"/>
+              <a:t>I have read the </a:t>
+            </a:r>
+            <a:r>
+              <a:rPr lang="en-US" sz="1050" u="sng" dirty="0"/>
+              <a:t>Terms and Services</a:t>
+            </a:r>
+            <a:r>
+              <a:rPr lang="en-US" sz="1050" dirty="0"/>
+              <a:t> and therefore agree to it.</a:t>
+            </a:r>
+            <a:endParaRPr lang="en-US" sz="1050" u="sng" dirty="0"/>
+          </a:p>
+        </p:txBody>
+      </p:sp>
+      <p:sp>
+        <p:nvSpPr>
+          <p:cNvPr id="36" name="TextBox 35"/>
+          <p:cNvSpPr txBox="1"/>
+          <p:nvPr/>
+        </p:nvSpPr>
+        <p:spPr>
+          <a:xfrm>
+            <a:off x="7759745" y="4698565"/>
+            <a:ext cx="2680001" cy="253916"/>
+          </a:xfrm>
+          <a:prstGeom prst="rect">
+            <a:avLst/>
+          </a:prstGeom>
+          <a:noFill/>
+        </p:spPr>
+        <p:txBody>
+          <a:bodyPr wrap="square" rtlCol="0">
+            <a:spAutoFit/>
+          </a:bodyPr>
+          <a:lstStyle/>
+          <a:p>
+            <a:r>
+              <a:rPr lang="en-US" sz="1050" dirty="0"/>
+              <a:t>I am </a:t>
+            </a:r>
+            <a:r>
+              <a:rPr lang="en-US" sz="1050" dirty="0" smtClean="0"/>
+              <a:t>over the </a:t>
+            </a:r>
+            <a:r>
+              <a:rPr lang="en-US" sz="1050" dirty="0"/>
+              <a:t>age of 13</a:t>
+            </a:r>
+          </a:p>
+        </p:txBody>
+      </p:sp>
+      <p:cxnSp>
+        <p:nvCxnSpPr>
+          <p:cNvPr id="38" name="Straight Connector 37"/>
+          <p:cNvCxnSpPr/>
+          <p:nvPr/>
+        </p:nvCxnSpPr>
+        <p:spPr>
+          <a:xfrm>
+            <a:off x="6087649" y="0"/>
+            <a:ext cx="0" cy="6858000"/>
           </a:xfrm>
           <a:prstGeom prst="line">
             <a:avLst/>
@@ -4659,14 +4644,14 @@
       </p:cxnSp>
       <p:cxnSp>
         <p:nvCxnSpPr>
-          <p:cNvPr id="54" name="Straight Connector 53"/>
+          <p:cNvPr id="39" name="Straight Connector 38"/>
           <p:cNvCxnSpPr/>
           <p:nvPr/>
         </p:nvCxnSpPr>
         <p:spPr>
           <a:xfrm>
-            <a:off x="1888655" y="3527990"/>
-            <a:ext cx="3294743" cy="14514"/>
+            <a:off x="1962149" y="4781253"/>
+            <a:ext cx="713718" cy="0"/>
           </a:xfrm>
           <a:prstGeom prst="line">
             <a:avLst/>
@@ -4689,14 +4674,14 @@
       </p:cxnSp>
       <p:cxnSp>
         <p:nvCxnSpPr>
-          <p:cNvPr id="55" name="Straight Connector 54"/>
+          <p:cNvPr id="40" name="Straight Connector 39"/>
           <p:cNvCxnSpPr/>
           <p:nvPr/>
         </p:nvCxnSpPr>
         <p:spPr>
           <a:xfrm>
-            <a:off x="1910423" y="4113098"/>
-            <a:ext cx="3294743" cy="14514"/>
+            <a:off x="4437101" y="4781253"/>
+            <a:ext cx="718325" cy="0"/>
           </a:xfrm>
           <a:prstGeom prst="line">
             <a:avLst/>
@@ -4717,243 +4702,16 @@
           </a:fontRef>
         </p:style>
       </p:cxnSp>
-      <p:pic>
-        <p:nvPicPr>
-          <p:cNvPr id="56" name="Picture 55"/>
-          <p:cNvPicPr>
-            <a:picLocks noChangeAspect="1"/>
-          </p:cNvPicPr>
-          <p:nvPr/>
-        </p:nvPicPr>
-        <p:blipFill>
-          <a:blip r:embed="rId2">
-            <a:extLst>
-              <a:ext uri="{28A0092B-C50C-407E-A947-70E740481C1C}">
-                <a14:useLocalDpi xmlns:a14="http://schemas.microsoft.com/office/drawing/2010/main" val="0"/>
-              </a:ext>
-            </a:extLst>
-          </a:blip>
-          <a:stretch>
-            <a:fillRect/>
-          </a:stretch>
-        </p:blipFill>
-        <p:spPr>
-          <a:xfrm>
-            <a:off x="4378335" y="771748"/>
-            <a:ext cx="334027" cy="334027"/>
-          </a:xfrm>
-          <a:prstGeom prst="rect">
-            <a:avLst/>
-          </a:prstGeom>
-        </p:spPr>
-      </p:pic>
-      <p:pic>
-        <p:nvPicPr>
-          <p:cNvPr id="58" name="Picture 57"/>
-          <p:cNvPicPr>
-            <a:picLocks noChangeAspect="1"/>
-          </p:cNvPicPr>
-          <p:nvPr/>
-        </p:nvPicPr>
-        <p:blipFill>
-          <a:blip r:embed="rId3">
-            <a:extLst>
-              <a:ext uri="{28A0092B-C50C-407E-A947-70E740481C1C}">
-                <a14:useLocalDpi xmlns:a14="http://schemas.microsoft.com/office/drawing/2010/main" val="0"/>
-              </a:ext>
-            </a:extLst>
-          </a:blip>
-          <a:stretch>
-            <a:fillRect/>
-          </a:stretch>
-        </p:blipFill>
-        <p:spPr>
-          <a:xfrm>
-            <a:off x="4821396" y="757761"/>
-            <a:ext cx="362002" cy="362002"/>
-          </a:xfrm>
-          <a:prstGeom prst="rect">
-            <a:avLst/>
-          </a:prstGeom>
-        </p:spPr>
-      </p:pic>
-      <p:cxnSp>
-        <p:nvCxnSpPr>
-          <p:cNvPr id="18" name="Straight Connector 17"/>
-          <p:cNvCxnSpPr/>
-          <p:nvPr/>
-        </p:nvCxnSpPr>
-        <p:spPr>
-          <a:xfrm>
-            <a:off x="6087649" y="0"/>
-            <a:ext cx="0" cy="6858000"/>
-          </a:xfrm>
-          <a:prstGeom prst="line">
-            <a:avLst/>
-          </a:prstGeom>
-        </p:spPr>
-        <p:style>
-          <a:lnRef idx="1">
-            <a:schemeClr val="dk1"/>
-          </a:lnRef>
-          <a:fillRef idx="0">
-            <a:schemeClr val="dk1"/>
-          </a:fillRef>
-          <a:effectRef idx="0">
-            <a:schemeClr val="dk1"/>
-          </a:effectRef>
-          <a:fontRef idx="minor">
-            <a:schemeClr val="tx1"/>
-          </a:fontRef>
-        </p:style>
-      </p:cxnSp>
-      <p:sp>
-        <p:nvSpPr>
-          <p:cNvPr id="21" name="Frame 20"/>
-          <p:cNvSpPr/>
-          <p:nvPr/>
-        </p:nvSpPr>
-        <p:spPr>
-          <a:xfrm>
-            <a:off x="6788701" y="485433"/>
-            <a:ext cx="3657600" cy="5943600"/>
-          </a:xfrm>
-          <a:prstGeom prst="frame">
-            <a:avLst>
-              <a:gd name="adj1" fmla="val 992"/>
-            </a:avLst>
-          </a:prstGeom>
-          <a:ln/>
-        </p:spPr>
-        <p:style>
-          <a:lnRef idx="2">
-            <a:schemeClr val="dk1">
-              <a:shade val="50000"/>
-            </a:schemeClr>
-          </a:lnRef>
-          <a:fillRef idx="1">
-            <a:schemeClr val="dk1"/>
-          </a:fillRef>
-          <a:effectRef idx="0">
-            <a:schemeClr val="dk1"/>
-          </a:effectRef>
-          <a:fontRef idx="minor">
-            <a:schemeClr val="lt1"/>
-          </a:fontRef>
-        </p:style>
-        <p:txBody>
-          <a:bodyPr rtlCol="0" anchor="ctr"/>
-          <a:lstStyle/>
-          <a:p>
-            <a:pPr algn="ctr"/>
-            <a:endParaRPr lang="en-US">
-              <a:solidFill>
-                <a:schemeClr val="tx1"/>
-              </a:solidFill>
-            </a:endParaRPr>
-          </a:p>
-        </p:txBody>
-      </p:sp>
-      <p:cxnSp>
-        <p:nvCxnSpPr>
-          <p:cNvPr id="22" name="Straight Connector 21"/>
-          <p:cNvCxnSpPr/>
-          <p:nvPr/>
-        </p:nvCxnSpPr>
-        <p:spPr>
-          <a:xfrm>
-            <a:off x="6788701" y="2738106"/>
-            <a:ext cx="3657602" cy="0"/>
-          </a:xfrm>
-          <a:prstGeom prst="line">
-            <a:avLst/>
-          </a:prstGeom>
-        </p:spPr>
-        <p:style>
-          <a:lnRef idx="1">
-            <a:schemeClr val="dk1"/>
-          </a:lnRef>
-          <a:fillRef idx="0">
-            <a:schemeClr val="dk1"/>
-          </a:fillRef>
-          <a:effectRef idx="0">
-            <a:schemeClr val="dk1"/>
-          </a:effectRef>
-          <a:fontRef idx="minor">
-            <a:schemeClr val="tx1"/>
-          </a:fontRef>
-        </p:style>
-      </p:cxnSp>
-      <p:pic>
-        <p:nvPicPr>
-          <p:cNvPr id="23" name="Picture 22"/>
-          <p:cNvPicPr>
-            <a:picLocks noChangeAspect="1"/>
-          </p:cNvPicPr>
-          <p:nvPr/>
-        </p:nvPicPr>
-        <p:blipFill>
-          <a:blip r:embed="rId4">
-            <a:extLst>
-              <a:ext uri="{28A0092B-C50C-407E-A947-70E740481C1C}">
-                <a14:useLocalDpi xmlns:a14="http://schemas.microsoft.com/office/drawing/2010/main" val="0"/>
-              </a:ext>
-            </a:extLst>
-          </a:blip>
-          <a:stretch>
-            <a:fillRect/>
-          </a:stretch>
-        </p:blipFill>
-        <p:spPr>
-          <a:xfrm>
-            <a:off x="7933085" y="749678"/>
-            <a:ext cx="1363772" cy="1363772"/>
-          </a:xfrm>
-          <a:prstGeom prst="rect">
-            <a:avLst/>
-          </a:prstGeom>
-        </p:spPr>
-      </p:pic>
-      <p:pic>
-        <p:nvPicPr>
-          <p:cNvPr id="24" name="Picture 23"/>
-          <p:cNvPicPr>
-            <a:picLocks noChangeAspect="1"/>
-          </p:cNvPicPr>
-          <p:nvPr/>
-        </p:nvPicPr>
-        <p:blipFill>
-          <a:blip r:embed="rId5">
-            <a:extLst>
-              <a:ext uri="{28A0092B-C50C-407E-A947-70E740481C1C}">
-                <a14:useLocalDpi xmlns:a14="http://schemas.microsoft.com/office/drawing/2010/main" val="0"/>
-              </a:ext>
-            </a:extLst>
-          </a:blip>
-          <a:stretch>
-            <a:fillRect/>
-          </a:stretch>
-        </p:blipFill>
-        <p:spPr>
-          <a:xfrm flipV="1">
-            <a:off x="7067469" y="688220"/>
-            <a:ext cx="365760" cy="365760"/>
-          </a:xfrm>
-          <a:prstGeom prst="rect">
-            <a:avLst/>
-          </a:prstGeom>
-        </p:spPr>
-      </p:pic>
-      <p:sp>
-        <p:nvSpPr>
-          <p:cNvPr id="25" name="TextBox 24"/>
+      <p:sp>
+        <p:nvSpPr>
+          <p:cNvPr id="41" name="TextBox 40"/>
           <p:cNvSpPr txBox="1"/>
           <p:nvPr/>
         </p:nvSpPr>
         <p:spPr>
           <a:xfrm>
-            <a:off x="7100098" y="2122444"/>
-            <a:ext cx="3029747" cy="461665"/>
+            <a:off x="2693320" y="4681449"/>
+            <a:ext cx="1761363" cy="246221"/>
           </a:xfrm>
           <a:prstGeom prst="rect">
             <a:avLst/>
@@ -4968,454 +4726,17 @@
           <a:p>
             <a:pPr algn="ctr"/>
             <a:r>
-              <a:rPr lang="en-US" sz="2400" u="sng" dirty="0" smtClean="0"/>
-              <a:t>username</a:t>
-            </a:r>
-            <a:endParaRPr lang="en-US" sz="2400" u="sng" dirty="0"/>
-          </a:p>
-        </p:txBody>
-      </p:sp>
-      <p:sp>
-        <p:nvSpPr>
-          <p:cNvPr id="26" name="TextBox 25"/>
-          <p:cNvSpPr txBox="1"/>
-          <p:nvPr/>
-        </p:nvSpPr>
-        <p:spPr>
-          <a:xfrm>
-            <a:off x="6819126" y="3284598"/>
-            <a:ext cx="3593592" cy="310896"/>
-          </a:xfrm>
-          <a:prstGeom prst="rect">
-            <a:avLst/>
-          </a:prstGeom>
-          <a:solidFill>
-            <a:schemeClr val="bg1">
-              <a:lumMod val="95000"/>
-            </a:schemeClr>
-          </a:solidFill>
-          <a:ln>
-            <a:solidFill>
-              <a:schemeClr val="tx1"/>
-            </a:solidFill>
-          </a:ln>
-        </p:spPr>
-        <p:txBody>
-          <a:bodyPr wrap="square" rtlCol="0">
-            <a:spAutoFit/>
-          </a:bodyPr>
-          <a:lstStyle/>
-          <a:p>
-            <a:r>
-              <a:rPr lang="en-US" sz="1400" i="1" dirty="0"/>
-              <a:t>  </a:t>
-            </a:r>
-            <a:r>
-              <a:rPr lang="en-US" sz="1400" dirty="0"/>
-              <a:t>Support</a:t>
-            </a:r>
-          </a:p>
-        </p:txBody>
-      </p:sp>
-      <p:sp>
-        <p:nvSpPr>
-          <p:cNvPr id="27" name="TextBox 26"/>
-          <p:cNvSpPr txBox="1"/>
-          <p:nvPr/>
-        </p:nvSpPr>
-        <p:spPr>
-          <a:xfrm>
-            <a:off x="6784952" y="3618520"/>
-            <a:ext cx="3657600" cy="415498"/>
-          </a:xfrm>
-          <a:prstGeom prst="rect">
-            <a:avLst/>
-          </a:prstGeom>
-          <a:noFill/>
-        </p:spPr>
-        <p:txBody>
-          <a:bodyPr wrap="square" rtlCol="0">
-            <a:spAutoFit/>
-          </a:bodyPr>
-          <a:lstStyle/>
-          <a:p>
-            <a:pPr>
-              <a:spcBef>
-                <a:spcPts val="1000"/>
-              </a:spcBef>
-              <a:spcAft>
-                <a:spcPts val="1000"/>
-              </a:spcAft>
-            </a:pPr>
-            <a:r>
-              <a:rPr lang="en-US" sz="500" dirty="0"/>
-              <a:t> </a:t>
-            </a:r>
-            <a:r>
-              <a:rPr lang="en-US" sz="1600" dirty="0"/>
-              <a:t/>
-            </a:r>
-            <a:br>
-              <a:rPr lang="en-US" sz="1600" dirty="0"/>
-            </a:br>
-            <a:r>
-              <a:rPr lang="en-US" sz="1600" dirty="0"/>
-              <a:t>  Send Feedback</a:t>
-            </a:r>
-          </a:p>
-        </p:txBody>
-      </p:sp>
-      <p:sp>
-        <p:nvSpPr>
-          <p:cNvPr id="28" name="TextBox 27"/>
-          <p:cNvSpPr txBox="1"/>
-          <p:nvPr/>
-        </p:nvSpPr>
-        <p:spPr>
-          <a:xfrm>
-            <a:off x="6819126" y="4616343"/>
-            <a:ext cx="3593592" cy="310896"/>
-          </a:xfrm>
-          <a:prstGeom prst="rect">
-            <a:avLst/>
-          </a:prstGeom>
-          <a:solidFill>
-            <a:schemeClr val="bg1">
-              <a:lumMod val="95000"/>
-            </a:schemeClr>
-          </a:solidFill>
-          <a:ln>
-            <a:solidFill>
-              <a:schemeClr val="tx1"/>
-            </a:solidFill>
-          </a:ln>
-        </p:spPr>
-        <p:txBody>
-          <a:bodyPr wrap="square" rtlCol="0">
-            <a:spAutoFit/>
-          </a:bodyPr>
-          <a:lstStyle/>
-          <a:p>
-            <a:r>
-              <a:rPr lang="en-US" sz="1400" dirty="0"/>
-              <a:t>  About</a:t>
-            </a:r>
-          </a:p>
-        </p:txBody>
-      </p:sp>
-      <p:sp>
-        <p:nvSpPr>
-          <p:cNvPr id="29" name="TextBox 28"/>
-          <p:cNvSpPr txBox="1"/>
-          <p:nvPr/>
-        </p:nvSpPr>
-        <p:spPr>
-          <a:xfrm>
-            <a:off x="6784952" y="4117180"/>
-            <a:ext cx="3657600" cy="415498"/>
-          </a:xfrm>
-          <a:prstGeom prst="rect">
-            <a:avLst/>
-          </a:prstGeom>
-          <a:noFill/>
-          <a:ln>
-            <a:noFill/>
-          </a:ln>
-        </p:spPr>
-        <p:txBody>
-          <a:bodyPr wrap="square" rtlCol="0">
-            <a:spAutoFit/>
-          </a:bodyPr>
-          <a:lstStyle/>
-          <a:p>
-            <a:pPr>
-              <a:spcBef>
-                <a:spcPts val="1000"/>
-              </a:spcBef>
-              <a:spcAft>
-                <a:spcPts val="1000"/>
-              </a:spcAft>
-            </a:pPr>
-            <a:r>
-              <a:rPr lang="en-US" sz="500" dirty="0"/>
-              <a:t> </a:t>
-            </a:r>
-            <a:r>
-              <a:rPr lang="en-US" sz="1600" dirty="0"/>
-              <a:t/>
-            </a:r>
-            <a:br>
-              <a:rPr lang="en-US" sz="1600" dirty="0"/>
-            </a:br>
-            <a:r>
-              <a:rPr lang="en-US" sz="1600" dirty="0"/>
-              <a:t>  Rate Us!</a:t>
-            </a:r>
-          </a:p>
-        </p:txBody>
-      </p:sp>
-      <p:cxnSp>
-        <p:nvCxnSpPr>
-          <p:cNvPr id="30" name="Straight Connector 29"/>
-          <p:cNvCxnSpPr/>
-          <p:nvPr/>
-        </p:nvCxnSpPr>
-        <p:spPr>
-          <a:xfrm>
-            <a:off x="6818202" y="4117180"/>
-            <a:ext cx="3593592" cy="0"/>
-          </a:xfrm>
-          <a:prstGeom prst="line">
-            <a:avLst/>
-          </a:prstGeom>
-          <a:ln>
-            <a:solidFill>
-              <a:schemeClr val="bg1">
-                <a:lumMod val="75000"/>
-              </a:schemeClr>
-            </a:solidFill>
-          </a:ln>
-        </p:spPr>
-        <p:style>
-          <a:lnRef idx="1">
-            <a:schemeClr val="dk1"/>
-          </a:lnRef>
-          <a:fillRef idx="0">
-            <a:schemeClr val="dk1"/>
-          </a:fillRef>
-          <a:effectRef idx="0">
-            <a:schemeClr val="dk1"/>
-          </a:effectRef>
-          <a:fontRef idx="minor">
-            <a:schemeClr val="tx1"/>
-          </a:fontRef>
-        </p:style>
-      </p:cxnSp>
-      <p:sp>
-        <p:nvSpPr>
-          <p:cNvPr id="31" name="TextBox 30"/>
-          <p:cNvSpPr txBox="1"/>
-          <p:nvPr/>
-        </p:nvSpPr>
-        <p:spPr>
-          <a:xfrm>
-            <a:off x="6784952" y="4941100"/>
-            <a:ext cx="3657600" cy="415498"/>
-          </a:xfrm>
-          <a:prstGeom prst="rect">
-            <a:avLst/>
-          </a:prstGeom>
-          <a:noFill/>
-        </p:spPr>
-        <p:txBody>
-          <a:bodyPr wrap="square" rtlCol="0">
-            <a:spAutoFit/>
-          </a:bodyPr>
-          <a:lstStyle/>
-          <a:p>
-            <a:pPr>
-              <a:spcBef>
-                <a:spcPts val="1000"/>
-              </a:spcBef>
-              <a:spcAft>
-                <a:spcPts val="1000"/>
-              </a:spcAft>
-            </a:pPr>
-            <a:r>
-              <a:rPr lang="en-US" sz="500" dirty="0"/>
-              <a:t> </a:t>
-            </a:r>
-            <a:r>
-              <a:rPr lang="en-US" sz="1600" dirty="0"/>
-              <a:t/>
-            </a:r>
-            <a:br>
-              <a:rPr lang="en-US" sz="1600" dirty="0"/>
-            </a:br>
-            <a:r>
-              <a:rPr lang="en-US" sz="1600" dirty="0"/>
-              <a:t>  Privacy Policy</a:t>
-            </a:r>
-          </a:p>
-        </p:txBody>
-      </p:sp>
-      <p:sp>
-        <p:nvSpPr>
-          <p:cNvPr id="32" name="TextBox 31"/>
-          <p:cNvSpPr txBox="1"/>
-          <p:nvPr/>
-        </p:nvSpPr>
-        <p:spPr>
-          <a:xfrm>
-            <a:off x="6784952" y="5439760"/>
-            <a:ext cx="3657600" cy="415498"/>
-          </a:xfrm>
-          <a:prstGeom prst="rect">
-            <a:avLst/>
-          </a:prstGeom>
-          <a:noFill/>
-          <a:ln>
-            <a:noFill/>
-          </a:ln>
-        </p:spPr>
-        <p:txBody>
-          <a:bodyPr wrap="square" rtlCol="0">
-            <a:spAutoFit/>
-          </a:bodyPr>
-          <a:lstStyle/>
-          <a:p>
-            <a:pPr>
-              <a:spcBef>
-                <a:spcPts val="1000"/>
-              </a:spcBef>
-              <a:spcAft>
-                <a:spcPts val="1000"/>
-              </a:spcAft>
-            </a:pPr>
-            <a:r>
-              <a:rPr lang="en-US" sz="500" dirty="0"/>
-              <a:t> </a:t>
-            </a:r>
-            <a:r>
-              <a:rPr lang="en-US" sz="1600" dirty="0"/>
-              <a:t/>
-            </a:r>
-            <a:br>
-              <a:rPr lang="en-US" sz="1600" dirty="0"/>
-            </a:br>
-            <a:r>
-              <a:rPr lang="en-US" sz="1600" dirty="0"/>
-              <a:t>  Terms of Service</a:t>
-            </a:r>
-          </a:p>
-        </p:txBody>
-      </p:sp>
-      <p:cxnSp>
-        <p:nvCxnSpPr>
-          <p:cNvPr id="33" name="Straight Connector 32"/>
-          <p:cNvCxnSpPr/>
-          <p:nvPr/>
-        </p:nvCxnSpPr>
-        <p:spPr>
-          <a:xfrm>
-            <a:off x="6818202" y="5439760"/>
-            <a:ext cx="3593592" cy="0"/>
-          </a:xfrm>
-          <a:prstGeom prst="line">
-            <a:avLst/>
-          </a:prstGeom>
-          <a:ln>
-            <a:solidFill>
-              <a:schemeClr val="bg1">
-                <a:lumMod val="75000"/>
-              </a:schemeClr>
-            </a:solidFill>
-          </a:ln>
-        </p:spPr>
-        <p:style>
-          <a:lnRef idx="1">
-            <a:schemeClr val="dk1"/>
-          </a:lnRef>
-          <a:fillRef idx="0">
-            <a:schemeClr val="dk1"/>
-          </a:fillRef>
-          <a:effectRef idx="0">
-            <a:schemeClr val="dk1"/>
-          </a:effectRef>
-          <a:fontRef idx="minor">
-            <a:schemeClr val="tx1"/>
-          </a:fontRef>
-        </p:style>
-      </p:cxnSp>
-      <p:sp>
-        <p:nvSpPr>
-          <p:cNvPr id="34" name="TextBox 33"/>
-          <p:cNvSpPr txBox="1"/>
-          <p:nvPr/>
-        </p:nvSpPr>
-        <p:spPr>
-          <a:xfrm>
-            <a:off x="6784952" y="2779663"/>
-            <a:ext cx="3657600" cy="415498"/>
-          </a:xfrm>
-          <a:prstGeom prst="rect">
-            <a:avLst/>
-          </a:prstGeom>
-          <a:noFill/>
-          <a:ln>
-            <a:noFill/>
-          </a:ln>
-        </p:spPr>
-        <p:txBody>
-          <a:bodyPr wrap="square" rtlCol="0">
-            <a:spAutoFit/>
-          </a:bodyPr>
-          <a:lstStyle/>
-          <a:p>
-            <a:pPr>
-              <a:spcBef>
-                <a:spcPts val="1000"/>
-              </a:spcBef>
-              <a:spcAft>
-                <a:spcPts val="1000"/>
-              </a:spcAft>
-            </a:pPr>
-            <a:r>
-              <a:rPr lang="en-US" sz="500" dirty="0"/>
-              <a:t> </a:t>
-            </a:r>
-            <a:r>
-              <a:rPr lang="en-US" sz="1600" dirty="0"/>
-              <a:t/>
-            </a:r>
-            <a:br>
-              <a:rPr lang="en-US" sz="1600" dirty="0"/>
-            </a:br>
-            <a:r>
-              <a:rPr lang="en-US" sz="1600" dirty="0"/>
-              <a:t>  Log out of </a:t>
-            </a:r>
-            <a:r>
-              <a:rPr lang="en-US" sz="1600" i="1" u="sng" dirty="0"/>
-              <a:t>username</a:t>
-            </a:r>
-          </a:p>
-        </p:txBody>
-      </p:sp>
-      <p:pic>
-        <p:nvPicPr>
-          <p:cNvPr id="35" name="Picture 34"/>
-          <p:cNvPicPr>
-            <a:picLocks noChangeAspect="1"/>
-          </p:cNvPicPr>
-          <p:nvPr/>
-        </p:nvPicPr>
-        <p:blipFill>
-          <a:blip r:embed="rId3">
-            <a:extLst>
-              <a:ext uri="{28A0092B-C50C-407E-A947-70E740481C1C}">
-                <a14:useLocalDpi xmlns:a14="http://schemas.microsoft.com/office/drawing/2010/main" val="0"/>
-              </a:ext>
-            </a:extLst>
-          </a:blip>
-          <a:stretch>
-            <a:fillRect/>
-          </a:stretch>
-        </p:blipFill>
-        <p:spPr>
-          <a:xfrm>
-            <a:off x="10946157" y="356900"/>
-            <a:ext cx="862946" cy="862946"/>
-          </a:xfrm>
-          <a:prstGeom prst="rect">
-            <a:avLst/>
-          </a:prstGeom>
-        </p:spPr>
-      </p:pic>
+              <a:rPr lang="en-US" sz="1000" dirty="0" smtClean="0"/>
+              <a:t>Forgot Username / Password?</a:t>
+            </a:r>
+            <a:endParaRPr lang="en-US" sz="1000" dirty="0"/>
+          </a:p>
+        </p:txBody>
+      </p:sp>
     </p:spTree>
     <p:extLst>
       <p:ext uri="{BB962C8B-B14F-4D97-AF65-F5344CB8AC3E}">
-        <p14:creationId xmlns:p14="http://schemas.microsoft.com/office/powerpoint/2010/main" val="637614403"/>
+        <p14:creationId xmlns:p14="http://schemas.microsoft.com/office/powerpoint/2010/main" val="247589901"/>
       </p:ext>
     </p:extLst>
   </p:cSld>
@@ -5442,9 +4763,235 @@
           <a:chExt cx="0" cy="0"/>
         </a:xfrm>
       </p:grpSpPr>
+      <p:sp>
+        <p:nvSpPr>
+          <p:cNvPr id="49" name="Frame 48"/>
+          <p:cNvSpPr/>
+          <p:nvPr/>
+        </p:nvSpPr>
+        <p:spPr>
+          <a:xfrm>
+            <a:off x="1728998" y="485433"/>
+            <a:ext cx="3657600" cy="5943600"/>
+          </a:xfrm>
+          <a:prstGeom prst="frame">
+            <a:avLst>
+              <a:gd name="adj1" fmla="val 992"/>
+            </a:avLst>
+          </a:prstGeom>
+          <a:ln/>
+        </p:spPr>
+        <p:style>
+          <a:lnRef idx="2">
+            <a:schemeClr val="dk1">
+              <a:shade val="50000"/>
+            </a:schemeClr>
+          </a:lnRef>
+          <a:fillRef idx="1">
+            <a:schemeClr val="dk1"/>
+          </a:fillRef>
+          <a:effectRef idx="0">
+            <a:schemeClr val="dk1"/>
+          </a:effectRef>
+          <a:fontRef idx="minor">
+            <a:schemeClr val="lt1"/>
+          </a:fontRef>
+        </p:style>
+        <p:txBody>
+          <a:bodyPr rtlCol="0" anchor="ctr"/>
+          <a:lstStyle/>
+          <a:p>
+            <a:pPr algn="ctr"/>
+            <a:endParaRPr lang="en-US">
+              <a:solidFill>
+                <a:schemeClr val="tx1"/>
+              </a:solidFill>
+            </a:endParaRPr>
+          </a:p>
+        </p:txBody>
+      </p:sp>
+      <p:cxnSp>
+        <p:nvCxnSpPr>
+          <p:cNvPr id="50" name="Straight Connector 49"/>
+          <p:cNvCxnSpPr/>
+          <p:nvPr/>
+        </p:nvCxnSpPr>
+        <p:spPr>
+          <a:xfrm>
+            <a:off x="1728996" y="1657453"/>
+            <a:ext cx="3657602" cy="0"/>
+          </a:xfrm>
+          <a:prstGeom prst="line">
+            <a:avLst/>
+          </a:prstGeom>
+        </p:spPr>
+        <p:style>
+          <a:lnRef idx="1">
+            <a:schemeClr val="dk1"/>
+          </a:lnRef>
+          <a:fillRef idx="0">
+            <a:schemeClr val="dk1"/>
+          </a:fillRef>
+          <a:effectRef idx="0">
+            <a:schemeClr val="dk1"/>
+          </a:effectRef>
+          <a:fontRef idx="minor">
+            <a:schemeClr val="tx1"/>
+          </a:fontRef>
+        </p:style>
+      </p:cxnSp>
+      <p:sp>
+        <p:nvSpPr>
+          <p:cNvPr id="51" name="TextBox 50"/>
+          <p:cNvSpPr txBox="1"/>
+          <p:nvPr/>
+        </p:nvSpPr>
+        <p:spPr>
+          <a:xfrm>
+            <a:off x="2104116" y="921109"/>
+            <a:ext cx="728020" cy="369332"/>
+          </a:xfrm>
+          <a:prstGeom prst="rect">
+            <a:avLst/>
+          </a:prstGeom>
+          <a:noFill/>
+        </p:spPr>
+        <p:txBody>
+          <a:bodyPr wrap="none" rtlCol="0">
+            <a:spAutoFit/>
+          </a:bodyPr>
+          <a:lstStyle/>
+          <a:p>
+            <a:r>
+              <a:rPr lang="en-US" dirty="0"/>
+              <a:t>LOGO</a:t>
+            </a:r>
+          </a:p>
+        </p:txBody>
+      </p:sp>
+      <p:cxnSp>
+        <p:nvCxnSpPr>
+          <p:cNvPr id="52" name="Straight Connector 51"/>
+          <p:cNvCxnSpPr/>
+          <p:nvPr/>
+        </p:nvCxnSpPr>
+        <p:spPr>
+          <a:xfrm>
+            <a:off x="1935910" y="2277269"/>
+            <a:ext cx="3294743" cy="14514"/>
+          </a:xfrm>
+          <a:prstGeom prst="line">
+            <a:avLst/>
+          </a:prstGeom>
+        </p:spPr>
+        <p:style>
+          <a:lnRef idx="1">
+            <a:schemeClr val="dk1"/>
+          </a:lnRef>
+          <a:fillRef idx="0">
+            <a:schemeClr val="dk1"/>
+          </a:fillRef>
+          <a:effectRef idx="0">
+            <a:schemeClr val="dk1"/>
+          </a:effectRef>
+          <a:fontRef idx="minor">
+            <a:schemeClr val="tx1"/>
+          </a:fontRef>
+        </p:style>
+      </p:cxnSp>
+      <p:cxnSp>
+        <p:nvCxnSpPr>
+          <p:cNvPr id="53" name="Straight Connector 52"/>
+          <p:cNvCxnSpPr/>
+          <p:nvPr/>
+        </p:nvCxnSpPr>
+        <p:spPr>
+          <a:xfrm>
+            <a:off x="1935909" y="2870764"/>
+            <a:ext cx="3294743" cy="14514"/>
+          </a:xfrm>
+          <a:prstGeom prst="line">
+            <a:avLst/>
+          </a:prstGeom>
+        </p:spPr>
+        <p:style>
+          <a:lnRef idx="1">
+            <a:schemeClr val="dk1"/>
+          </a:lnRef>
+          <a:fillRef idx="0">
+            <a:schemeClr val="dk1"/>
+          </a:fillRef>
+          <a:effectRef idx="0">
+            <a:schemeClr val="dk1"/>
+          </a:effectRef>
+          <a:fontRef idx="minor">
+            <a:schemeClr val="tx1"/>
+          </a:fontRef>
+        </p:style>
+      </p:cxnSp>
+      <p:cxnSp>
+        <p:nvCxnSpPr>
+          <p:cNvPr id="54" name="Straight Connector 53"/>
+          <p:cNvCxnSpPr/>
+          <p:nvPr/>
+        </p:nvCxnSpPr>
+        <p:spPr>
+          <a:xfrm>
+            <a:off x="1921992" y="3525458"/>
+            <a:ext cx="3294743" cy="14514"/>
+          </a:xfrm>
+          <a:prstGeom prst="line">
+            <a:avLst/>
+          </a:prstGeom>
+        </p:spPr>
+        <p:style>
+          <a:lnRef idx="1">
+            <a:schemeClr val="dk1"/>
+          </a:lnRef>
+          <a:fillRef idx="0">
+            <a:schemeClr val="dk1"/>
+          </a:fillRef>
+          <a:effectRef idx="0">
+            <a:schemeClr val="dk1"/>
+          </a:effectRef>
+          <a:fontRef idx="minor">
+            <a:schemeClr val="tx1"/>
+          </a:fontRef>
+        </p:style>
+      </p:cxnSp>
+      <p:cxnSp>
+        <p:nvCxnSpPr>
+          <p:cNvPr id="55" name="Straight Connector 54"/>
+          <p:cNvCxnSpPr/>
+          <p:nvPr/>
+        </p:nvCxnSpPr>
+        <p:spPr>
+          <a:xfrm>
+            <a:off x="1910423" y="4180152"/>
+            <a:ext cx="3294743" cy="14514"/>
+          </a:xfrm>
+          <a:prstGeom prst="line">
+            <a:avLst/>
+          </a:prstGeom>
+        </p:spPr>
+        <p:style>
+          <a:lnRef idx="1">
+            <a:schemeClr val="dk1"/>
+          </a:lnRef>
+          <a:fillRef idx="0">
+            <a:schemeClr val="dk1"/>
+          </a:fillRef>
+          <a:effectRef idx="0">
+            <a:schemeClr val="dk1"/>
+          </a:effectRef>
+          <a:fontRef idx="minor">
+            <a:schemeClr val="tx1"/>
+          </a:fontRef>
+        </p:style>
+      </p:cxnSp>
       <p:pic>
         <p:nvPicPr>
-          <p:cNvPr id="2" name="Picture 1"/>
+          <p:cNvPr id="56" name="Picture 55"/>
           <p:cNvPicPr>
             <a:picLocks noChangeAspect="1"/>
           </p:cNvPicPr>
@@ -5464,304 +5011,17 @@
         </p:blipFill>
         <p:spPr>
           <a:xfrm>
-            <a:off x="367035" y="182880"/>
-            <a:ext cx="871101" cy="871101"/>
+            <a:off x="4378335" y="771748"/>
+            <a:ext cx="334027" cy="334027"/>
           </a:xfrm>
           <a:prstGeom prst="rect">
             <a:avLst/>
           </a:prstGeom>
         </p:spPr>
       </p:pic>
-      <p:sp>
-        <p:nvSpPr>
-          <p:cNvPr id="3" name="Frame 2"/>
-          <p:cNvSpPr/>
-          <p:nvPr/>
-        </p:nvSpPr>
-        <p:spPr>
-          <a:xfrm>
-            <a:off x="1736523" y="489532"/>
-            <a:ext cx="3657600" cy="5943600"/>
-          </a:xfrm>
-          <a:prstGeom prst="frame">
-            <a:avLst>
-              <a:gd name="adj1" fmla="val 992"/>
-            </a:avLst>
-          </a:prstGeom>
-          <a:ln/>
-        </p:spPr>
-        <p:style>
-          <a:lnRef idx="2">
-            <a:schemeClr val="dk1">
-              <a:shade val="50000"/>
-            </a:schemeClr>
-          </a:lnRef>
-          <a:fillRef idx="1">
-            <a:schemeClr val="dk1"/>
-          </a:fillRef>
-          <a:effectRef idx="0">
-            <a:schemeClr val="dk1"/>
-          </a:effectRef>
-          <a:fontRef idx="minor">
-            <a:schemeClr val="lt1"/>
-          </a:fontRef>
-        </p:style>
-        <p:txBody>
-          <a:bodyPr rtlCol="0" anchor="ctr"/>
-          <a:lstStyle/>
-          <a:p>
-            <a:pPr algn="ctr"/>
-            <a:endParaRPr lang="en-US">
-              <a:solidFill>
-                <a:schemeClr val="tx1"/>
-              </a:solidFill>
-            </a:endParaRPr>
-          </a:p>
-        </p:txBody>
-      </p:sp>
-      <p:sp>
-        <p:nvSpPr>
-          <p:cNvPr id="4" name="TextBox 3"/>
-          <p:cNvSpPr txBox="1"/>
-          <p:nvPr/>
-        </p:nvSpPr>
-        <p:spPr>
-          <a:xfrm>
-            <a:off x="2055837" y="2122504"/>
-            <a:ext cx="3018971" cy="3323987"/>
-          </a:xfrm>
-          <a:prstGeom prst="rect">
-            <a:avLst/>
-          </a:prstGeom>
-        </p:spPr>
-        <p:style>
-          <a:lnRef idx="2">
-            <a:schemeClr val="dk1"/>
-          </a:lnRef>
-          <a:fillRef idx="1">
-            <a:schemeClr val="lt1"/>
-          </a:fillRef>
-          <a:effectRef idx="0">
-            <a:schemeClr val="dk1"/>
-          </a:effectRef>
-          <a:fontRef idx="minor">
-            <a:schemeClr val="dk1"/>
-          </a:fontRef>
-        </p:style>
-        <p:txBody>
-          <a:bodyPr wrap="square" rtlCol="0">
-            <a:spAutoFit/>
-          </a:bodyPr>
-          <a:lstStyle/>
-          <a:p>
-            <a:pPr algn="ctr"/>
-            <a:endParaRPr lang="en-US" sz="2400" dirty="0"/>
-          </a:p>
-          <a:p>
-            <a:pPr algn="ctr"/>
-            <a:endParaRPr lang="en-US" sz="2400" dirty="0"/>
-          </a:p>
-          <a:p>
-            <a:pPr algn="ctr"/>
-            <a:r>
-              <a:rPr lang="en-US" sz="2400" dirty="0"/>
-              <a:t>WORD</a:t>
-            </a:r>
-          </a:p>
-          <a:p>
-            <a:pPr algn="ctr"/>
-            <a:r>
-              <a:rPr lang="en-US" sz="1200" dirty="0"/>
-              <a:t> </a:t>
-            </a:r>
-            <a:r>
-              <a:rPr lang="en-US" sz="2400" dirty="0"/>
-              <a:t> </a:t>
-            </a:r>
-          </a:p>
-          <a:p>
-            <a:pPr algn="ctr"/>
-            <a:endParaRPr lang="en-US" sz="2400" dirty="0"/>
-          </a:p>
-          <a:p>
-            <a:pPr algn="ctr"/>
-            <a:r>
-              <a:rPr lang="en-US" sz="2400" dirty="0"/>
-              <a:t> </a:t>
-            </a:r>
-            <a:r>
-              <a:rPr lang="en-US" sz="1200" dirty="0"/>
-              <a:t> </a:t>
-            </a:r>
-            <a:endParaRPr lang="en-US" sz="2400" dirty="0"/>
-          </a:p>
-          <a:p>
-            <a:pPr algn="ctr"/>
-            <a:r>
-              <a:rPr lang="en-US" sz="2400" dirty="0"/>
-              <a:t>DEFINITION</a:t>
-            </a:r>
-          </a:p>
-          <a:p>
-            <a:pPr algn="ctr"/>
-            <a:r>
-              <a:rPr lang="en-US" dirty="0"/>
-              <a:t> </a:t>
-            </a:r>
-            <a:endParaRPr lang="en-US" sz="2400" dirty="0"/>
-          </a:p>
-          <a:p>
-            <a:pPr algn="ctr"/>
-            <a:endParaRPr lang="en-US" sz="2400" dirty="0"/>
-          </a:p>
-        </p:txBody>
-      </p:sp>
-      <p:sp>
-        <p:nvSpPr>
-          <p:cNvPr id="5" name="TextBox 4"/>
-          <p:cNvSpPr txBox="1"/>
-          <p:nvPr/>
-        </p:nvSpPr>
-        <p:spPr>
-          <a:xfrm>
-            <a:off x="2055836" y="1200732"/>
-            <a:ext cx="3018971" cy="461665"/>
-          </a:xfrm>
-          <a:prstGeom prst="rect">
-            <a:avLst/>
-          </a:prstGeom>
-        </p:spPr>
-        <p:style>
-          <a:lnRef idx="2">
-            <a:schemeClr val="dk1"/>
-          </a:lnRef>
-          <a:fillRef idx="1">
-            <a:schemeClr val="lt1"/>
-          </a:fillRef>
-          <a:effectRef idx="0">
-            <a:schemeClr val="dk1"/>
-          </a:effectRef>
-          <a:fontRef idx="minor">
-            <a:schemeClr val="dk1"/>
-          </a:fontRef>
-        </p:style>
-        <p:txBody>
-          <a:bodyPr wrap="square" rtlCol="0">
-            <a:spAutoFit/>
-          </a:bodyPr>
-          <a:lstStyle/>
-          <a:p>
-            <a:pPr algn="ctr"/>
-            <a:endParaRPr lang="en-US" sz="2400" dirty="0"/>
-          </a:p>
-        </p:txBody>
-      </p:sp>
-      <p:cxnSp>
-        <p:nvCxnSpPr>
-          <p:cNvPr id="6" name="Straight Connector 5"/>
-          <p:cNvCxnSpPr/>
-          <p:nvPr/>
-        </p:nvCxnSpPr>
-        <p:spPr>
-          <a:xfrm>
-            <a:off x="1736523" y="1200732"/>
-            <a:ext cx="3657600" cy="0"/>
-          </a:xfrm>
-          <a:prstGeom prst="line">
-            <a:avLst/>
-          </a:prstGeom>
-        </p:spPr>
-        <p:style>
-          <a:lnRef idx="1">
-            <a:schemeClr val="dk1"/>
-          </a:lnRef>
-          <a:fillRef idx="0">
-            <a:schemeClr val="dk1"/>
-          </a:fillRef>
-          <a:effectRef idx="0">
-            <a:schemeClr val="dk1"/>
-          </a:effectRef>
-          <a:fontRef idx="minor">
-            <a:schemeClr val="tx1"/>
-          </a:fontRef>
-        </p:style>
-      </p:cxnSp>
-      <p:cxnSp>
-        <p:nvCxnSpPr>
-          <p:cNvPr id="7" name="Straight Connector 6"/>
-          <p:cNvCxnSpPr>
-            <a:stCxn id="5" idx="1"/>
-            <a:endCxn id="5" idx="3"/>
-          </p:cNvCxnSpPr>
-          <p:nvPr/>
-        </p:nvCxnSpPr>
-        <p:spPr>
-          <a:xfrm>
-            <a:off x="2055837" y="3784498"/>
-            <a:ext cx="3018971" cy="0"/>
-          </a:xfrm>
-          <a:prstGeom prst="line">
-            <a:avLst/>
-          </a:prstGeom>
-        </p:spPr>
-        <p:style>
-          <a:lnRef idx="1">
-            <a:schemeClr val="dk1"/>
-          </a:lnRef>
-          <a:fillRef idx="0">
-            <a:schemeClr val="dk1"/>
-          </a:fillRef>
-          <a:effectRef idx="0">
-            <a:schemeClr val="dk1"/>
-          </a:effectRef>
-          <a:fontRef idx="minor">
-            <a:schemeClr val="tx1"/>
-          </a:fontRef>
-        </p:style>
-      </p:cxnSp>
-      <p:sp>
-        <p:nvSpPr>
-          <p:cNvPr id="8" name="TextBox 7"/>
-          <p:cNvSpPr txBox="1"/>
-          <p:nvPr/>
-        </p:nvSpPr>
-        <p:spPr>
-          <a:xfrm>
-            <a:off x="2055835" y="5891207"/>
-            <a:ext cx="3018971" cy="502920"/>
-          </a:xfrm>
-          <a:prstGeom prst="rect">
-            <a:avLst/>
-          </a:prstGeom>
-        </p:spPr>
-        <p:style>
-          <a:lnRef idx="2">
-            <a:schemeClr val="dk1"/>
-          </a:lnRef>
-          <a:fillRef idx="1">
-            <a:schemeClr val="lt1"/>
-          </a:fillRef>
-          <a:effectRef idx="0">
-            <a:schemeClr val="dk1"/>
-          </a:effectRef>
-          <a:fontRef idx="minor">
-            <a:schemeClr val="dk1"/>
-          </a:fontRef>
-        </p:style>
-        <p:txBody>
-          <a:bodyPr wrap="square" rtlCol="0">
-            <a:spAutoFit/>
-          </a:bodyPr>
-          <a:lstStyle/>
-          <a:p>
-            <a:pPr algn="ctr"/>
-            <a:endParaRPr lang="en-US" sz="2400" dirty="0"/>
-          </a:p>
-        </p:txBody>
-      </p:sp>
       <p:pic>
         <p:nvPicPr>
-          <p:cNvPr id="9" name="Picture 8"/>
+          <p:cNvPr id="58" name="Picture 57"/>
           <p:cNvPicPr>
             <a:picLocks noChangeAspect="1"/>
           </p:cNvPicPr>
@@ -5780,9 +5040,9 @@
           </a:stretch>
         </p:blipFill>
         <p:spPr>
-          <a:xfrm flipV="1">
-            <a:off x="1920990" y="688221"/>
-            <a:ext cx="365760" cy="365760"/>
+          <a:xfrm>
+            <a:off x="4821396" y="757761"/>
+            <a:ext cx="362002" cy="362002"/>
           </a:xfrm>
           <a:prstGeom prst="rect">
             <a:avLst/>
@@ -5791,7 +5051,7 @@
       </p:pic>
       <p:cxnSp>
         <p:nvCxnSpPr>
-          <p:cNvPr id="10" name="Straight Connector 9"/>
+          <p:cNvPr id="18" name="Straight Connector 17"/>
           <p:cNvCxnSpPr/>
           <p:nvPr/>
         </p:nvCxnSpPr>
@@ -5799,6 +5059,83 @@
           <a:xfrm>
             <a:off x="6087649" y="0"/>
             <a:ext cx="0" cy="6858000"/>
+          </a:xfrm>
+          <a:prstGeom prst="line">
+            <a:avLst/>
+          </a:prstGeom>
+        </p:spPr>
+        <p:style>
+          <a:lnRef idx="1">
+            <a:schemeClr val="dk1"/>
+          </a:lnRef>
+          <a:fillRef idx="0">
+            <a:schemeClr val="dk1"/>
+          </a:fillRef>
+          <a:effectRef idx="0">
+            <a:schemeClr val="dk1"/>
+          </a:effectRef>
+          <a:fontRef idx="minor">
+            <a:schemeClr val="tx1"/>
+          </a:fontRef>
+        </p:style>
+      </p:cxnSp>
+      <p:sp>
+        <p:nvSpPr>
+          <p:cNvPr id="21" name="Frame 20"/>
+          <p:cNvSpPr/>
+          <p:nvPr/>
+        </p:nvSpPr>
+        <p:spPr>
+          <a:xfrm>
+            <a:off x="6788701" y="485433"/>
+            <a:ext cx="3657600" cy="5943600"/>
+          </a:xfrm>
+          <a:prstGeom prst="frame">
+            <a:avLst>
+              <a:gd name="adj1" fmla="val 992"/>
+            </a:avLst>
+          </a:prstGeom>
+          <a:ln/>
+        </p:spPr>
+        <p:style>
+          <a:lnRef idx="2">
+            <a:schemeClr val="dk1">
+              <a:shade val="50000"/>
+            </a:schemeClr>
+          </a:lnRef>
+          <a:fillRef idx="1">
+            <a:schemeClr val="dk1"/>
+          </a:fillRef>
+          <a:effectRef idx="0">
+            <a:schemeClr val="dk1"/>
+          </a:effectRef>
+          <a:fontRef idx="minor">
+            <a:schemeClr val="lt1"/>
+          </a:fontRef>
+        </p:style>
+        <p:txBody>
+          <a:bodyPr rtlCol="0" anchor="ctr"/>
+          <a:lstStyle/>
+          <a:p>
+            <a:pPr algn="ctr"/>
+            <a:endParaRPr lang="en-US">
+              <a:solidFill>
+                <a:schemeClr val="tx1"/>
+              </a:solidFill>
+            </a:endParaRPr>
+          </a:p>
+        </p:txBody>
+      </p:sp>
+      <p:cxnSp>
+        <p:nvCxnSpPr>
+          <p:cNvPr id="22" name="Straight Connector 21"/>
+          <p:cNvCxnSpPr/>
+          <p:nvPr/>
+        </p:nvCxnSpPr>
+        <p:spPr>
+          <a:xfrm>
+            <a:off x="6788701" y="2738106"/>
+            <a:ext cx="3657602" cy="0"/>
           </a:xfrm>
           <a:prstGeom prst="line">
             <a:avLst/>
@@ -5821,7 +5158,7 @@
       </p:cxnSp>
       <p:pic>
         <p:nvPicPr>
-          <p:cNvPr id="11" name="Picture 10"/>
+          <p:cNvPr id="23" name="Picture 22"/>
           <p:cNvPicPr>
             <a:picLocks noChangeAspect="1"/>
           </p:cNvPicPr>
@@ -5840,9 +5177,39 @@
           </a:stretch>
         </p:blipFill>
         <p:spPr>
+          <a:xfrm>
+            <a:off x="7933085" y="749678"/>
+            <a:ext cx="1363772" cy="1363772"/>
+          </a:xfrm>
+          <a:prstGeom prst="rect">
+            <a:avLst/>
+          </a:prstGeom>
+        </p:spPr>
+      </p:pic>
+      <p:pic>
+        <p:nvPicPr>
+          <p:cNvPr id="24" name="Picture 23"/>
+          <p:cNvPicPr>
+            <a:picLocks noChangeAspect="1"/>
+          </p:cNvPicPr>
+          <p:nvPr/>
+        </p:nvPicPr>
+        <p:blipFill>
+          <a:blip r:embed="rId5">
+            <a:extLst>
+              <a:ext uri="{28A0092B-C50C-407E-A947-70E740481C1C}">
+                <a14:useLocalDpi xmlns:a14="http://schemas.microsoft.com/office/drawing/2010/main" val="0"/>
+              </a:ext>
+            </a:extLst>
+          </a:blip>
+          <a:stretch>
+            <a:fillRect/>
+          </a:stretch>
+        </p:blipFill>
+        <p:spPr>
           <a:xfrm flipV="1">
-            <a:off x="9680323" y="651533"/>
-            <a:ext cx="439136" cy="439136"/>
+            <a:off x="7067469" y="688220"/>
+            <a:ext cx="365760" cy="365760"/>
           </a:xfrm>
           <a:prstGeom prst="rect">
             <a:avLst/>
@@ -5851,80 +5218,20 @@
       </p:pic>
       <p:sp>
         <p:nvSpPr>
-          <p:cNvPr id="12" name="Frame 11"/>
-          <p:cNvSpPr/>
-          <p:nvPr/>
-        </p:nvSpPr>
-        <p:spPr>
-          <a:xfrm>
-            <a:off x="6781176" y="489532"/>
-            <a:ext cx="3657600" cy="5943600"/>
-          </a:xfrm>
-          <a:prstGeom prst="frame">
-            <a:avLst>
-              <a:gd name="adj1" fmla="val 992"/>
-            </a:avLst>
-          </a:prstGeom>
-          <a:ln/>
-        </p:spPr>
-        <p:style>
-          <a:lnRef idx="2">
-            <a:schemeClr val="dk1">
-              <a:shade val="50000"/>
-            </a:schemeClr>
-          </a:lnRef>
-          <a:fillRef idx="1">
-            <a:schemeClr val="dk1"/>
-          </a:fillRef>
-          <a:effectRef idx="0">
-            <a:schemeClr val="dk1"/>
-          </a:effectRef>
-          <a:fontRef idx="minor">
-            <a:schemeClr val="lt1"/>
-          </a:fontRef>
-        </p:style>
-        <p:txBody>
-          <a:bodyPr rtlCol="0" anchor="ctr"/>
-          <a:lstStyle/>
-          <a:p>
-            <a:pPr algn="ctr"/>
-            <a:endParaRPr lang="en-US">
-              <a:solidFill>
-                <a:schemeClr val="tx1"/>
-              </a:solidFill>
-            </a:endParaRPr>
-          </a:p>
-        </p:txBody>
-      </p:sp>
-      <p:sp>
-        <p:nvSpPr>
-          <p:cNvPr id="13" name="TextBox 12"/>
+          <p:cNvPr id="25" name="TextBox 24"/>
           <p:cNvSpPr txBox="1"/>
           <p:nvPr/>
         </p:nvSpPr>
         <p:spPr>
           <a:xfrm>
-            <a:off x="7100490" y="2122504"/>
-            <a:ext cx="3018971" cy="3323987"/>
+            <a:off x="7100098" y="2122444"/>
+            <a:ext cx="3029747" cy="461665"/>
           </a:xfrm>
           <a:prstGeom prst="rect">
             <a:avLst/>
           </a:prstGeom>
-        </p:spPr>
-        <p:style>
-          <a:lnRef idx="2">
-            <a:schemeClr val="dk1"/>
-          </a:lnRef>
-          <a:fillRef idx="1">
-            <a:schemeClr val="lt1"/>
-          </a:fillRef>
-          <a:effectRef idx="0">
-            <a:schemeClr val="dk1"/>
-          </a:effectRef>
-          <a:fontRef idx="minor">
-            <a:schemeClr val="dk1"/>
-          </a:fontRef>
-        </p:style>
+          <a:noFill/>
+        </p:spPr>
         <p:txBody>
           <a:bodyPr wrap="square" rtlCol="0">
             <a:spAutoFit/>
@@ -5932,115 +5239,214 @@
           <a:lstStyle/>
           <a:p>
             <a:pPr algn="ctr"/>
-            <a:endParaRPr lang="en-US" sz="2400" dirty="0"/>
-          </a:p>
-          <a:p>
-            <a:pPr algn="ctr"/>
-            <a:endParaRPr lang="en-US" sz="2400" dirty="0"/>
-          </a:p>
-          <a:p>
-            <a:pPr algn="ctr"/>
-            <a:endParaRPr lang="en-US" sz="2400" dirty="0" smtClean="0"/>
-          </a:p>
-          <a:p>
-            <a:pPr algn="ctr"/>
-            <a:endParaRPr lang="en-US" sz="2400" dirty="0"/>
-          </a:p>
-          <a:p>
-            <a:pPr algn="ctr"/>
-            <a:r>
-              <a:rPr lang="en-US" sz="2400" dirty="0" smtClean="0"/>
-              <a:t>WORD</a:t>
-            </a:r>
-            <a:endParaRPr lang="en-US" sz="2400" dirty="0"/>
-          </a:p>
-          <a:p>
-            <a:pPr algn="ctr"/>
-            <a:r>
-              <a:rPr lang="en-US" sz="1200" dirty="0"/>
-              <a:t> </a:t>
-            </a:r>
-            <a:r>
-              <a:rPr lang="en-US" sz="2400" dirty="0"/>
-              <a:t> </a:t>
-            </a:r>
-            <a:endParaRPr lang="en-US" sz="2400" dirty="0" smtClean="0"/>
-          </a:p>
-          <a:p>
-            <a:pPr algn="ctr"/>
-            <a:r>
-              <a:rPr lang="en-US" sz="2400" dirty="0" smtClean="0"/>
-              <a:t> </a:t>
-            </a:r>
-          </a:p>
-          <a:p>
-            <a:pPr algn="ctr"/>
-            <a:r>
-              <a:rPr lang="en-US" dirty="0" smtClean="0"/>
-              <a:t> </a:t>
-            </a:r>
-            <a:endParaRPr lang="en-US" sz="2400" dirty="0"/>
-          </a:p>
-          <a:p>
-            <a:pPr algn="ctr"/>
-            <a:endParaRPr lang="en-US" sz="2400" dirty="0"/>
-          </a:p>
-        </p:txBody>
-      </p:sp>
-      <p:sp>
-        <p:nvSpPr>
-          <p:cNvPr id="14" name="TextBox 13"/>
+            <a:r>
+              <a:rPr lang="en-US" sz="2400" u="sng" dirty="0" smtClean="0"/>
+              <a:t>username</a:t>
+            </a:r>
+            <a:endParaRPr lang="en-US" sz="2400" u="sng" dirty="0"/>
+          </a:p>
+        </p:txBody>
+      </p:sp>
+      <p:sp>
+        <p:nvSpPr>
+          <p:cNvPr id="26" name="TextBox 25"/>
           <p:cNvSpPr txBox="1"/>
           <p:nvPr/>
         </p:nvSpPr>
         <p:spPr>
           <a:xfrm>
-            <a:off x="7100489" y="1200732"/>
-            <a:ext cx="3018971" cy="461665"/>
+            <a:off x="6819126" y="3284598"/>
+            <a:ext cx="3593592" cy="310896"/>
           </a:xfrm>
           <a:prstGeom prst="rect">
             <a:avLst/>
           </a:prstGeom>
-        </p:spPr>
-        <p:style>
-          <a:lnRef idx="2">
-            <a:schemeClr val="dk1"/>
-          </a:lnRef>
-          <a:fillRef idx="1">
-            <a:schemeClr val="lt1"/>
-          </a:fillRef>
-          <a:effectRef idx="0">
-            <a:schemeClr val="dk1"/>
-          </a:effectRef>
-          <a:fontRef idx="minor">
-            <a:schemeClr val="dk1"/>
-          </a:fontRef>
-        </p:style>
+          <a:solidFill>
+            <a:schemeClr val="bg1">
+              <a:lumMod val="95000"/>
+            </a:schemeClr>
+          </a:solidFill>
+          <a:ln>
+            <a:solidFill>
+              <a:schemeClr val="tx1"/>
+            </a:solidFill>
+          </a:ln>
+        </p:spPr>
         <p:txBody>
           <a:bodyPr wrap="square" rtlCol="0">
             <a:spAutoFit/>
           </a:bodyPr>
           <a:lstStyle/>
           <a:p>
-            <a:pPr algn="ctr"/>
-            <a:endParaRPr lang="en-US" sz="2400" dirty="0"/>
+            <a:r>
+              <a:rPr lang="en-US" sz="1400" i="1" dirty="0"/>
+              <a:t>  </a:t>
+            </a:r>
+            <a:r>
+              <a:rPr lang="en-US" sz="1400" dirty="0"/>
+              <a:t>Support</a:t>
+            </a:r>
+          </a:p>
+        </p:txBody>
+      </p:sp>
+      <p:sp>
+        <p:nvSpPr>
+          <p:cNvPr id="27" name="TextBox 26"/>
+          <p:cNvSpPr txBox="1"/>
+          <p:nvPr/>
+        </p:nvSpPr>
+        <p:spPr>
+          <a:xfrm>
+            <a:off x="6784952" y="3618520"/>
+            <a:ext cx="3657600" cy="415498"/>
+          </a:xfrm>
+          <a:prstGeom prst="rect">
+            <a:avLst/>
+          </a:prstGeom>
+          <a:noFill/>
+        </p:spPr>
+        <p:txBody>
+          <a:bodyPr wrap="square" rtlCol="0">
+            <a:spAutoFit/>
+          </a:bodyPr>
+          <a:lstStyle/>
+          <a:p>
+            <a:pPr>
+              <a:spcBef>
+                <a:spcPts val="1000"/>
+              </a:spcBef>
+              <a:spcAft>
+                <a:spcPts val="1000"/>
+              </a:spcAft>
+            </a:pPr>
+            <a:r>
+              <a:rPr lang="en-US" sz="500" dirty="0"/>
+              <a:t> </a:t>
+            </a:r>
+            <a:r>
+              <a:rPr lang="en-US" sz="1600" dirty="0"/>
+              <a:t/>
+            </a:r>
+            <a:br>
+              <a:rPr lang="en-US" sz="1600" dirty="0"/>
+            </a:br>
+            <a:r>
+              <a:rPr lang="en-US" sz="1600" dirty="0"/>
+              <a:t>  Send Feedback</a:t>
+            </a:r>
+          </a:p>
+        </p:txBody>
+      </p:sp>
+      <p:sp>
+        <p:nvSpPr>
+          <p:cNvPr id="28" name="TextBox 27"/>
+          <p:cNvSpPr txBox="1"/>
+          <p:nvPr/>
+        </p:nvSpPr>
+        <p:spPr>
+          <a:xfrm>
+            <a:off x="6819126" y="4616343"/>
+            <a:ext cx="3593592" cy="310896"/>
+          </a:xfrm>
+          <a:prstGeom prst="rect">
+            <a:avLst/>
+          </a:prstGeom>
+          <a:solidFill>
+            <a:schemeClr val="bg1">
+              <a:lumMod val="95000"/>
+            </a:schemeClr>
+          </a:solidFill>
+          <a:ln>
+            <a:solidFill>
+              <a:schemeClr val="tx1"/>
+            </a:solidFill>
+          </a:ln>
+        </p:spPr>
+        <p:txBody>
+          <a:bodyPr wrap="square" rtlCol="0">
+            <a:spAutoFit/>
+          </a:bodyPr>
+          <a:lstStyle/>
+          <a:p>
+            <a:r>
+              <a:rPr lang="en-US" sz="1400" dirty="0"/>
+              <a:t>  About</a:t>
+            </a:r>
+          </a:p>
+        </p:txBody>
+      </p:sp>
+      <p:sp>
+        <p:nvSpPr>
+          <p:cNvPr id="29" name="TextBox 28"/>
+          <p:cNvSpPr txBox="1"/>
+          <p:nvPr/>
+        </p:nvSpPr>
+        <p:spPr>
+          <a:xfrm>
+            <a:off x="6784952" y="4117180"/>
+            <a:ext cx="3657600" cy="415498"/>
+          </a:xfrm>
+          <a:prstGeom prst="rect">
+            <a:avLst/>
+          </a:prstGeom>
+          <a:noFill/>
+          <a:ln>
+            <a:noFill/>
+          </a:ln>
+        </p:spPr>
+        <p:txBody>
+          <a:bodyPr wrap="square" rtlCol="0">
+            <a:spAutoFit/>
+          </a:bodyPr>
+          <a:lstStyle/>
+          <a:p>
+            <a:pPr>
+              <a:spcBef>
+                <a:spcPts val="1000"/>
+              </a:spcBef>
+              <a:spcAft>
+                <a:spcPts val="1000"/>
+              </a:spcAft>
+            </a:pPr>
+            <a:r>
+              <a:rPr lang="en-US" sz="500" dirty="0"/>
+              <a:t> </a:t>
+            </a:r>
+            <a:r>
+              <a:rPr lang="en-US" sz="1600" dirty="0"/>
+              <a:t/>
+            </a:r>
+            <a:br>
+              <a:rPr lang="en-US" sz="1600" dirty="0"/>
+            </a:br>
+            <a:r>
+              <a:rPr lang="en-US" sz="1600" dirty="0"/>
+              <a:t>  Rate Us!</a:t>
+            </a:r>
           </a:p>
         </p:txBody>
       </p:sp>
       <p:cxnSp>
         <p:nvCxnSpPr>
-          <p:cNvPr id="15" name="Straight Connector 14"/>
+          <p:cNvPr id="30" name="Straight Connector 29"/>
           <p:cNvCxnSpPr/>
           <p:nvPr/>
         </p:nvCxnSpPr>
         <p:spPr>
           <a:xfrm>
-            <a:off x="6781176" y="1200732"/>
-            <a:ext cx="3657600" cy="0"/>
+            <a:off x="6818202" y="4117180"/>
+            <a:ext cx="3593592" cy="0"/>
           </a:xfrm>
           <a:prstGeom prst="line">
             <a:avLst/>
           </a:prstGeom>
+          <a:ln>
+            <a:solidFill>
+              <a:schemeClr val="bg1">
+                <a:lumMod val="75000"/>
+              </a:schemeClr>
+            </a:solidFill>
+          </a:ln>
         </p:spPr>
         <p:style>
           <a:lnRef idx="1">
@@ -6059,47 +5465,198 @@
       </p:cxnSp>
       <p:sp>
         <p:nvSpPr>
-          <p:cNvPr id="17" name="TextBox 16"/>
+          <p:cNvPr id="31" name="TextBox 30"/>
           <p:cNvSpPr txBox="1"/>
           <p:nvPr/>
         </p:nvSpPr>
         <p:spPr>
           <a:xfrm>
-            <a:off x="7100488" y="5891207"/>
-            <a:ext cx="3018971" cy="502920"/>
+            <a:off x="6784952" y="4941100"/>
+            <a:ext cx="3657600" cy="415498"/>
           </a:xfrm>
           <a:prstGeom prst="rect">
             <a:avLst/>
           </a:prstGeom>
-        </p:spPr>
-        <p:style>
-          <a:lnRef idx="2">
-            <a:schemeClr val="dk1"/>
-          </a:lnRef>
-          <a:fillRef idx="1">
-            <a:schemeClr val="lt1"/>
-          </a:fillRef>
-          <a:effectRef idx="0">
-            <a:schemeClr val="dk1"/>
-          </a:effectRef>
-          <a:fontRef idx="minor">
-            <a:schemeClr val="dk1"/>
-          </a:fontRef>
-        </p:style>
+          <a:noFill/>
+        </p:spPr>
         <p:txBody>
           <a:bodyPr wrap="square" rtlCol="0">
             <a:spAutoFit/>
           </a:bodyPr>
           <a:lstStyle/>
           <a:p>
-            <a:pPr algn="ctr"/>
-            <a:endParaRPr lang="en-US" sz="2400" dirty="0"/>
+            <a:pPr>
+              <a:spcBef>
+                <a:spcPts val="1000"/>
+              </a:spcBef>
+              <a:spcAft>
+                <a:spcPts val="1000"/>
+              </a:spcAft>
+            </a:pPr>
+            <a:r>
+              <a:rPr lang="en-US" sz="500" dirty="0"/>
+              <a:t> </a:t>
+            </a:r>
+            <a:r>
+              <a:rPr lang="en-US" sz="1600" dirty="0"/>
+              <a:t/>
+            </a:r>
+            <a:br>
+              <a:rPr lang="en-US" sz="1600" dirty="0"/>
+            </a:br>
+            <a:r>
+              <a:rPr lang="en-US" sz="1600" dirty="0"/>
+              <a:t>  Privacy Policy</a:t>
+            </a:r>
+          </a:p>
+        </p:txBody>
+      </p:sp>
+      <p:sp>
+        <p:nvSpPr>
+          <p:cNvPr id="32" name="TextBox 31"/>
+          <p:cNvSpPr txBox="1"/>
+          <p:nvPr/>
+        </p:nvSpPr>
+        <p:spPr>
+          <a:xfrm>
+            <a:off x="6784952" y="5439760"/>
+            <a:ext cx="3657600" cy="415498"/>
+          </a:xfrm>
+          <a:prstGeom prst="rect">
+            <a:avLst/>
+          </a:prstGeom>
+          <a:noFill/>
+          <a:ln>
+            <a:noFill/>
+          </a:ln>
+        </p:spPr>
+        <p:txBody>
+          <a:bodyPr wrap="square" rtlCol="0">
+            <a:spAutoFit/>
+          </a:bodyPr>
+          <a:lstStyle/>
+          <a:p>
+            <a:pPr>
+              <a:spcBef>
+                <a:spcPts val="1000"/>
+              </a:spcBef>
+              <a:spcAft>
+                <a:spcPts val="1000"/>
+              </a:spcAft>
+            </a:pPr>
+            <a:r>
+              <a:rPr lang="en-US" sz="500" dirty="0"/>
+              <a:t> </a:t>
+            </a:r>
+            <a:r>
+              <a:rPr lang="en-US" sz="1600" dirty="0"/>
+              <a:t/>
+            </a:r>
+            <a:br>
+              <a:rPr lang="en-US" sz="1600" dirty="0"/>
+            </a:br>
+            <a:r>
+              <a:rPr lang="en-US" sz="1600" dirty="0"/>
+              <a:t>  Terms of Service</a:t>
+            </a:r>
+          </a:p>
+        </p:txBody>
+      </p:sp>
+      <p:cxnSp>
+        <p:nvCxnSpPr>
+          <p:cNvPr id="33" name="Straight Connector 32"/>
+          <p:cNvCxnSpPr/>
+          <p:nvPr/>
+        </p:nvCxnSpPr>
+        <p:spPr>
+          <a:xfrm>
+            <a:off x="6818202" y="5439760"/>
+            <a:ext cx="3593592" cy="0"/>
+          </a:xfrm>
+          <a:prstGeom prst="line">
+            <a:avLst/>
+          </a:prstGeom>
+          <a:ln>
+            <a:solidFill>
+              <a:schemeClr val="bg1">
+                <a:lumMod val="75000"/>
+              </a:schemeClr>
+            </a:solidFill>
+          </a:ln>
+        </p:spPr>
+        <p:style>
+          <a:lnRef idx="1">
+            <a:schemeClr val="dk1"/>
+          </a:lnRef>
+          <a:fillRef idx="0">
+            <a:schemeClr val="dk1"/>
+          </a:fillRef>
+          <a:effectRef idx="0">
+            <a:schemeClr val="dk1"/>
+          </a:effectRef>
+          <a:fontRef idx="minor">
+            <a:schemeClr val="tx1"/>
+          </a:fontRef>
+        </p:style>
+      </p:cxnSp>
+      <p:sp>
+        <p:nvSpPr>
+          <p:cNvPr id="34" name="TextBox 33"/>
+          <p:cNvSpPr txBox="1"/>
+          <p:nvPr/>
+        </p:nvSpPr>
+        <p:spPr>
+          <a:xfrm>
+            <a:off x="6784952" y="2779663"/>
+            <a:ext cx="3657600" cy="415498"/>
+          </a:xfrm>
+          <a:prstGeom prst="rect">
+            <a:avLst/>
+          </a:prstGeom>
+          <a:noFill/>
+          <a:ln>
+            <a:noFill/>
+          </a:ln>
+        </p:spPr>
+        <p:txBody>
+          <a:bodyPr wrap="square" rtlCol="0">
+            <a:spAutoFit/>
+          </a:bodyPr>
+          <a:lstStyle/>
+          <a:p>
+            <a:pPr>
+              <a:spcBef>
+                <a:spcPts val="1000"/>
+              </a:spcBef>
+              <a:spcAft>
+                <a:spcPts val="1000"/>
+              </a:spcAft>
+            </a:pPr>
+            <a:r>
+              <a:rPr lang="en-US" sz="500" dirty="0"/>
+              <a:t> </a:t>
+            </a:r>
+            <a:r>
+              <a:rPr lang="en-US" sz="1600" dirty="0"/>
+              <a:t/>
+            </a:r>
+            <a:br>
+              <a:rPr lang="en-US" sz="1600" dirty="0"/>
+            </a:br>
+            <a:r>
+              <a:rPr lang="en-US" sz="1600" dirty="0"/>
+              <a:t>  Log out of </a:t>
+            </a:r>
+            <a:r>
+              <a:rPr lang="en-US" sz="1600" i="1" u="sng" dirty="0"/>
+              <a:t>username</a:t>
+            </a:r>
           </a:p>
         </p:txBody>
       </p:sp>
       <p:pic>
         <p:nvPicPr>
-          <p:cNvPr id="18" name="Picture 17"/>
+          <p:cNvPr id="35" name="Picture 34"/>
           <p:cNvPicPr>
             <a:picLocks noChangeAspect="1"/>
           </p:cNvPicPr>
@@ -6118,49 +5675,151 @@
           </a:stretch>
         </p:blipFill>
         <p:spPr>
-          <a:xfrm flipV="1">
-            <a:off x="6965643" y="688221"/>
-            <a:ext cx="365760" cy="365760"/>
+          <a:xfrm>
+            <a:off x="10946157" y="356900"/>
+            <a:ext cx="862946" cy="862946"/>
           </a:xfrm>
           <a:prstGeom prst="rect">
             <a:avLst/>
           </a:prstGeom>
         </p:spPr>
       </p:pic>
-      <p:pic>
-        <p:nvPicPr>
-          <p:cNvPr id="20" name="Picture 19"/>
-          <p:cNvPicPr>
-            <a:picLocks noChangeAspect="1"/>
-          </p:cNvPicPr>
-          <p:nvPr/>
-        </p:nvPicPr>
-        <p:blipFill>
-          <a:blip r:embed="rId5">
-            <a:extLst>
-              <a:ext uri="{28A0092B-C50C-407E-A947-70E740481C1C}">
-                <a14:useLocalDpi xmlns:a14="http://schemas.microsoft.com/office/drawing/2010/main" val="0"/>
-              </a:ext>
-            </a:extLst>
-          </a:blip>
-          <a:stretch>
-            <a:fillRect/>
-          </a:stretch>
-        </p:blipFill>
-        <p:spPr>
-          <a:xfrm>
-            <a:off x="4635670" y="651533"/>
-            <a:ext cx="439136" cy="439136"/>
+      <p:sp>
+        <p:nvSpPr>
+          <p:cNvPr id="38" name="TextBox 37"/>
+          <p:cNvSpPr txBox="1"/>
+          <p:nvPr/>
+        </p:nvSpPr>
+        <p:spPr>
+          <a:xfrm>
+            <a:off x="1910614" y="1813005"/>
+            <a:ext cx="3272975" cy="369332"/>
           </a:xfrm>
           <a:prstGeom prst="rect">
             <a:avLst/>
           </a:prstGeom>
-        </p:spPr>
-      </p:pic>
+          <a:noFill/>
+        </p:spPr>
+        <p:txBody>
+          <a:bodyPr wrap="square" rtlCol="0">
+            <a:spAutoFit/>
+          </a:bodyPr>
+          <a:lstStyle/>
+          <a:p>
+            <a:pPr algn="ctr"/>
+            <a:r>
+              <a:rPr lang="en-US" dirty="0" smtClean="0"/>
+              <a:t>LIST 1		    51 terms</a:t>
+            </a:r>
+            <a:endParaRPr lang="en-US" dirty="0"/>
+          </a:p>
+        </p:txBody>
+      </p:sp>
+      <p:sp>
+        <p:nvSpPr>
+          <p:cNvPr id="39" name="TextBox 38"/>
+          <p:cNvSpPr txBox="1"/>
+          <p:nvPr/>
+        </p:nvSpPr>
+        <p:spPr>
+          <a:xfrm>
+            <a:off x="1905280" y="2444624"/>
+            <a:ext cx="3272975" cy="369332"/>
+          </a:xfrm>
+          <a:prstGeom prst="rect">
+            <a:avLst/>
+          </a:prstGeom>
+          <a:noFill/>
+        </p:spPr>
+        <p:txBody>
+          <a:bodyPr wrap="square" rtlCol="0">
+            <a:spAutoFit/>
+          </a:bodyPr>
+          <a:lstStyle/>
+          <a:p>
+            <a:pPr algn="ctr"/>
+            <a:r>
+              <a:rPr lang="en-US" dirty="0" smtClean="0"/>
+              <a:t>LIST 2		   12 terms</a:t>
+            </a:r>
+            <a:endParaRPr lang="en-US" dirty="0"/>
+          </a:p>
+        </p:txBody>
+      </p:sp>
+      <p:sp>
+        <p:nvSpPr>
+          <p:cNvPr id="40" name="TextBox 39"/>
+          <p:cNvSpPr txBox="1"/>
+          <p:nvPr/>
+        </p:nvSpPr>
+        <p:spPr>
+          <a:xfrm>
+            <a:off x="1920058" y="3060611"/>
+            <a:ext cx="3272975" cy="369332"/>
+          </a:xfrm>
+          <a:prstGeom prst="rect">
+            <a:avLst/>
+          </a:prstGeom>
+          <a:noFill/>
+        </p:spPr>
+        <p:txBody>
+          <a:bodyPr wrap="square" rtlCol="0">
+            <a:spAutoFit/>
+          </a:bodyPr>
+          <a:lstStyle/>
+          <a:p>
+            <a:pPr algn="ctr"/>
+            <a:r>
+              <a:rPr lang="en-US" dirty="0" smtClean="0"/>
+              <a:t>LIST 3		   37 terms</a:t>
+            </a:r>
+            <a:endParaRPr lang="en-US" dirty="0"/>
+          </a:p>
+        </p:txBody>
+      </p:sp>
+      <p:sp>
+        <p:nvSpPr>
+          <p:cNvPr id="41" name="TextBox 40"/>
+          <p:cNvSpPr txBox="1"/>
+          <p:nvPr/>
+        </p:nvSpPr>
+        <p:spPr>
+          <a:xfrm>
+            <a:off x="1923124" y="3713589"/>
+            <a:ext cx="3272975" cy="369332"/>
+          </a:xfrm>
+          <a:prstGeom prst="rect">
+            <a:avLst/>
+          </a:prstGeom>
+          <a:noFill/>
+        </p:spPr>
+        <p:txBody>
+          <a:bodyPr wrap="square" rtlCol="0">
+            <a:spAutoFit/>
+          </a:bodyPr>
+          <a:lstStyle/>
+          <a:p>
+            <a:pPr algn="ctr"/>
+            <a:r>
+              <a:rPr lang="en-US" dirty="0" smtClean="0"/>
+              <a:t>LIST 4		</a:t>
+            </a:r>
+            <a:r>
+              <a:rPr lang="en-US" smtClean="0"/>
+              <a:t>   42 </a:t>
+            </a:r>
+            <a:r>
+              <a:rPr lang="en-US" dirty="0" smtClean="0"/>
+              <a:t>terms</a:t>
+            </a:r>
+            <a:endParaRPr lang="en-US" dirty="0"/>
+          </a:p>
+        </p:txBody>
+      </p:sp>
     </p:spTree>
     <p:extLst>
       <p:ext uri="{BB962C8B-B14F-4D97-AF65-F5344CB8AC3E}">
-        <p14:creationId xmlns:p14="http://schemas.microsoft.com/office/powerpoint/2010/main" val="1442562627"/>
+        <p14:creationId xmlns:p14="http://schemas.microsoft.com/office/powerpoint/2010/main" val="637614403"/>
       </p:ext>
     </p:extLst>
   </p:cSld>
@@ -6187,190 +5846,9 @@
           <a:chExt cx="0" cy="0"/>
         </a:xfrm>
       </p:grpSpPr>
-      <p:sp>
-        <p:nvSpPr>
-          <p:cNvPr id="59" name="TextBox 58"/>
-          <p:cNvSpPr txBox="1"/>
-          <p:nvPr/>
-        </p:nvSpPr>
-        <p:spPr>
-          <a:xfrm>
-            <a:off x="3750461" y="1791054"/>
-            <a:ext cx="1271618" cy="461665"/>
-          </a:xfrm>
-          <a:prstGeom prst="rect">
-            <a:avLst/>
-          </a:prstGeom>
-          <a:noFill/>
-          <a:ln>
-            <a:solidFill>
-              <a:schemeClr val="tx1"/>
-            </a:solidFill>
-          </a:ln>
-        </p:spPr>
-        <p:txBody>
-          <a:bodyPr wrap="square" rtlCol="0">
-            <a:spAutoFit/>
-          </a:bodyPr>
-          <a:lstStyle/>
-          <a:p>
-            <a:pPr algn="ctr"/>
-            <a:r>
-              <a:rPr lang="en-US" sz="500" dirty="0" smtClean="0"/>
-              <a:t/>
-            </a:r>
-            <a:br>
-              <a:rPr lang="en-US" sz="500" dirty="0" smtClean="0"/>
-            </a:br>
-            <a:r>
-              <a:rPr lang="en-US" sz="500" dirty="0" smtClean="0"/>
-              <a:t> </a:t>
-            </a:r>
-            <a:r>
-              <a:rPr lang="en-US" sz="1400" dirty="0" smtClean="0"/>
-              <a:t>      </a:t>
-            </a:r>
-            <a:r>
-              <a:rPr lang="en-US" sz="1400" dirty="0" smtClean="0"/>
-              <a:t>  EDIT</a:t>
-            </a:r>
-            <a:r>
-              <a:rPr lang="en-US" sz="1400" dirty="0" smtClean="0"/>
-              <a:t/>
-            </a:r>
-            <a:br>
-              <a:rPr lang="en-US" sz="1400" dirty="0" smtClean="0"/>
-            </a:br>
-            <a:endParaRPr lang="en-US" sz="500" dirty="0"/>
-          </a:p>
-        </p:txBody>
-      </p:sp>
-      <p:sp>
-        <p:nvSpPr>
-          <p:cNvPr id="2" name="Frame 1"/>
-          <p:cNvSpPr/>
-          <p:nvPr/>
-        </p:nvSpPr>
-        <p:spPr>
-          <a:xfrm>
-            <a:off x="1734736" y="480960"/>
-            <a:ext cx="3657600" cy="5943600"/>
-          </a:xfrm>
-          <a:prstGeom prst="frame">
-            <a:avLst>
-              <a:gd name="adj1" fmla="val 992"/>
-            </a:avLst>
-          </a:prstGeom>
-          <a:ln/>
-        </p:spPr>
-        <p:style>
-          <a:lnRef idx="2">
-            <a:schemeClr val="dk1">
-              <a:shade val="50000"/>
-            </a:schemeClr>
-          </a:lnRef>
-          <a:fillRef idx="1">
-            <a:schemeClr val="dk1"/>
-          </a:fillRef>
-          <a:effectRef idx="0">
-            <a:schemeClr val="dk1"/>
-          </a:effectRef>
-          <a:fontRef idx="minor">
-            <a:schemeClr val="lt1"/>
-          </a:fontRef>
-        </p:style>
-        <p:txBody>
-          <a:bodyPr rtlCol="0" anchor="ctr"/>
-          <a:lstStyle/>
-          <a:p>
-            <a:pPr algn="ctr"/>
-            <a:endParaRPr lang="en-US">
-              <a:solidFill>
-                <a:schemeClr val="tx1"/>
-              </a:solidFill>
-            </a:endParaRPr>
-          </a:p>
-        </p:txBody>
-      </p:sp>
-      <p:sp>
-        <p:nvSpPr>
-          <p:cNvPr id="3" name="TextBox 2"/>
-          <p:cNvSpPr txBox="1"/>
-          <p:nvPr/>
-        </p:nvSpPr>
-        <p:spPr>
-          <a:xfrm>
-            <a:off x="2420074" y="757967"/>
-            <a:ext cx="2286924" cy="800219"/>
-          </a:xfrm>
-          <a:prstGeom prst="rect">
-            <a:avLst/>
-          </a:prstGeom>
-          <a:noFill/>
-        </p:spPr>
-        <p:txBody>
-          <a:bodyPr wrap="square" rtlCol="0">
-            <a:spAutoFit/>
-          </a:bodyPr>
-          <a:lstStyle/>
-          <a:p>
-            <a:pPr algn="ctr"/>
-            <a:r>
-              <a:rPr lang="en-US" sz="2800" dirty="0"/>
-              <a:t>SET TITLE</a:t>
-            </a:r>
-          </a:p>
-          <a:p>
-            <a:pPr algn="ctr"/>
-            <a:r>
-              <a:rPr lang="en-US" i="1" u="sng" dirty="0"/>
-              <a:t># terms</a:t>
-            </a:r>
-            <a:r>
-              <a:rPr lang="en-US" dirty="0"/>
-              <a:t> by </a:t>
-            </a:r>
-            <a:r>
-              <a:rPr lang="en-US" i="1" u="sng" dirty="0"/>
-              <a:t>creator</a:t>
-            </a:r>
-            <a:endParaRPr lang="en-US" sz="2800" i="1" u="sng" dirty="0"/>
-          </a:p>
-        </p:txBody>
-      </p:sp>
-      <p:cxnSp>
-        <p:nvCxnSpPr>
-          <p:cNvPr id="4" name="Straight Connector 3"/>
-          <p:cNvCxnSpPr/>
-          <p:nvPr/>
-        </p:nvCxnSpPr>
-        <p:spPr>
-          <a:xfrm>
-            <a:off x="1734736" y="2486153"/>
-            <a:ext cx="3657600" cy="0"/>
-          </a:xfrm>
-          <a:prstGeom prst="line">
-            <a:avLst/>
-          </a:prstGeom>
-        </p:spPr>
-        <p:style>
-          <a:lnRef idx="1">
-            <a:schemeClr val="dk1"/>
-          </a:lnRef>
-          <a:fillRef idx="0">
-            <a:schemeClr val="dk1"/>
-          </a:fillRef>
-          <a:effectRef idx="0">
-            <a:schemeClr val="dk1"/>
-          </a:effectRef>
-          <a:fontRef idx="minor">
-            <a:schemeClr val="tx1"/>
-          </a:fontRef>
-        </p:style>
-      </p:cxnSp>
       <p:pic>
         <p:nvPicPr>
-          <p:cNvPr id="15" name="Picture 14"/>
+          <p:cNvPr id="2" name="Picture 1"/>
           <p:cNvPicPr>
             <a:picLocks noChangeAspect="1"/>
           </p:cNvPicPr>
@@ -6390,8 +5868,8 @@
         </p:blipFill>
         <p:spPr>
           <a:xfrm>
-            <a:off x="3916263" y="1848802"/>
-            <a:ext cx="365760" cy="365760"/>
+            <a:off x="367035" y="182880"/>
+            <a:ext cx="871101" cy="871101"/>
           </a:xfrm>
           <a:prstGeom prst="rect">
             <a:avLst/>
@@ -6400,13 +5878,13 @@
       </p:pic>
       <p:sp>
         <p:nvSpPr>
-          <p:cNvPr id="34" name="Frame 33"/>
+          <p:cNvPr id="3" name="Frame 2"/>
           <p:cNvSpPr/>
           <p:nvPr/>
         </p:nvSpPr>
         <p:spPr>
           <a:xfrm>
-            <a:off x="6790613" y="476861"/>
+            <a:off x="1736523" y="489532"/>
             <a:ext cx="3657600" cy="5943600"/>
           </a:xfrm>
           <a:prstGeom prst="frame">
@@ -6447,20 +5925,33 @@
       </p:sp>
       <p:sp>
         <p:nvSpPr>
-          <p:cNvPr id="35" name="TextBox 34"/>
+          <p:cNvPr id="4" name="TextBox 3"/>
           <p:cNvSpPr txBox="1"/>
           <p:nvPr/>
         </p:nvSpPr>
         <p:spPr>
           <a:xfrm>
-            <a:off x="7475951" y="753868"/>
-            <a:ext cx="2286924" cy="800219"/>
+            <a:off x="2055837" y="2122504"/>
+            <a:ext cx="3018971" cy="3323987"/>
           </a:xfrm>
           <a:prstGeom prst="rect">
             <a:avLst/>
           </a:prstGeom>
-          <a:noFill/>
-        </p:spPr>
+        </p:spPr>
+        <p:style>
+          <a:lnRef idx="2">
+            <a:schemeClr val="dk1"/>
+          </a:lnRef>
+          <a:fillRef idx="1">
+            <a:schemeClr val="lt1"/>
+          </a:fillRef>
+          <a:effectRef idx="0">
+            <a:schemeClr val="dk1"/>
+          </a:effectRef>
+          <a:fontRef idx="minor">
+            <a:schemeClr val="dk1"/>
+          </a:fontRef>
+        </p:style>
         <p:txBody>
           <a:bodyPr wrap="square" rtlCol="0">
             <a:spAutoFit/>
@@ -6468,38 +5959,116 @@
           <a:lstStyle/>
           <a:p>
             <a:pPr algn="ctr"/>
-            <a:r>
-              <a:rPr lang="en-US" sz="2800" dirty="0"/>
-              <a:t>SET TITLE</a:t>
-            </a:r>
-          </a:p>
-          <a:p>
-            <a:pPr algn="ctr"/>
-            <a:r>
-              <a:rPr lang="en-US" i="1" u="sng" dirty="0"/>
-              <a:t># terms</a:t>
-            </a:r>
+            <a:endParaRPr lang="en-US" sz="2400" dirty="0"/>
+          </a:p>
+          <a:p>
+            <a:pPr algn="ctr"/>
+            <a:endParaRPr lang="en-US" sz="2400" dirty="0"/>
+          </a:p>
+          <a:p>
+            <a:pPr algn="ctr"/>
+            <a:r>
+              <a:rPr lang="en-US" sz="2400" dirty="0"/>
+              <a:t>WORD</a:t>
+            </a:r>
+          </a:p>
+          <a:p>
+            <a:pPr algn="ctr"/>
+            <a:r>
+              <a:rPr lang="en-US" sz="1200" dirty="0"/>
+              <a:t> </a:t>
+            </a:r>
+            <a:r>
+              <a:rPr lang="en-US" sz="2400" dirty="0"/>
+              <a:t> </a:t>
+            </a:r>
+          </a:p>
+          <a:p>
+            <a:pPr algn="ctr"/>
+            <a:endParaRPr lang="en-US" sz="2400" dirty="0"/>
+          </a:p>
+          <a:p>
+            <a:pPr algn="ctr"/>
+            <a:r>
+              <a:rPr lang="en-US" sz="2400" dirty="0"/>
+              <a:t> </a:t>
+            </a:r>
+            <a:r>
+              <a:rPr lang="en-US" sz="1200" dirty="0"/>
+              <a:t> </a:t>
+            </a:r>
+            <a:endParaRPr lang="en-US" sz="2400" dirty="0"/>
+          </a:p>
+          <a:p>
+            <a:pPr algn="ctr"/>
+            <a:r>
+              <a:rPr lang="en-US" sz="2400" dirty="0"/>
+              <a:t>DEFINITION</a:t>
+            </a:r>
+          </a:p>
+          <a:p>
+            <a:pPr algn="ctr"/>
             <a:r>
               <a:rPr lang="en-US" dirty="0"/>
-              <a:t> by </a:t>
-            </a:r>
-            <a:r>
-              <a:rPr lang="en-US" i="1" u="sng" dirty="0"/>
-              <a:t>creator</a:t>
-            </a:r>
-            <a:endParaRPr lang="en-US" sz="2800" i="1" u="sng" dirty="0"/>
+              <a:t> </a:t>
+            </a:r>
+            <a:endParaRPr lang="en-US" sz="2400" dirty="0"/>
+          </a:p>
+          <a:p>
+            <a:pPr algn="ctr"/>
+            <a:endParaRPr lang="en-US" sz="2400" dirty="0"/>
+          </a:p>
+        </p:txBody>
+      </p:sp>
+      <p:sp>
+        <p:nvSpPr>
+          <p:cNvPr id="5" name="TextBox 4"/>
+          <p:cNvSpPr txBox="1"/>
+          <p:nvPr/>
+        </p:nvSpPr>
+        <p:spPr>
+          <a:xfrm>
+            <a:off x="2055836" y="1200732"/>
+            <a:ext cx="3018971" cy="461665"/>
+          </a:xfrm>
+          <a:prstGeom prst="rect">
+            <a:avLst/>
+          </a:prstGeom>
+        </p:spPr>
+        <p:style>
+          <a:lnRef idx="2">
+            <a:schemeClr val="dk1"/>
+          </a:lnRef>
+          <a:fillRef idx="1">
+            <a:schemeClr val="lt1"/>
+          </a:fillRef>
+          <a:effectRef idx="0">
+            <a:schemeClr val="dk1"/>
+          </a:effectRef>
+          <a:fontRef idx="minor">
+            <a:schemeClr val="dk1"/>
+          </a:fontRef>
+        </p:style>
+        <p:txBody>
+          <a:bodyPr wrap="square" rtlCol="0">
+            <a:spAutoFit/>
+          </a:bodyPr>
+          <a:lstStyle/>
+          <a:p>
+            <a:pPr algn="ctr"/>
+            <a:endParaRPr lang="en-US" sz="2400" dirty="0"/>
           </a:p>
         </p:txBody>
       </p:sp>
       <p:cxnSp>
         <p:nvCxnSpPr>
-          <p:cNvPr id="36" name="Straight Connector 35"/>
+          <p:cNvPr id="6" name="Straight Connector 5"/>
           <p:cNvCxnSpPr/>
           <p:nvPr/>
         </p:nvCxnSpPr>
         <p:spPr>
           <a:xfrm>
-            <a:off x="6790613" y="2482054"/>
+            <a:off x="1736523" y="1200732"/>
             <a:ext cx="3657600" cy="0"/>
           </a:xfrm>
           <a:prstGeom prst="line">
@@ -6521,27 +6090,68 @@
           </a:fontRef>
         </p:style>
       </p:cxnSp>
-      <p:sp>
-        <p:nvSpPr>
-          <p:cNvPr id="37" name="TextBox 36"/>
+      <p:cxnSp>
+        <p:nvCxnSpPr>
+          <p:cNvPr id="7" name="Straight Connector 6"/>
+          <p:cNvCxnSpPr>
+            <a:stCxn id="5" idx="1"/>
+            <a:endCxn id="5" idx="3"/>
+          </p:cNvCxnSpPr>
+          <p:nvPr/>
+        </p:nvCxnSpPr>
+        <p:spPr>
+          <a:xfrm>
+            <a:off x="2055837" y="3784498"/>
+            <a:ext cx="3018971" cy="0"/>
+          </a:xfrm>
+          <a:prstGeom prst="line">
+            <a:avLst/>
+          </a:prstGeom>
+        </p:spPr>
+        <p:style>
+          <a:lnRef idx="1">
+            <a:schemeClr val="dk1"/>
+          </a:lnRef>
+          <a:fillRef idx="0">
+            <a:schemeClr val="dk1"/>
+          </a:fillRef>
+          <a:effectRef idx="0">
+            <a:schemeClr val="dk1"/>
+          </a:effectRef>
+          <a:fontRef idx="minor">
+            <a:schemeClr val="tx1"/>
+          </a:fontRef>
+        </p:style>
+      </p:cxnSp>
+      <p:sp>
+        <p:nvSpPr>
+          <p:cNvPr id="8" name="TextBox 7"/>
           <p:cNvSpPr txBox="1"/>
           <p:nvPr/>
         </p:nvSpPr>
         <p:spPr>
           <a:xfrm>
-            <a:off x="7111149" y="1773993"/>
-            <a:ext cx="1271618" cy="461665"/>
+            <a:off x="2055835" y="5891207"/>
+            <a:ext cx="3018971" cy="502920"/>
           </a:xfrm>
           <a:prstGeom prst="rect">
             <a:avLst/>
           </a:prstGeom>
-          <a:noFill/>
-          <a:ln>
-            <a:solidFill>
-              <a:schemeClr val="tx1"/>
-            </a:solidFill>
-          </a:ln>
-        </p:spPr>
+        </p:spPr>
+        <p:style>
+          <a:lnRef idx="2">
+            <a:schemeClr val="dk1"/>
+          </a:lnRef>
+          <a:fillRef idx="1">
+            <a:schemeClr val="lt1"/>
+          </a:fillRef>
+          <a:effectRef idx="0">
+            <a:schemeClr val="dk1"/>
+          </a:effectRef>
+          <a:fontRef idx="minor">
+            <a:schemeClr val="dk1"/>
+          </a:fontRef>
+        </p:style>
         <p:txBody>
           <a:bodyPr wrap="square" rtlCol="0">
             <a:spAutoFit/>
@@ -6549,79 +6159,13 @@
           <a:lstStyle/>
           <a:p>
             <a:pPr algn="ctr"/>
-            <a:endParaRPr lang="en-US" sz="500" dirty="0" smtClean="0"/>
-          </a:p>
-          <a:p>
-            <a:pPr algn="ctr"/>
-            <a:r>
-              <a:rPr lang="en-US" sz="1400" dirty="0" smtClean="0"/>
-              <a:t>         </a:t>
-            </a:r>
-            <a:r>
-              <a:rPr lang="en-US" sz="1400" dirty="0" smtClean="0"/>
-              <a:t>Cards</a:t>
-            </a:r>
-            <a:endParaRPr lang="en-US" sz="1400" dirty="0" smtClean="0"/>
-          </a:p>
-          <a:p>
-            <a:pPr algn="ctr"/>
-            <a:endParaRPr lang="en-US" sz="500" dirty="0"/>
-          </a:p>
-        </p:txBody>
-      </p:sp>
-      <p:sp>
-        <p:nvSpPr>
-          <p:cNvPr id="46" name="TextBox 45"/>
-          <p:cNvSpPr txBox="1"/>
-          <p:nvPr/>
-        </p:nvSpPr>
-        <p:spPr>
-          <a:xfrm>
-            <a:off x="8812528" y="1775041"/>
-            <a:ext cx="1271618" cy="461665"/>
-          </a:xfrm>
-          <a:prstGeom prst="rect">
-            <a:avLst/>
-          </a:prstGeom>
-          <a:noFill/>
-          <a:ln>
-            <a:solidFill>
-              <a:schemeClr val="tx1"/>
-            </a:solidFill>
-          </a:ln>
-        </p:spPr>
-        <p:txBody>
-          <a:bodyPr wrap="square" rtlCol="0">
-            <a:spAutoFit/>
-          </a:bodyPr>
-          <a:lstStyle/>
-          <a:p>
-            <a:pPr algn="ctr"/>
-            <a:r>
-              <a:rPr lang="en-US" sz="500" dirty="0" smtClean="0"/>
-              <a:t/>
-            </a:r>
-            <a:br>
-              <a:rPr lang="en-US" sz="500" dirty="0" smtClean="0"/>
-            </a:br>
-            <a:r>
-              <a:rPr lang="en-US" sz="500" dirty="0" smtClean="0"/>
-              <a:t> </a:t>
-            </a:r>
-            <a:r>
-              <a:rPr lang="en-US" sz="1400" dirty="0" smtClean="0"/>
-              <a:t>         IMPORT</a:t>
-            </a:r>
-            <a:br>
-              <a:rPr lang="en-US" sz="1400" dirty="0" smtClean="0"/>
-            </a:br>
-            <a:endParaRPr lang="en-US" sz="500" dirty="0"/>
+            <a:endParaRPr lang="en-US" sz="2400" dirty="0"/>
           </a:p>
         </p:txBody>
       </p:sp>
       <p:pic>
         <p:nvPicPr>
-          <p:cNvPr id="48" name="Picture 47"/>
+          <p:cNvPr id="9" name="Picture 8"/>
           <p:cNvPicPr>
             <a:picLocks noChangeAspect="1"/>
           </p:cNvPicPr>
@@ -6640,18 +6184,48 @@
           </a:stretch>
         </p:blipFill>
         <p:spPr>
-          <a:xfrm>
-            <a:off x="7224651" y="1805049"/>
-            <a:ext cx="393712" cy="393712"/>
+          <a:xfrm flipV="1">
+            <a:off x="1920990" y="688221"/>
+            <a:ext cx="365760" cy="365760"/>
           </a:xfrm>
           <a:prstGeom prst="rect">
             <a:avLst/>
           </a:prstGeom>
         </p:spPr>
       </p:pic>
+      <p:cxnSp>
+        <p:nvCxnSpPr>
+          <p:cNvPr id="10" name="Straight Connector 9"/>
+          <p:cNvCxnSpPr/>
+          <p:nvPr/>
+        </p:nvCxnSpPr>
+        <p:spPr>
+          <a:xfrm>
+            <a:off x="6087649" y="0"/>
+            <a:ext cx="0" cy="6858000"/>
+          </a:xfrm>
+          <a:prstGeom prst="line">
+            <a:avLst/>
+          </a:prstGeom>
+        </p:spPr>
+        <p:style>
+          <a:lnRef idx="1">
+            <a:schemeClr val="dk1"/>
+          </a:lnRef>
+          <a:fillRef idx="0">
+            <a:schemeClr val="dk1"/>
+          </a:fillRef>
+          <a:effectRef idx="0">
+            <a:schemeClr val="dk1"/>
+          </a:effectRef>
+          <a:fontRef idx="minor">
+            <a:schemeClr val="tx1"/>
+          </a:fontRef>
+        </p:style>
+      </p:cxnSp>
       <p:pic>
         <p:nvPicPr>
-          <p:cNvPr id="50" name="Picture 49"/>
+          <p:cNvPr id="11" name="Picture 10"/>
           <p:cNvPicPr>
             <a:picLocks noChangeAspect="1"/>
           </p:cNvPicPr>
@@ -6670,25 +6244,203 @@
           </a:stretch>
         </p:blipFill>
         <p:spPr>
-          <a:xfrm>
-            <a:off x="8889952" y="1817830"/>
-            <a:ext cx="396732" cy="396732"/>
+          <a:xfrm flipV="1">
+            <a:off x="9680323" y="651533"/>
+            <a:ext cx="439136" cy="439136"/>
           </a:xfrm>
           <a:prstGeom prst="rect">
             <a:avLst/>
           </a:prstGeom>
         </p:spPr>
       </p:pic>
+      <p:sp>
+        <p:nvSpPr>
+          <p:cNvPr id="12" name="Frame 11"/>
+          <p:cNvSpPr/>
+          <p:nvPr/>
+        </p:nvSpPr>
+        <p:spPr>
+          <a:xfrm>
+            <a:off x="6781176" y="489532"/>
+            <a:ext cx="3657600" cy="5943600"/>
+          </a:xfrm>
+          <a:prstGeom prst="frame">
+            <a:avLst>
+              <a:gd name="adj1" fmla="val 992"/>
+            </a:avLst>
+          </a:prstGeom>
+          <a:ln/>
+        </p:spPr>
+        <p:style>
+          <a:lnRef idx="2">
+            <a:schemeClr val="dk1">
+              <a:shade val="50000"/>
+            </a:schemeClr>
+          </a:lnRef>
+          <a:fillRef idx="1">
+            <a:schemeClr val="dk1"/>
+          </a:fillRef>
+          <a:effectRef idx="0">
+            <a:schemeClr val="dk1"/>
+          </a:effectRef>
+          <a:fontRef idx="minor">
+            <a:schemeClr val="lt1"/>
+          </a:fontRef>
+        </p:style>
+        <p:txBody>
+          <a:bodyPr rtlCol="0" anchor="ctr"/>
+          <a:lstStyle/>
+          <a:p>
+            <a:pPr algn="ctr"/>
+            <a:endParaRPr lang="en-US">
+              <a:solidFill>
+                <a:schemeClr val="tx1"/>
+              </a:solidFill>
+            </a:endParaRPr>
+          </a:p>
+        </p:txBody>
+      </p:sp>
+      <p:sp>
+        <p:nvSpPr>
+          <p:cNvPr id="13" name="TextBox 12"/>
+          <p:cNvSpPr txBox="1"/>
+          <p:nvPr/>
+        </p:nvSpPr>
+        <p:spPr>
+          <a:xfrm>
+            <a:off x="7100490" y="2122504"/>
+            <a:ext cx="3018971" cy="3323987"/>
+          </a:xfrm>
+          <a:prstGeom prst="rect">
+            <a:avLst/>
+          </a:prstGeom>
+        </p:spPr>
+        <p:style>
+          <a:lnRef idx="2">
+            <a:schemeClr val="dk1"/>
+          </a:lnRef>
+          <a:fillRef idx="1">
+            <a:schemeClr val="lt1"/>
+          </a:fillRef>
+          <a:effectRef idx="0">
+            <a:schemeClr val="dk1"/>
+          </a:effectRef>
+          <a:fontRef idx="minor">
+            <a:schemeClr val="dk1"/>
+          </a:fontRef>
+        </p:style>
+        <p:txBody>
+          <a:bodyPr wrap="square" rtlCol="0">
+            <a:spAutoFit/>
+          </a:bodyPr>
+          <a:lstStyle/>
+          <a:p>
+            <a:pPr algn="ctr"/>
+            <a:endParaRPr lang="en-US" sz="2400" dirty="0"/>
+          </a:p>
+          <a:p>
+            <a:pPr algn="ctr"/>
+            <a:endParaRPr lang="en-US" sz="2400" dirty="0"/>
+          </a:p>
+          <a:p>
+            <a:pPr algn="ctr"/>
+            <a:endParaRPr lang="en-US" sz="2400" dirty="0" smtClean="0"/>
+          </a:p>
+          <a:p>
+            <a:pPr algn="ctr"/>
+            <a:endParaRPr lang="en-US" sz="2400" dirty="0"/>
+          </a:p>
+          <a:p>
+            <a:pPr algn="ctr"/>
+            <a:r>
+              <a:rPr lang="en-US" sz="2400" dirty="0" smtClean="0"/>
+              <a:t>WORD</a:t>
+            </a:r>
+            <a:endParaRPr lang="en-US" sz="2400" dirty="0"/>
+          </a:p>
+          <a:p>
+            <a:pPr algn="ctr"/>
+            <a:r>
+              <a:rPr lang="en-US" sz="1200" dirty="0"/>
+              <a:t> </a:t>
+            </a:r>
+            <a:r>
+              <a:rPr lang="en-US" sz="2400" dirty="0"/>
+              <a:t> </a:t>
+            </a:r>
+            <a:endParaRPr lang="en-US" sz="2400" dirty="0" smtClean="0"/>
+          </a:p>
+          <a:p>
+            <a:pPr algn="ctr"/>
+            <a:r>
+              <a:rPr lang="en-US" sz="2400" dirty="0" smtClean="0"/>
+              <a:t> </a:t>
+            </a:r>
+          </a:p>
+          <a:p>
+            <a:pPr algn="ctr"/>
+            <a:r>
+              <a:rPr lang="en-US" dirty="0" smtClean="0"/>
+              <a:t> </a:t>
+            </a:r>
+            <a:endParaRPr lang="en-US" sz="2400" dirty="0"/>
+          </a:p>
+          <a:p>
+            <a:pPr algn="ctr"/>
+            <a:endParaRPr lang="en-US" sz="2400" dirty="0"/>
+          </a:p>
+        </p:txBody>
+      </p:sp>
+      <p:sp>
+        <p:nvSpPr>
+          <p:cNvPr id="14" name="TextBox 13"/>
+          <p:cNvSpPr txBox="1"/>
+          <p:nvPr/>
+        </p:nvSpPr>
+        <p:spPr>
+          <a:xfrm>
+            <a:off x="7100489" y="1200732"/>
+            <a:ext cx="3018971" cy="461665"/>
+          </a:xfrm>
+          <a:prstGeom prst="rect">
+            <a:avLst/>
+          </a:prstGeom>
+        </p:spPr>
+        <p:style>
+          <a:lnRef idx="2">
+            <a:schemeClr val="dk1"/>
+          </a:lnRef>
+          <a:fillRef idx="1">
+            <a:schemeClr val="lt1"/>
+          </a:fillRef>
+          <a:effectRef idx="0">
+            <a:schemeClr val="dk1"/>
+          </a:effectRef>
+          <a:fontRef idx="minor">
+            <a:schemeClr val="dk1"/>
+          </a:fontRef>
+        </p:style>
+        <p:txBody>
+          <a:bodyPr wrap="square" rtlCol="0">
+            <a:spAutoFit/>
+          </a:bodyPr>
+          <a:lstStyle/>
+          <a:p>
+            <a:pPr algn="ctr"/>
+            <a:endParaRPr lang="en-US" sz="2400" dirty="0"/>
+          </a:p>
+        </p:txBody>
+      </p:sp>
       <p:cxnSp>
         <p:nvCxnSpPr>
-          <p:cNvPr id="32" name="Straight Connector 31"/>
+          <p:cNvPr id="15" name="Straight Connector 14"/>
           <p:cNvCxnSpPr/>
           <p:nvPr/>
         </p:nvCxnSpPr>
         <p:spPr>
           <a:xfrm>
-            <a:off x="6087649" y="0"/>
-            <a:ext cx="0" cy="6858000"/>
+            <a:off x="6781176" y="1200732"/>
+            <a:ext cx="3657600" cy="0"/>
           </a:xfrm>
           <a:prstGeom prst="line">
             <a:avLst/>
@@ -6711,25 +6463,33 @@
       </p:cxnSp>
       <p:sp>
         <p:nvSpPr>
-          <p:cNvPr id="58" name="TextBox 57"/>
+          <p:cNvPr id="17" name="TextBox 16"/>
           <p:cNvSpPr txBox="1"/>
           <p:nvPr/>
         </p:nvSpPr>
         <p:spPr>
           <a:xfrm>
-            <a:off x="2049082" y="1790006"/>
-            <a:ext cx="1271618" cy="461665"/>
+            <a:off x="7100488" y="5891207"/>
+            <a:ext cx="3018971" cy="502920"/>
           </a:xfrm>
           <a:prstGeom prst="rect">
             <a:avLst/>
           </a:prstGeom>
-          <a:noFill/>
-          <a:ln>
-            <a:solidFill>
-              <a:schemeClr val="tx1"/>
-            </a:solidFill>
-          </a:ln>
-        </p:spPr>
+        </p:spPr>
+        <p:style>
+          <a:lnRef idx="2">
+            <a:schemeClr val="dk1"/>
+          </a:lnRef>
+          <a:fillRef idx="1">
+            <a:schemeClr val="lt1"/>
+          </a:fillRef>
+          <a:effectRef idx="0">
+            <a:schemeClr val="dk1"/>
+          </a:effectRef>
+          <a:fontRef idx="minor">
+            <a:schemeClr val="dk1"/>
+          </a:fontRef>
+        </p:style>
         <p:txBody>
           <a:bodyPr wrap="square" rtlCol="0">
             <a:spAutoFit/>
@@ -6737,29 +6497,13 @@
           <a:lstStyle/>
           <a:p>
             <a:pPr algn="ctr"/>
-            <a:endParaRPr lang="en-US" sz="500" dirty="0" smtClean="0"/>
-          </a:p>
-          <a:p>
-            <a:pPr algn="ctr"/>
-            <a:r>
-              <a:rPr lang="en-US" sz="1400" dirty="0" smtClean="0"/>
-              <a:t>         </a:t>
-            </a:r>
-            <a:r>
-              <a:rPr lang="en-US" sz="1400" dirty="0" smtClean="0"/>
-              <a:t>Cards</a:t>
-            </a:r>
-            <a:endParaRPr lang="en-US" sz="1400" dirty="0" smtClean="0"/>
-          </a:p>
-          <a:p>
-            <a:pPr algn="ctr"/>
-            <a:endParaRPr lang="en-US" sz="500" dirty="0"/>
+            <a:endParaRPr lang="en-US" sz="2400" dirty="0"/>
           </a:p>
         </p:txBody>
       </p:sp>
       <p:pic>
         <p:nvPicPr>
-          <p:cNvPr id="60" name="Picture 59"/>
+          <p:cNvPr id="18" name="Picture 17"/>
           <p:cNvPicPr>
             <a:picLocks noChangeAspect="1"/>
           </p:cNvPicPr>
@@ -6778,9 +6522,535 @@
           </a:stretch>
         </p:blipFill>
         <p:spPr>
-          <a:xfrm>
-            <a:off x="2162584" y="1821062"/>
-            <a:ext cx="393712" cy="393712"/>
+          <a:xfrm flipV="1">
+            <a:off x="6965643" y="688221"/>
+            <a:ext cx="365760" cy="365760"/>
+          </a:xfrm>
+          <a:prstGeom prst="rect">
+            <a:avLst/>
+          </a:prstGeom>
+        </p:spPr>
+      </p:pic>
+      <p:pic>
+        <p:nvPicPr>
+          <p:cNvPr id="20" name="Picture 19"/>
+          <p:cNvPicPr>
+            <a:picLocks noChangeAspect="1"/>
+          </p:cNvPicPr>
+          <p:nvPr/>
+        </p:nvPicPr>
+        <p:blipFill>
+          <a:blip r:embed="rId5">
+            <a:extLst>
+              <a:ext uri="{28A0092B-C50C-407E-A947-70E740481C1C}">
+                <a14:useLocalDpi xmlns:a14="http://schemas.microsoft.com/office/drawing/2010/main" val="0"/>
+              </a:ext>
+            </a:extLst>
+          </a:blip>
+          <a:stretch>
+            <a:fillRect/>
+          </a:stretch>
+        </p:blipFill>
+        <p:spPr>
+          <a:xfrm>
+            <a:off x="4635670" y="651533"/>
+            <a:ext cx="439136" cy="439136"/>
+          </a:xfrm>
+          <a:prstGeom prst="rect">
+            <a:avLst/>
+          </a:prstGeom>
+        </p:spPr>
+      </p:pic>
+      <p:pic>
+        <p:nvPicPr>
+          <p:cNvPr id="19" name="Picture 18"/>
+          <p:cNvPicPr>
+            <a:picLocks noChangeAspect="1"/>
+          </p:cNvPicPr>
+          <p:nvPr/>
+        </p:nvPicPr>
+        <p:blipFill>
+          <a:blip r:embed="rId5">
+            <a:extLst>
+              <a:ext uri="{28A0092B-C50C-407E-A947-70E740481C1C}">
+                <a14:useLocalDpi xmlns:a14="http://schemas.microsoft.com/office/drawing/2010/main" val="0"/>
+              </a:ext>
+            </a:extLst>
+          </a:blip>
+          <a:stretch>
+            <a:fillRect/>
+          </a:stretch>
+        </p:blipFill>
+        <p:spPr>
+          <a:xfrm>
+            <a:off x="10937163" y="1203752"/>
+            <a:ext cx="676656" cy="676656"/>
+          </a:xfrm>
+          <a:prstGeom prst="rect">
+            <a:avLst/>
+          </a:prstGeom>
+        </p:spPr>
+      </p:pic>
+      <p:pic>
+        <p:nvPicPr>
+          <p:cNvPr id="21" name="Picture 20"/>
+          <p:cNvPicPr>
+            <a:picLocks noChangeAspect="1"/>
+          </p:cNvPicPr>
+          <p:nvPr/>
+        </p:nvPicPr>
+        <p:blipFill>
+          <a:blip r:embed="rId4">
+            <a:extLst>
+              <a:ext uri="{28A0092B-C50C-407E-A947-70E740481C1C}">
+                <a14:useLocalDpi xmlns:a14="http://schemas.microsoft.com/office/drawing/2010/main" val="0"/>
+              </a:ext>
+            </a:extLst>
+          </a:blip>
+          <a:stretch>
+            <a:fillRect/>
+          </a:stretch>
+        </p:blipFill>
+        <p:spPr>
+          <a:xfrm flipV="1">
+            <a:off x="462747" y="1200732"/>
+            <a:ext cx="679676" cy="679676"/>
+          </a:xfrm>
+          <a:prstGeom prst="rect">
+            <a:avLst/>
+          </a:prstGeom>
+        </p:spPr>
+      </p:pic>
+      <p:pic>
+        <p:nvPicPr>
+          <p:cNvPr id="22" name="Picture 21"/>
+          <p:cNvPicPr>
+            <a:picLocks noChangeAspect="1"/>
+          </p:cNvPicPr>
+          <p:nvPr/>
+        </p:nvPicPr>
+        <p:blipFill>
+          <a:blip r:embed="rId6">
+            <a:extLst>
+              <a:ext uri="{28A0092B-C50C-407E-A947-70E740481C1C}">
+                <a14:useLocalDpi xmlns:a14="http://schemas.microsoft.com/office/drawing/2010/main" val="0"/>
+              </a:ext>
+            </a:extLst>
+          </a:blip>
+          <a:stretch>
+            <a:fillRect/>
+          </a:stretch>
+        </p:blipFill>
+        <p:spPr>
+          <a:xfrm>
+            <a:off x="9580271" y="2255818"/>
+            <a:ext cx="457200" cy="457200"/>
+          </a:xfrm>
+          <a:prstGeom prst="rect">
+            <a:avLst/>
+          </a:prstGeom>
+        </p:spPr>
+      </p:pic>
+      <p:pic>
+        <p:nvPicPr>
+          <p:cNvPr id="16" name="Picture 15"/>
+          <p:cNvPicPr>
+            <a:picLocks noChangeAspect="1"/>
+          </p:cNvPicPr>
+          <p:nvPr/>
+        </p:nvPicPr>
+        <p:blipFill>
+          <a:blip r:embed="rId7">
+            <a:extLst>
+              <a:ext uri="{28A0092B-C50C-407E-A947-70E740481C1C}">
+                <a14:useLocalDpi xmlns:a14="http://schemas.microsoft.com/office/drawing/2010/main" val="0"/>
+              </a:ext>
+            </a:extLst>
+          </a:blip>
+          <a:stretch>
+            <a:fillRect/>
+          </a:stretch>
+        </p:blipFill>
+        <p:spPr>
+          <a:xfrm>
+            <a:off x="4548666" y="2254144"/>
+            <a:ext cx="457200" cy="457200"/>
+          </a:xfrm>
+          <a:prstGeom prst="rect">
+            <a:avLst/>
+          </a:prstGeom>
+        </p:spPr>
+      </p:pic>
+    </p:spTree>
+    <p:extLst>
+      <p:ext uri="{BB962C8B-B14F-4D97-AF65-F5344CB8AC3E}">
+        <p14:creationId xmlns:p14="http://schemas.microsoft.com/office/powerpoint/2010/main" val="1442562627"/>
+      </p:ext>
+    </p:extLst>
+  </p:cSld>
+  <p:clrMapOvr>
+    <a:masterClrMapping/>
+  </p:clrMapOvr>
+</p:sld>
+</file>
+
+<file path=ppt/slides/slide5.xml><?xml version="1.0" encoding="utf-8"?>
+<p:sld xmlns:a="http://schemas.openxmlformats.org/drawingml/2006/main" xmlns:r="http://schemas.openxmlformats.org/officeDocument/2006/relationships" xmlns:p="http://schemas.openxmlformats.org/presentationml/2006/main">
+  <p:cSld>
+    <p:spTree>
+      <p:nvGrpSpPr>
+        <p:cNvPr id="1" name=""/>
+        <p:cNvGrpSpPr/>
+        <p:nvPr/>
+      </p:nvGrpSpPr>
+      <p:grpSpPr>
+        <a:xfrm>
+          <a:off x="0" y="0"/>
+          <a:ext cx="0" cy="0"/>
+          <a:chOff x="0" y="0"/>
+          <a:chExt cx="0" cy="0"/>
+        </a:xfrm>
+      </p:grpSpPr>
+      <p:sp>
+        <p:nvSpPr>
+          <p:cNvPr id="2" name="Frame 1"/>
+          <p:cNvSpPr/>
+          <p:nvPr/>
+        </p:nvSpPr>
+        <p:spPr>
+          <a:xfrm>
+            <a:off x="1734736" y="480960"/>
+            <a:ext cx="3657600" cy="5943600"/>
+          </a:xfrm>
+          <a:prstGeom prst="frame">
+            <a:avLst>
+              <a:gd name="adj1" fmla="val 992"/>
+            </a:avLst>
+          </a:prstGeom>
+          <a:ln/>
+        </p:spPr>
+        <p:style>
+          <a:lnRef idx="2">
+            <a:schemeClr val="dk1">
+              <a:shade val="50000"/>
+            </a:schemeClr>
+          </a:lnRef>
+          <a:fillRef idx="1">
+            <a:schemeClr val="dk1"/>
+          </a:fillRef>
+          <a:effectRef idx="0">
+            <a:schemeClr val="dk1"/>
+          </a:effectRef>
+          <a:fontRef idx="minor">
+            <a:schemeClr val="lt1"/>
+          </a:fontRef>
+        </p:style>
+        <p:txBody>
+          <a:bodyPr rtlCol="0" anchor="ctr"/>
+          <a:lstStyle/>
+          <a:p>
+            <a:pPr algn="ctr"/>
+            <a:endParaRPr lang="en-US">
+              <a:solidFill>
+                <a:schemeClr val="tx1"/>
+              </a:solidFill>
+            </a:endParaRPr>
+          </a:p>
+        </p:txBody>
+      </p:sp>
+      <p:sp>
+        <p:nvSpPr>
+          <p:cNvPr id="3" name="TextBox 2"/>
+          <p:cNvSpPr txBox="1"/>
+          <p:nvPr/>
+        </p:nvSpPr>
+        <p:spPr>
+          <a:xfrm>
+            <a:off x="2420074" y="558465"/>
+            <a:ext cx="2286924" cy="1246495"/>
+          </a:xfrm>
+          <a:prstGeom prst="rect">
+            <a:avLst/>
+          </a:prstGeom>
+          <a:noFill/>
+        </p:spPr>
+        <p:txBody>
+          <a:bodyPr wrap="square" rtlCol="0">
+            <a:spAutoFit/>
+          </a:bodyPr>
+          <a:lstStyle/>
+          <a:p>
+            <a:pPr algn="ctr"/>
+            <a:r>
+              <a:rPr lang="en-US" sz="2800" dirty="0"/>
+              <a:t>SET TITLE</a:t>
+            </a:r>
+          </a:p>
+          <a:p>
+            <a:pPr algn="ctr"/>
+            <a:r>
+              <a:rPr lang="en-US" i="1" u="sng" dirty="0"/>
+              <a:t># terms</a:t>
+            </a:r>
+            <a:r>
+              <a:rPr lang="en-US" dirty="0"/>
+              <a:t> by </a:t>
+            </a:r>
+            <a:r>
+              <a:rPr lang="en-US" i="1" u="sng" dirty="0" smtClean="0"/>
+              <a:t>creator</a:t>
+            </a:r>
+            <a:br>
+              <a:rPr lang="en-US" i="1" u="sng" dirty="0" smtClean="0"/>
+            </a:br>
+            <a:endParaRPr lang="en-US" sz="500" i="1" u="sng" dirty="0" smtClean="0"/>
+          </a:p>
+          <a:p>
+            <a:pPr algn="ctr"/>
+            <a:r>
+              <a:rPr lang="en-US" sz="1200" dirty="0" smtClean="0"/>
+              <a:t>Created on DEC 21, 2016</a:t>
+            </a:r>
+          </a:p>
+          <a:p>
+            <a:pPr algn="ctr"/>
+            <a:r>
+              <a:rPr lang="en-US" sz="1200" dirty="0" smtClean="0"/>
+              <a:t>Imported </a:t>
+            </a:r>
+            <a:r>
+              <a:rPr lang="en-US" sz="1200" u="sng" dirty="0" smtClean="0"/>
+              <a:t>2</a:t>
+            </a:r>
+            <a:r>
+              <a:rPr lang="en-US" sz="1200" dirty="0" smtClean="0"/>
+              <a:t> times</a:t>
+            </a:r>
+            <a:endParaRPr lang="en-US" sz="2800" u="sng" dirty="0"/>
+          </a:p>
+        </p:txBody>
+      </p:sp>
+      <p:cxnSp>
+        <p:nvCxnSpPr>
+          <p:cNvPr id="4" name="Straight Connector 3"/>
+          <p:cNvCxnSpPr/>
+          <p:nvPr/>
+        </p:nvCxnSpPr>
+        <p:spPr>
+          <a:xfrm>
+            <a:off x="1734736" y="2486153"/>
+            <a:ext cx="3657600" cy="0"/>
+          </a:xfrm>
+          <a:prstGeom prst="line">
+            <a:avLst/>
+          </a:prstGeom>
+        </p:spPr>
+        <p:style>
+          <a:lnRef idx="1">
+            <a:schemeClr val="dk1"/>
+          </a:lnRef>
+          <a:fillRef idx="0">
+            <a:schemeClr val="dk1"/>
+          </a:fillRef>
+          <a:effectRef idx="0">
+            <a:schemeClr val="dk1"/>
+          </a:effectRef>
+          <a:fontRef idx="minor">
+            <a:schemeClr val="tx1"/>
+          </a:fontRef>
+        </p:style>
+      </p:cxnSp>
+      <p:pic>
+        <p:nvPicPr>
+          <p:cNvPr id="15" name="Picture 14"/>
+          <p:cNvPicPr>
+            <a:picLocks noChangeAspect="1"/>
+          </p:cNvPicPr>
+          <p:nvPr/>
+        </p:nvPicPr>
+        <p:blipFill>
+          <a:blip r:embed="rId2">
+            <a:extLst>
+              <a:ext uri="{28A0092B-C50C-407E-A947-70E740481C1C}">
+                <a14:useLocalDpi xmlns:a14="http://schemas.microsoft.com/office/drawing/2010/main" val="0"/>
+              </a:ext>
+            </a:extLst>
+          </a:blip>
+          <a:stretch>
+            <a:fillRect/>
+          </a:stretch>
+        </p:blipFill>
+        <p:spPr>
+          <a:xfrm>
+            <a:off x="4495632" y="1922738"/>
+            <a:ext cx="340066" cy="340066"/>
+          </a:xfrm>
+          <a:prstGeom prst="rect">
+            <a:avLst/>
+          </a:prstGeom>
+        </p:spPr>
+      </p:pic>
+      <p:sp>
+        <p:nvSpPr>
+          <p:cNvPr id="34" name="Frame 33"/>
+          <p:cNvSpPr/>
+          <p:nvPr/>
+        </p:nvSpPr>
+        <p:spPr>
+          <a:xfrm>
+            <a:off x="6790613" y="476861"/>
+            <a:ext cx="3657600" cy="5943600"/>
+          </a:xfrm>
+          <a:prstGeom prst="frame">
+            <a:avLst>
+              <a:gd name="adj1" fmla="val 992"/>
+            </a:avLst>
+          </a:prstGeom>
+          <a:ln/>
+        </p:spPr>
+        <p:style>
+          <a:lnRef idx="2">
+            <a:schemeClr val="dk1">
+              <a:shade val="50000"/>
+            </a:schemeClr>
+          </a:lnRef>
+          <a:fillRef idx="1">
+            <a:schemeClr val="dk1"/>
+          </a:fillRef>
+          <a:effectRef idx="0">
+            <a:schemeClr val="dk1"/>
+          </a:effectRef>
+          <a:fontRef idx="minor">
+            <a:schemeClr val="lt1"/>
+          </a:fontRef>
+        </p:style>
+        <p:txBody>
+          <a:bodyPr rtlCol="0" anchor="ctr"/>
+          <a:lstStyle/>
+          <a:p>
+            <a:pPr algn="ctr"/>
+            <a:endParaRPr lang="en-US">
+              <a:solidFill>
+                <a:schemeClr val="tx1"/>
+              </a:solidFill>
+            </a:endParaRPr>
+          </a:p>
+        </p:txBody>
+      </p:sp>
+      <p:cxnSp>
+        <p:nvCxnSpPr>
+          <p:cNvPr id="36" name="Straight Connector 35"/>
+          <p:cNvCxnSpPr/>
+          <p:nvPr/>
+        </p:nvCxnSpPr>
+        <p:spPr>
+          <a:xfrm>
+            <a:off x="6790613" y="2482054"/>
+            <a:ext cx="3657600" cy="0"/>
+          </a:xfrm>
+          <a:prstGeom prst="line">
+            <a:avLst/>
+          </a:prstGeom>
+        </p:spPr>
+        <p:style>
+          <a:lnRef idx="1">
+            <a:schemeClr val="dk1"/>
+          </a:lnRef>
+          <a:fillRef idx="0">
+            <a:schemeClr val="dk1"/>
+          </a:fillRef>
+          <a:effectRef idx="0">
+            <a:schemeClr val="dk1"/>
+          </a:effectRef>
+          <a:fontRef idx="minor">
+            <a:schemeClr val="tx1"/>
+          </a:fontRef>
+        </p:style>
+      </p:cxnSp>
+      <p:pic>
+        <p:nvPicPr>
+          <p:cNvPr id="50" name="Picture 49"/>
+          <p:cNvPicPr>
+            <a:picLocks noChangeAspect="1"/>
+          </p:cNvPicPr>
+          <p:nvPr/>
+        </p:nvPicPr>
+        <p:blipFill>
+          <a:blip r:embed="rId3">
+            <a:extLst>
+              <a:ext uri="{28A0092B-C50C-407E-A947-70E740481C1C}">
+                <a14:useLocalDpi xmlns:a14="http://schemas.microsoft.com/office/drawing/2010/main" val="0"/>
+              </a:ext>
+            </a:extLst>
+          </a:blip>
+          <a:stretch>
+            <a:fillRect/>
+          </a:stretch>
+        </p:blipFill>
+        <p:spPr>
+          <a:xfrm>
+            <a:off x="9182517" y="1769922"/>
+            <a:ext cx="446607" cy="446607"/>
+          </a:xfrm>
+          <a:prstGeom prst="rect">
+            <a:avLst/>
+          </a:prstGeom>
+        </p:spPr>
+      </p:pic>
+      <p:cxnSp>
+        <p:nvCxnSpPr>
+          <p:cNvPr id="32" name="Straight Connector 31"/>
+          <p:cNvCxnSpPr/>
+          <p:nvPr/>
+        </p:nvCxnSpPr>
+        <p:spPr>
+          <a:xfrm>
+            <a:off x="6087649" y="0"/>
+            <a:ext cx="0" cy="6858000"/>
+          </a:xfrm>
+          <a:prstGeom prst="line">
+            <a:avLst/>
+          </a:prstGeom>
+        </p:spPr>
+        <p:style>
+          <a:lnRef idx="1">
+            <a:schemeClr val="dk1"/>
+          </a:lnRef>
+          <a:fillRef idx="0">
+            <a:schemeClr val="dk1"/>
+          </a:fillRef>
+          <a:effectRef idx="0">
+            <a:schemeClr val="dk1"/>
+          </a:effectRef>
+          <a:fontRef idx="minor">
+            <a:schemeClr val="tx1"/>
+          </a:fontRef>
+        </p:style>
+      </p:cxnSp>
+      <p:pic>
+        <p:nvPicPr>
+          <p:cNvPr id="60" name="Picture 59"/>
+          <p:cNvPicPr>
+            <a:picLocks noChangeAspect="1"/>
+          </p:cNvPicPr>
+          <p:nvPr/>
+        </p:nvPicPr>
+        <p:blipFill>
+          <a:blip r:embed="rId4">
+            <a:extLst>
+              <a:ext uri="{28A0092B-C50C-407E-A947-70E740481C1C}">
+                <a14:useLocalDpi xmlns:a14="http://schemas.microsoft.com/office/drawing/2010/main" val="0"/>
+              </a:ext>
+            </a:extLst>
+          </a:blip>
+          <a:stretch>
+            <a:fillRect/>
+          </a:stretch>
+        </p:blipFill>
+        <p:spPr>
+          <a:xfrm>
+            <a:off x="2288695" y="1940506"/>
+            <a:ext cx="340066" cy="340066"/>
           </a:xfrm>
           <a:prstGeom prst="rect">
             <a:avLst/>
@@ -6839,12 +7109,22 @@
                   </a:schemeClr>
                 </a:solidFill>
               </a:rPr>
-              <a:t>     TERM	                DEFINITION</a:t>
+              <a:t>     TERM   	              DEFINITION      </a:t>
+            </a:r>
+            <a:r>
+              <a:rPr lang="en-US" sz="1600" dirty="0" smtClean="0">
+                <a:solidFill>
+                  <a:schemeClr val="bg1">
+                    <a:lumMod val="85000"/>
+                  </a:schemeClr>
+                </a:solidFill>
+              </a:rPr>
+              <a:t>.</a:t>
             </a:r>
             <a:endParaRPr lang="en-US" sz="1600" dirty="0">
               <a:solidFill>
                 <a:schemeClr val="bg1">
-                  <a:lumMod val="50000"/>
+                  <a:lumMod val="85000"/>
                 </a:schemeClr>
               </a:solidFill>
             </a:endParaRPr>
@@ -6924,14 +7204,14 @@
           <p:nvPr>
             <p:extLst>
               <p:ext uri="{D42A27DB-BD31-4B8C-83A1-F6EECF244321}">
-                <p14:modId xmlns:p14="http://schemas.microsoft.com/office/powerpoint/2010/main" val="206290074"/>
+                <p14:modId xmlns:p14="http://schemas.microsoft.com/office/powerpoint/2010/main" val="1732405507"/>
               </p:ext>
             </p:extLst>
           </p:nvPr>
         </p:nvGraphicFramePr>
         <p:xfrm>
           <a:off x="1934442" y="2883049"/>
-          <a:ext cx="3258188" cy="3541510"/>
+          <a:ext cx="2936964" cy="3541510"/>
         </p:xfrm>
         <a:graphic>
           <a:graphicData uri="http://schemas.openxmlformats.org/drawingml/2006/table">
@@ -6940,8 +7220,8 @@
                 <a:tableStyleId>{5940675A-B579-460E-94D1-54222C63F5DA}</a:tableStyleId>
               </a:tblPr>
               <a:tblGrid>
-                <a:gridCol w="1629094"/>
-                <a:gridCol w="1629094"/>
+                <a:gridCol w="1468482"/>
+                <a:gridCol w="1468482"/>
               </a:tblGrid>
               <a:tr h="505930">
                 <a:tc>
@@ -7191,7 +7471,7 @@
                     <a:bodyPr/>
                     <a:lstStyle/>
                     <a:p>
-                      <a:endParaRPr lang="en-US"/>
+                      <a:endParaRPr lang="en-US" dirty="0"/>
                     </a:p>
                   </a:txBody>
                   <a:tcPr>
@@ -7627,10 +7907,2376 @@
           </a:prstGeom>
         </p:spPr>
       </p:pic>
+      <p:sp>
+        <p:nvSpPr>
+          <p:cNvPr id="6" name="Oval 5"/>
+          <p:cNvSpPr/>
+          <p:nvPr/>
+        </p:nvSpPr>
+        <p:spPr>
+          <a:xfrm>
+            <a:off x="3258909" y="1819234"/>
+            <a:ext cx="576072" cy="572120"/>
+          </a:xfrm>
+          <a:prstGeom prst="ellipse">
+            <a:avLst/>
+          </a:prstGeom>
+          <a:noFill/>
+          <a:ln>
+            <a:solidFill>
+              <a:schemeClr val="tx1"/>
+            </a:solidFill>
+          </a:ln>
+        </p:spPr>
+        <p:style>
+          <a:lnRef idx="2">
+            <a:schemeClr val="accent1">
+              <a:shade val="50000"/>
+            </a:schemeClr>
+          </a:lnRef>
+          <a:fillRef idx="1">
+            <a:schemeClr val="accent1"/>
+          </a:fillRef>
+          <a:effectRef idx="0">
+            <a:schemeClr val="accent1"/>
+          </a:effectRef>
+          <a:fontRef idx="minor">
+            <a:schemeClr val="lt1"/>
+          </a:fontRef>
+        </p:style>
+        <p:txBody>
+          <a:bodyPr rtlCol="0" anchor="ctr"/>
+          <a:lstStyle/>
+          <a:p>
+            <a:pPr algn="ctr"/>
+            <a:endParaRPr lang="en-US"/>
+          </a:p>
+        </p:txBody>
+      </p:sp>
+      <p:sp>
+        <p:nvSpPr>
+          <p:cNvPr id="28" name="Oval 27"/>
+          <p:cNvSpPr/>
+          <p:nvPr/>
+        </p:nvSpPr>
+        <p:spPr>
+          <a:xfrm>
+            <a:off x="4361038" y="1814085"/>
+            <a:ext cx="576072" cy="572120"/>
+          </a:xfrm>
+          <a:prstGeom prst="ellipse">
+            <a:avLst/>
+          </a:prstGeom>
+          <a:noFill/>
+          <a:ln>
+            <a:solidFill>
+              <a:schemeClr val="tx1"/>
+            </a:solidFill>
+          </a:ln>
+        </p:spPr>
+        <p:style>
+          <a:lnRef idx="2">
+            <a:schemeClr val="accent1">
+              <a:shade val="50000"/>
+            </a:schemeClr>
+          </a:lnRef>
+          <a:fillRef idx="1">
+            <a:schemeClr val="accent1"/>
+          </a:fillRef>
+          <a:effectRef idx="0">
+            <a:schemeClr val="accent1"/>
+          </a:effectRef>
+          <a:fontRef idx="minor">
+            <a:schemeClr val="lt1"/>
+          </a:fontRef>
+        </p:style>
+        <p:txBody>
+          <a:bodyPr rtlCol="0" anchor="ctr"/>
+          <a:lstStyle/>
+          <a:p>
+            <a:pPr algn="ctr"/>
+            <a:endParaRPr lang="en-US"/>
+          </a:p>
+        </p:txBody>
+      </p:sp>
+      <p:sp>
+        <p:nvSpPr>
+          <p:cNvPr id="29" name="Oval 28"/>
+          <p:cNvSpPr/>
+          <p:nvPr/>
+        </p:nvSpPr>
+        <p:spPr>
+          <a:xfrm>
+            <a:off x="2150572" y="1818515"/>
+            <a:ext cx="576072" cy="572120"/>
+          </a:xfrm>
+          <a:prstGeom prst="ellipse">
+            <a:avLst/>
+          </a:prstGeom>
+          <a:noFill/>
+          <a:ln>
+            <a:solidFill>
+              <a:schemeClr val="tx1"/>
+            </a:solidFill>
+          </a:ln>
+        </p:spPr>
+        <p:style>
+          <a:lnRef idx="2">
+            <a:schemeClr val="accent1">
+              <a:shade val="50000"/>
+            </a:schemeClr>
+          </a:lnRef>
+          <a:fillRef idx="1">
+            <a:schemeClr val="accent1"/>
+          </a:fillRef>
+          <a:effectRef idx="0">
+            <a:schemeClr val="accent1"/>
+          </a:effectRef>
+          <a:fontRef idx="minor">
+            <a:schemeClr val="lt1"/>
+          </a:fontRef>
+        </p:style>
+        <p:txBody>
+          <a:bodyPr rtlCol="0" anchor="ctr"/>
+          <a:lstStyle/>
+          <a:p>
+            <a:pPr algn="ctr"/>
+            <a:endParaRPr lang="en-US"/>
+          </a:p>
+        </p:txBody>
+      </p:sp>
+      <p:pic>
+        <p:nvPicPr>
+          <p:cNvPr id="7" name="Picture 6"/>
+          <p:cNvPicPr>
+            <a:picLocks noChangeAspect="1"/>
+          </p:cNvPicPr>
+          <p:nvPr/>
+        </p:nvPicPr>
+        <p:blipFill>
+          <a:blip r:embed="rId6">
+            <a:extLst>
+              <a:ext uri="{28A0092B-C50C-407E-A947-70E740481C1C}">
+                <a14:useLocalDpi xmlns:a14="http://schemas.microsoft.com/office/drawing/2010/main" val="0"/>
+              </a:ext>
+            </a:extLst>
+          </a:blip>
+          <a:stretch>
+            <a:fillRect/>
+          </a:stretch>
+        </p:blipFill>
+        <p:spPr>
+          <a:xfrm>
+            <a:off x="3394873" y="1957813"/>
+            <a:ext cx="340066" cy="340066"/>
+          </a:xfrm>
+          <a:prstGeom prst="rect">
+            <a:avLst/>
+          </a:prstGeom>
+        </p:spPr>
+      </p:pic>
+      <p:sp>
+        <p:nvSpPr>
+          <p:cNvPr id="8" name="Rounded Rectangle 7"/>
+          <p:cNvSpPr/>
+          <p:nvPr/>
+        </p:nvSpPr>
+        <p:spPr>
+          <a:xfrm>
+            <a:off x="7229876" y="1749913"/>
+            <a:ext cx="1133554" cy="500964"/>
+          </a:xfrm>
+          <a:prstGeom prst="roundRect">
+            <a:avLst>
+              <a:gd name="adj" fmla="val 50000"/>
+            </a:avLst>
+          </a:prstGeom>
+          <a:noFill/>
+          <a:ln>
+            <a:solidFill>
+              <a:schemeClr val="tx1"/>
+            </a:solidFill>
+          </a:ln>
+        </p:spPr>
+        <p:style>
+          <a:lnRef idx="2">
+            <a:schemeClr val="accent1">
+              <a:shade val="50000"/>
+            </a:schemeClr>
+          </a:lnRef>
+          <a:fillRef idx="1">
+            <a:schemeClr val="accent1"/>
+          </a:fillRef>
+          <a:effectRef idx="0">
+            <a:schemeClr val="accent1"/>
+          </a:effectRef>
+          <a:fontRef idx="minor">
+            <a:schemeClr val="lt1"/>
+          </a:fontRef>
+        </p:style>
+        <p:txBody>
+          <a:bodyPr rtlCol="0" anchor="ctr"/>
+          <a:lstStyle/>
+          <a:p>
+            <a:pPr algn="ctr"/>
+            <a:endParaRPr lang="en-US"/>
+          </a:p>
+        </p:txBody>
+      </p:sp>
+      <p:pic>
+        <p:nvPicPr>
+          <p:cNvPr id="31" name="Picture 30"/>
+          <p:cNvPicPr>
+            <a:picLocks noChangeAspect="1"/>
+          </p:cNvPicPr>
+          <p:nvPr/>
+        </p:nvPicPr>
+        <p:blipFill>
+          <a:blip r:embed="rId4">
+            <a:extLst>
+              <a:ext uri="{28A0092B-C50C-407E-A947-70E740481C1C}">
+                <a14:useLocalDpi xmlns:a14="http://schemas.microsoft.com/office/drawing/2010/main" val="0"/>
+              </a:ext>
+            </a:extLst>
+          </a:blip>
+          <a:stretch>
+            <a:fillRect/>
+          </a:stretch>
+        </p:blipFill>
+        <p:spPr>
+          <a:xfrm>
+            <a:off x="7590913" y="1789106"/>
+            <a:ext cx="411480" cy="411480"/>
+          </a:xfrm>
+          <a:prstGeom prst="rect">
+            <a:avLst/>
+          </a:prstGeom>
+        </p:spPr>
+      </p:pic>
+      <p:sp>
+        <p:nvSpPr>
+          <p:cNvPr id="33" name="Rounded Rectangle 32"/>
+          <p:cNvSpPr/>
+          <p:nvPr/>
+        </p:nvSpPr>
+        <p:spPr>
+          <a:xfrm>
+            <a:off x="8839044" y="1749913"/>
+            <a:ext cx="1133554" cy="500964"/>
+          </a:xfrm>
+          <a:prstGeom prst="roundRect">
+            <a:avLst>
+              <a:gd name="adj" fmla="val 50000"/>
+            </a:avLst>
+          </a:prstGeom>
+          <a:noFill/>
+          <a:ln>
+            <a:solidFill>
+              <a:schemeClr val="tx1"/>
+            </a:solidFill>
+          </a:ln>
+        </p:spPr>
+        <p:style>
+          <a:lnRef idx="2">
+            <a:schemeClr val="accent1">
+              <a:shade val="50000"/>
+            </a:schemeClr>
+          </a:lnRef>
+          <a:fillRef idx="1">
+            <a:schemeClr val="accent1"/>
+          </a:fillRef>
+          <a:effectRef idx="0">
+            <a:schemeClr val="accent1"/>
+          </a:effectRef>
+          <a:fontRef idx="minor">
+            <a:schemeClr val="lt1"/>
+          </a:fontRef>
+        </p:style>
+        <p:txBody>
+          <a:bodyPr rtlCol="0" anchor="ctr"/>
+          <a:lstStyle/>
+          <a:p>
+            <a:pPr algn="ctr"/>
+            <a:endParaRPr lang="en-US"/>
+          </a:p>
+        </p:txBody>
+      </p:sp>
+      <p:pic>
+        <p:nvPicPr>
+          <p:cNvPr id="40" name="Picture 39"/>
+          <p:cNvPicPr>
+            <a:picLocks noChangeAspect="1"/>
+          </p:cNvPicPr>
+          <p:nvPr/>
+        </p:nvPicPr>
+        <p:blipFill>
+          <a:blip r:embed="rId7">
+            <a:extLst>
+              <a:ext uri="{28A0092B-C50C-407E-A947-70E740481C1C}">
+                <a14:useLocalDpi xmlns:a14="http://schemas.microsoft.com/office/drawing/2010/main" val="0"/>
+              </a:ext>
+            </a:extLst>
+          </a:blip>
+          <a:stretch>
+            <a:fillRect/>
+          </a:stretch>
+        </p:blipFill>
+        <p:spPr>
+          <a:xfrm>
+            <a:off x="4955659" y="2973294"/>
+            <a:ext cx="322739" cy="322739"/>
+          </a:xfrm>
+          <a:prstGeom prst="rect">
+            <a:avLst/>
+          </a:prstGeom>
+        </p:spPr>
+      </p:pic>
+      <p:pic>
+        <p:nvPicPr>
+          <p:cNvPr id="41" name="Picture 40"/>
+          <p:cNvPicPr>
+            <a:picLocks noChangeAspect="1"/>
+          </p:cNvPicPr>
+          <p:nvPr/>
+        </p:nvPicPr>
+        <p:blipFill>
+          <a:blip r:embed="rId7">
+            <a:extLst>
+              <a:ext uri="{28A0092B-C50C-407E-A947-70E740481C1C}">
+                <a14:useLocalDpi xmlns:a14="http://schemas.microsoft.com/office/drawing/2010/main" val="0"/>
+              </a:ext>
+            </a:extLst>
+          </a:blip>
+          <a:stretch>
+            <a:fillRect/>
+          </a:stretch>
+        </p:blipFill>
+        <p:spPr>
+          <a:xfrm>
+            <a:off x="4955659" y="3465286"/>
+            <a:ext cx="322739" cy="322739"/>
+          </a:xfrm>
+          <a:prstGeom prst="rect">
+            <a:avLst/>
+          </a:prstGeom>
+        </p:spPr>
+      </p:pic>
+      <p:pic>
+        <p:nvPicPr>
+          <p:cNvPr id="45" name="Picture 44"/>
+          <p:cNvPicPr>
+            <a:picLocks noChangeAspect="1"/>
+          </p:cNvPicPr>
+          <p:nvPr/>
+        </p:nvPicPr>
+        <p:blipFill>
+          <a:blip r:embed="rId7">
+            <a:extLst>
+              <a:ext uri="{28A0092B-C50C-407E-A947-70E740481C1C}">
+                <a14:useLocalDpi xmlns:a14="http://schemas.microsoft.com/office/drawing/2010/main" val="0"/>
+              </a:ext>
+            </a:extLst>
+          </a:blip>
+          <a:stretch>
+            <a:fillRect/>
+          </a:stretch>
+        </p:blipFill>
+        <p:spPr>
+          <a:xfrm>
+            <a:off x="4955659" y="3997515"/>
+            <a:ext cx="322739" cy="322739"/>
+          </a:xfrm>
+          <a:prstGeom prst="rect">
+            <a:avLst/>
+          </a:prstGeom>
+        </p:spPr>
+      </p:pic>
+      <p:pic>
+        <p:nvPicPr>
+          <p:cNvPr id="47" name="Picture 46"/>
+          <p:cNvPicPr>
+            <a:picLocks noChangeAspect="1"/>
+          </p:cNvPicPr>
+          <p:nvPr/>
+        </p:nvPicPr>
+        <p:blipFill>
+          <a:blip r:embed="rId7">
+            <a:extLst>
+              <a:ext uri="{28A0092B-C50C-407E-A947-70E740481C1C}">
+                <a14:useLocalDpi xmlns:a14="http://schemas.microsoft.com/office/drawing/2010/main" val="0"/>
+              </a:ext>
+            </a:extLst>
+          </a:blip>
+          <a:stretch>
+            <a:fillRect/>
+          </a:stretch>
+        </p:blipFill>
+        <p:spPr>
+          <a:xfrm>
+            <a:off x="4957848" y="4513119"/>
+            <a:ext cx="322739" cy="322739"/>
+          </a:xfrm>
+          <a:prstGeom prst="rect">
+            <a:avLst/>
+          </a:prstGeom>
+        </p:spPr>
+      </p:pic>
+      <p:pic>
+        <p:nvPicPr>
+          <p:cNvPr id="51" name="Picture 50"/>
+          <p:cNvPicPr>
+            <a:picLocks noChangeAspect="1"/>
+          </p:cNvPicPr>
+          <p:nvPr/>
+        </p:nvPicPr>
+        <p:blipFill>
+          <a:blip r:embed="rId7">
+            <a:extLst>
+              <a:ext uri="{28A0092B-C50C-407E-A947-70E740481C1C}">
+                <a14:useLocalDpi xmlns:a14="http://schemas.microsoft.com/office/drawing/2010/main" val="0"/>
+              </a:ext>
+            </a:extLst>
+          </a:blip>
+          <a:stretch>
+            <a:fillRect/>
+          </a:stretch>
+        </p:blipFill>
+        <p:spPr>
+          <a:xfrm>
+            <a:off x="4955659" y="4982273"/>
+            <a:ext cx="322739" cy="322739"/>
+          </a:xfrm>
+          <a:prstGeom prst="rect">
+            <a:avLst/>
+          </a:prstGeom>
+        </p:spPr>
+      </p:pic>
+      <p:pic>
+        <p:nvPicPr>
+          <p:cNvPr id="52" name="Picture 51"/>
+          <p:cNvPicPr>
+            <a:picLocks noChangeAspect="1"/>
+          </p:cNvPicPr>
+          <p:nvPr/>
+        </p:nvPicPr>
+        <p:blipFill>
+          <a:blip r:embed="rId7">
+            <a:extLst>
+              <a:ext uri="{28A0092B-C50C-407E-A947-70E740481C1C}">
+                <a14:useLocalDpi xmlns:a14="http://schemas.microsoft.com/office/drawing/2010/main" val="0"/>
+              </a:ext>
+            </a:extLst>
+          </a:blip>
+          <a:stretch>
+            <a:fillRect/>
+          </a:stretch>
+        </p:blipFill>
+        <p:spPr>
+          <a:xfrm>
+            <a:off x="4958974" y="5485464"/>
+            <a:ext cx="322739" cy="322739"/>
+          </a:xfrm>
+          <a:prstGeom prst="rect">
+            <a:avLst/>
+          </a:prstGeom>
+        </p:spPr>
+      </p:pic>
+      <p:pic>
+        <p:nvPicPr>
+          <p:cNvPr id="53" name="Picture 52"/>
+          <p:cNvPicPr>
+            <a:picLocks noChangeAspect="1"/>
+          </p:cNvPicPr>
+          <p:nvPr/>
+        </p:nvPicPr>
+        <p:blipFill>
+          <a:blip r:embed="rId7">
+            <a:extLst>
+              <a:ext uri="{28A0092B-C50C-407E-A947-70E740481C1C}">
+                <a14:useLocalDpi xmlns:a14="http://schemas.microsoft.com/office/drawing/2010/main" val="0"/>
+              </a:ext>
+            </a:extLst>
+          </a:blip>
+          <a:stretch>
+            <a:fillRect/>
+          </a:stretch>
+        </p:blipFill>
+        <p:spPr>
+          <a:xfrm>
+            <a:off x="4955658" y="5949425"/>
+            <a:ext cx="322739" cy="322739"/>
+          </a:xfrm>
+          <a:prstGeom prst="rect">
+            <a:avLst/>
+          </a:prstGeom>
+        </p:spPr>
+      </p:pic>
+      <p:sp>
+        <p:nvSpPr>
+          <p:cNvPr id="37" name="TextBox 36"/>
+          <p:cNvSpPr txBox="1"/>
+          <p:nvPr/>
+        </p:nvSpPr>
+        <p:spPr>
+          <a:xfrm>
+            <a:off x="7475951" y="559015"/>
+            <a:ext cx="2286924" cy="1246495"/>
+          </a:xfrm>
+          <a:prstGeom prst="rect">
+            <a:avLst/>
+          </a:prstGeom>
+          <a:noFill/>
+        </p:spPr>
+        <p:txBody>
+          <a:bodyPr wrap="square" rtlCol="0">
+            <a:spAutoFit/>
+          </a:bodyPr>
+          <a:lstStyle/>
+          <a:p>
+            <a:pPr algn="ctr"/>
+            <a:r>
+              <a:rPr lang="en-US" sz="2800" dirty="0"/>
+              <a:t>SET TITLE</a:t>
+            </a:r>
+          </a:p>
+          <a:p>
+            <a:pPr algn="ctr"/>
+            <a:r>
+              <a:rPr lang="en-US" i="1" u="sng" dirty="0"/>
+              <a:t># terms</a:t>
+            </a:r>
+            <a:r>
+              <a:rPr lang="en-US" dirty="0"/>
+              <a:t> by </a:t>
+            </a:r>
+            <a:r>
+              <a:rPr lang="en-US" i="1" u="sng" dirty="0" smtClean="0"/>
+              <a:t>creator</a:t>
+            </a:r>
+            <a:br>
+              <a:rPr lang="en-US" i="1" u="sng" dirty="0" smtClean="0"/>
+            </a:br>
+            <a:endParaRPr lang="en-US" sz="500" i="1" u="sng" dirty="0" smtClean="0"/>
+          </a:p>
+          <a:p>
+            <a:pPr algn="ctr"/>
+            <a:r>
+              <a:rPr lang="en-US" sz="1200" dirty="0" smtClean="0"/>
+              <a:t>Created on DEC 21, 2016</a:t>
+            </a:r>
+          </a:p>
+          <a:p>
+            <a:pPr algn="ctr"/>
+            <a:r>
+              <a:rPr lang="en-US" sz="1200" dirty="0" smtClean="0"/>
+              <a:t>Imported </a:t>
+            </a:r>
+            <a:r>
+              <a:rPr lang="en-US" sz="1200" u="sng" dirty="0" smtClean="0"/>
+              <a:t>2</a:t>
+            </a:r>
+            <a:r>
+              <a:rPr lang="en-US" sz="1200" dirty="0" smtClean="0"/>
+              <a:t> times</a:t>
+            </a:r>
+            <a:endParaRPr lang="en-US" sz="2800" u="sng" dirty="0"/>
+          </a:p>
+        </p:txBody>
+      </p:sp>
     </p:spTree>
     <p:extLst>
       <p:ext uri="{BB962C8B-B14F-4D97-AF65-F5344CB8AC3E}">
         <p14:creationId xmlns:p14="http://schemas.microsoft.com/office/powerpoint/2010/main" val="1033757020"/>
+      </p:ext>
+    </p:extLst>
+  </p:cSld>
+  <p:clrMapOvr>
+    <a:masterClrMapping/>
+  </p:clrMapOvr>
+</p:sld>
+</file>
+
+<file path=ppt/slides/slide6.xml><?xml version="1.0" encoding="utf-8"?>
+<p:sld xmlns:a="http://schemas.openxmlformats.org/drawingml/2006/main" xmlns:r="http://schemas.openxmlformats.org/officeDocument/2006/relationships" xmlns:p="http://schemas.openxmlformats.org/presentationml/2006/main">
+  <p:cSld>
+    <p:spTree>
+      <p:nvGrpSpPr>
+        <p:cNvPr id="1" name=""/>
+        <p:cNvGrpSpPr/>
+        <p:nvPr/>
+      </p:nvGrpSpPr>
+      <p:grpSpPr>
+        <a:xfrm>
+          <a:off x="0" y="0"/>
+          <a:ext cx="0" cy="0"/>
+          <a:chOff x="0" y="0"/>
+          <a:chExt cx="0" cy="0"/>
+        </a:xfrm>
+      </p:grpSpPr>
+      <p:pic>
+        <p:nvPicPr>
+          <p:cNvPr id="4" name="Picture 3"/>
+          <p:cNvPicPr>
+            <a:picLocks noChangeAspect="1"/>
+          </p:cNvPicPr>
+          <p:nvPr/>
+        </p:nvPicPr>
+        <p:blipFill>
+          <a:blip r:embed="rId2">
+            <a:duotone>
+              <a:schemeClr val="bg2">
+                <a:shade val="45000"/>
+                <a:satMod val="135000"/>
+              </a:schemeClr>
+              <a:prstClr val="white"/>
+            </a:duotone>
+            <a:extLst>
+              <a:ext uri="{28A0092B-C50C-407E-A947-70E740481C1C}">
+                <a14:useLocalDpi xmlns:a14="http://schemas.microsoft.com/office/drawing/2010/main" val="0"/>
+              </a:ext>
+            </a:extLst>
+          </a:blip>
+          <a:stretch>
+            <a:fillRect/>
+          </a:stretch>
+        </p:blipFill>
+        <p:spPr>
+          <a:xfrm>
+            <a:off x="7020489" y="628085"/>
+            <a:ext cx="472895" cy="472895"/>
+          </a:xfrm>
+          <a:prstGeom prst="rect">
+            <a:avLst/>
+          </a:prstGeom>
+        </p:spPr>
+      </p:pic>
+      <p:sp>
+        <p:nvSpPr>
+          <p:cNvPr id="9" name="Frame 8"/>
+          <p:cNvSpPr/>
+          <p:nvPr/>
+        </p:nvSpPr>
+        <p:spPr>
+          <a:xfrm>
+            <a:off x="6781176" y="489532"/>
+            <a:ext cx="3657600" cy="5943600"/>
+          </a:xfrm>
+          <a:prstGeom prst="frame">
+            <a:avLst>
+              <a:gd name="adj1" fmla="val 992"/>
+            </a:avLst>
+          </a:prstGeom>
+          <a:ln/>
+        </p:spPr>
+        <p:style>
+          <a:lnRef idx="2">
+            <a:schemeClr val="dk1">
+              <a:shade val="50000"/>
+            </a:schemeClr>
+          </a:lnRef>
+          <a:fillRef idx="1">
+            <a:schemeClr val="dk1"/>
+          </a:fillRef>
+          <a:effectRef idx="0">
+            <a:schemeClr val="dk1"/>
+          </a:effectRef>
+          <a:fontRef idx="minor">
+            <a:schemeClr val="lt1"/>
+          </a:fontRef>
+        </p:style>
+        <p:txBody>
+          <a:bodyPr rtlCol="0" anchor="ctr"/>
+          <a:lstStyle/>
+          <a:p>
+            <a:pPr algn="ctr"/>
+            <a:endParaRPr lang="en-US">
+              <a:solidFill>
+                <a:schemeClr val="tx1"/>
+              </a:solidFill>
+            </a:endParaRPr>
+          </a:p>
+        </p:txBody>
+      </p:sp>
+      <p:cxnSp>
+        <p:nvCxnSpPr>
+          <p:cNvPr id="10" name="Straight Connector 9"/>
+          <p:cNvCxnSpPr/>
+          <p:nvPr/>
+        </p:nvCxnSpPr>
+        <p:spPr>
+          <a:xfrm>
+            <a:off x="6781176" y="1200732"/>
+            <a:ext cx="3657600" cy="0"/>
+          </a:xfrm>
+          <a:prstGeom prst="line">
+            <a:avLst/>
+          </a:prstGeom>
+        </p:spPr>
+        <p:style>
+          <a:lnRef idx="1">
+            <a:schemeClr val="dk1"/>
+          </a:lnRef>
+          <a:fillRef idx="0">
+            <a:schemeClr val="dk1"/>
+          </a:fillRef>
+          <a:effectRef idx="0">
+            <a:schemeClr val="dk1"/>
+          </a:effectRef>
+          <a:fontRef idx="minor">
+            <a:schemeClr val="tx1"/>
+          </a:fontRef>
+        </p:style>
+      </p:cxnSp>
+      <p:sp>
+        <p:nvSpPr>
+          <p:cNvPr id="11" name="TextBox 10"/>
+          <p:cNvSpPr txBox="1"/>
+          <p:nvPr/>
+        </p:nvSpPr>
+        <p:spPr>
+          <a:xfrm>
+            <a:off x="7441145" y="661702"/>
+            <a:ext cx="1008802" cy="400110"/>
+          </a:xfrm>
+          <a:prstGeom prst="rect">
+            <a:avLst/>
+          </a:prstGeom>
+          <a:noFill/>
+        </p:spPr>
+        <p:txBody>
+          <a:bodyPr wrap="none" rtlCol="0">
+            <a:spAutoFit/>
+          </a:bodyPr>
+          <a:lstStyle/>
+          <a:p>
+            <a:r>
+              <a:rPr lang="en-US" sz="2000" dirty="0" smtClean="0">
+                <a:solidFill>
+                  <a:schemeClr val="bg1">
+                    <a:lumMod val="65000"/>
+                  </a:schemeClr>
+                </a:solidFill>
+              </a:rPr>
+              <a:t>SEARCH</a:t>
+            </a:r>
+            <a:endParaRPr lang="en-US" sz="2000" dirty="0">
+              <a:solidFill>
+                <a:schemeClr val="bg1">
+                  <a:lumMod val="65000"/>
+                </a:schemeClr>
+              </a:solidFill>
+            </a:endParaRPr>
+          </a:p>
+        </p:txBody>
+      </p:sp>
+      <p:sp>
+        <p:nvSpPr>
+          <p:cNvPr id="12" name="Frame 11"/>
+          <p:cNvSpPr/>
+          <p:nvPr/>
+        </p:nvSpPr>
+        <p:spPr>
+          <a:xfrm>
+            <a:off x="1728998" y="485433"/>
+            <a:ext cx="3657600" cy="5943600"/>
+          </a:xfrm>
+          <a:prstGeom prst="frame">
+            <a:avLst>
+              <a:gd name="adj1" fmla="val 992"/>
+            </a:avLst>
+          </a:prstGeom>
+          <a:ln/>
+        </p:spPr>
+        <p:style>
+          <a:lnRef idx="2">
+            <a:schemeClr val="dk1">
+              <a:shade val="50000"/>
+            </a:schemeClr>
+          </a:lnRef>
+          <a:fillRef idx="1">
+            <a:schemeClr val="dk1"/>
+          </a:fillRef>
+          <a:effectRef idx="0">
+            <a:schemeClr val="dk1"/>
+          </a:effectRef>
+          <a:fontRef idx="minor">
+            <a:schemeClr val="lt1"/>
+          </a:fontRef>
+        </p:style>
+        <p:txBody>
+          <a:bodyPr rtlCol="0" anchor="ctr"/>
+          <a:lstStyle/>
+          <a:p>
+            <a:pPr algn="ctr"/>
+            <a:endParaRPr lang="en-US">
+              <a:solidFill>
+                <a:schemeClr val="tx1"/>
+              </a:solidFill>
+            </a:endParaRPr>
+          </a:p>
+        </p:txBody>
+      </p:sp>
+      <p:cxnSp>
+        <p:nvCxnSpPr>
+          <p:cNvPr id="13" name="Straight Connector 12"/>
+          <p:cNvCxnSpPr/>
+          <p:nvPr/>
+        </p:nvCxnSpPr>
+        <p:spPr>
+          <a:xfrm>
+            <a:off x="1728996" y="1308320"/>
+            <a:ext cx="3657602" cy="0"/>
+          </a:xfrm>
+          <a:prstGeom prst="line">
+            <a:avLst/>
+          </a:prstGeom>
+        </p:spPr>
+        <p:style>
+          <a:lnRef idx="1">
+            <a:schemeClr val="dk1"/>
+          </a:lnRef>
+          <a:fillRef idx="0">
+            <a:schemeClr val="dk1"/>
+          </a:fillRef>
+          <a:effectRef idx="0">
+            <a:schemeClr val="dk1"/>
+          </a:effectRef>
+          <a:fontRef idx="minor">
+            <a:schemeClr val="tx1"/>
+          </a:fontRef>
+        </p:style>
+      </p:cxnSp>
+      <p:cxnSp>
+        <p:nvCxnSpPr>
+          <p:cNvPr id="15" name="Straight Connector 14"/>
+          <p:cNvCxnSpPr/>
+          <p:nvPr/>
+        </p:nvCxnSpPr>
+        <p:spPr>
+          <a:xfrm>
+            <a:off x="1910421" y="2020461"/>
+            <a:ext cx="3294743" cy="14514"/>
+          </a:xfrm>
+          <a:prstGeom prst="line">
+            <a:avLst/>
+          </a:prstGeom>
+        </p:spPr>
+        <p:style>
+          <a:lnRef idx="1">
+            <a:schemeClr val="dk1"/>
+          </a:lnRef>
+          <a:fillRef idx="0">
+            <a:schemeClr val="dk1"/>
+          </a:fillRef>
+          <a:effectRef idx="0">
+            <a:schemeClr val="dk1"/>
+          </a:effectRef>
+          <a:fontRef idx="minor">
+            <a:schemeClr val="tx1"/>
+          </a:fontRef>
+        </p:style>
+      </p:cxnSp>
+      <p:cxnSp>
+        <p:nvCxnSpPr>
+          <p:cNvPr id="16" name="Straight Connector 15"/>
+          <p:cNvCxnSpPr/>
+          <p:nvPr/>
+        </p:nvCxnSpPr>
+        <p:spPr>
+          <a:xfrm>
+            <a:off x="1888654" y="2678515"/>
+            <a:ext cx="3294743" cy="14514"/>
+          </a:xfrm>
+          <a:prstGeom prst="line">
+            <a:avLst/>
+          </a:prstGeom>
+        </p:spPr>
+        <p:style>
+          <a:lnRef idx="1">
+            <a:schemeClr val="dk1"/>
+          </a:lnRef>
+          <a:fillRef idx="0">
+            <a:schemeClr val="dk1"/>
+          </a:fillRef>
+          <a:effectRef idx="0">
+            <a:schemeClr val="dk1"/>
+          </a:effectRef>
+          <a:fontRef idx="minor">
+            <a:schemeClr val="tx1"/>
+          </a:fontRef>
+        </p:style>
+      </p:cxnSp>
+      <p:cxnSp>
+        <p:nvCxnSpPr>
+          <p:cNvPr id="17" name="Straight Connector 16"/>
+          <p:cNvCxnSpPr/>
+          <p:nvPr/>
+        </p:nvCxnSpPr>
+        <p:spPr>
+          <a:xfrm>
+            <a:off x="1910421" y="3336393"/>
+            <a:ext cx="3294743" cy="14514"/>
+          </a:xfrm>
+          <a:prstGeom prst="line">
+            <a:avLst/>
+          </a:prstGeom>
+        </p:spPr>
+        <p:style>
+          <a:lnRef idx="1">
+            <a:schemeClr val="dk1"/>
+          </a:lnRef>
+          <a:fillRef idx="0">
+            <a:schemeClr val="dk1"/>
+          </a:fillRef>
+          <a:effectRef idx="0">
+            <a:schemeClr val="dk1"/>
+          </a:effectRef>
+          <a:fontRef idx="minor">
+            <a:schemeClr val="tx1"/>
+          </a:fontRef>
+        </p:style>
+      </p:cxnSp>
+      <p:pic>
+        <p:nvPicPr>
+          <p:cNvPr id="21" name="Picture 20"/>
+          <p:cNvPicPr>
+            <a:picLocks noChangeAspect="1"/>
+          </p:cNvPicPr>
+          <p:nvPr/>
+        </p:nvPicPr>
+        <p:blipFill>
+          <a:blip r:embed="rId3">
+            <a:extLst>
+              <a:ext uri="{28A0092B-C50C-407E-A947-70E740481C1C}">
+                <a14:useLocalDpi xmlns:a14="http://schemas.microsoft.com/office/drawing/2010/main" val="0"/>
+              </a:ext>
+            </a:extLst>
+          </a:blip>
+          <a:stretch>
+            <a:fillRect/>
+          </a:stretch>
+        </p:blipFill>
+        <p:spPr>
+          <a:xfrm>
+            <a:off x="2474980" y="692369"/>
+            <a:ext cx="411480" cy="411480"/>
+          </a:xfrm>
+          <a:prstGeom prst="rect">
+            <a:avLst/>
+          </a:prstGeom>
+        </p:spPr>
+      </p:pic>
+      <p:sp>
+        <p:nvSpPr>
+          <p:cNvPr id="22" name="TextBox 21"/>
+          <p:cNvSpPr txBox="1"/>
+          <p:nvPr/>
+        </p:nvSpPr>
+        <p:spPr>
+          <a:xfrm>
+            <a:off x="2943357" y="710756"/>
+            <a:ext cx="1309397" cy="400110"/>
+          </a:xfrm>
+          <a:prstGeom prst="rect">
+            <a:avLst/>
+          </a:prstGeom>
+          <a:noFill/>
+        </p:spPr>
+        <p:txBody>
+          <a:bodyPr wrap="none" rtlCol="0">
+            <a:spAutoFit/>
+          </a:bodyPr>
+          <a:lstStyle/>
+          <a:p>
+            <a:r>
+              <a:rPr lang="en-US" sz="2000" dirty="0" smtClean="0"/>
+              <a:t>FAVORITES</a:t>
+            </a:r>
+            <a:endParaRPr lang="en-US" sz="2000" dirty="0"/>
+          </a:p>
+        </p:txBody>
+      </p:sp>
+      <p:sp>
+        <p:nvSpPr>
+          <p:cNvPr id="23" name="TextBox 22"/>
+          <p:cNvSpPr txBox="1"/>
+          <p:nvPr/>
+        </p:nvSpPr>
+        <p:spPr>
+          <a:xfrm>
+            <a:off x="1910420" y="1514024"/>
+            <a:ext cx="3272975" cy="369332"/>
+          </a:xfrm>
+          <a:prstGeom prst="rect">
+            <a:avLst/>
+          </a:prstGeom>
+          <a:noFill/>
+        </p:spPr>
+        <p:txBody>
+          <a:bodyPr wrap="square" rtlCol="0">
+            <a:spAutoFit/>
+          </a:bodyPr>
+          <a:lstStyle/>
+          <a:p>
+            <a:pPr algn="ctr"/>
+            <a:r>
+              <a:rPr lang="en-US" dirty="0" smtClean="0"/>
+              <a:t>LIST 1		   5 terms</a:t>
+            </a:r>
+            <a:endParaRPr lang="en-US" dirty="0"/>
+          </a:p>
+        </p:txBody>
+      </p:sp>
+      <p:sp>
+        <p:nvSpPr>
+          <p:cNvPr id="24" name="TextBox 23"/>
+          <p:cNvSpPr txBox="1"/>
+          <p:nvPr/>
+        </p:nvSpPr>
+        <p:spPr>
+          <a:xfrm>
+            <a:off x="1888652" y="2179367"/>
+            <a:ext cx="3272975" cy="369332"/>
+          </a:xfrm>
+          <a:prstGeom prst="rect">
+            <a:avLst/>
+          </a:prstGeom>
+          <a:noFill/>
+        </p:spPr>
+        <p:txBody>
+          <a:bodyPr wrap="square" rtlCol="0">
+            <a:spAutoFit/>
+          </a:bodyPr>
+          <a:lstStyle/>
+          <a:p>
+            <a:pPr algn="ctr"/>
+            <a:r>
+              <a:rPr lang="en-US" dirty="0" smtClean="0"/>
+              <a:t>LIST 2		   </a:t>
+            </a:r>
+            <a:r>
+              <a:rPr lang="en-US" dirty="0"/>
+              <a:t>2</a:t>
+            </a:r>
+            <a:r>
+              <a:rPr lang="en-US" dirty="0" smtClean="0"/>
+              <a:t> terms</a:t>
+            </a:r>
+            <a:endParaRPr lang="en-US" dirty="0"/>
+          </a:p>
+        </p:txBody>
+      </p:sp>
+      <p:sp>
+        <p:nvSpPr>
+          <p:cNvPr id="25" name="TextBox 24"/>
+          <p:cNvSpPr txBox="1"/>
+          <p:nvPr/>
+        </p:nvSpPr>
+        <p:spPr>
+          <a:xfrm>
+            <a:off x="1888653" y="2830045"/>
+            <a:ext cx="3272975" cy="369332"/>
+          </a:xfrm>
+          <a:prstGeom prst="rect">
+            <a:avLst/>
+          </a:prstGeom>
+          <a:noFill/>
+        </p:spPr>
+        <p:txBody>
+          <a:bodyPr wrap="square" rtlCol="0">
+            <a:spAutoFit/>
+          </a:bodyPr>
+          <a:lstStyle/>
+          <a:p>
+            <a:pPr algn="ctr"/>
+            <a:r>
+              <a:rPr lang="en-US" dirty="0" smtClean="0"/>
+              <a:t>LIST 3		   7 terms</a:t>
+            </a:r>
+            <a:endParaRPr lang="en-US" dirty="0"/>
+          </a:p>
+        </p:txBody>
+      </p:sp>
+      <p:sp>
+        <p:nvSpPr>
+          <p:cNvPr id="26" name="TextBox 25"/>
+          <p:cNvSpPr txBox="1"/>
+          <p:nvPr/>
+        </p:nvSpPr>
+        <p:spPr>
+          <a:xfrm>
+            <a:off x="1888652" y="3499345"/>
+            <a:ext cx="3272975" cy="369332"/>
+          </a:xfrm>
+          <a:prstGeom prst="rect">
+            <a:avLst/>
+          </a:prstGeom>
+          <a:noFill/>
+        </p:spPr>
+        <p:txBody>
+          <a:bodyPr wrap="square" rtlCol="0">
+            <a:spAutoFit/>
+          </a:bodyPr>
+          <a:lstStyle/>
+          <a:p>
+            <a:pPr algn="ctr"/>
+            <a:r>
+              <a:rPr lang="en-US" dirty="0" smtClean="0"/>
+              <a:t>LIST 6		   4 terms</a:t>
+            </a:r>
+            <a:endParaRPr lang="en-US" dirty="0"/>
+          </a:p>
+        </p:txBody>
+      </p:sp>
+      <p:pic>
+        <p:nvPicPr>
+          <p:cNvPr id="27" name="Picture 26"/>
+          <p:cNvPicPr>
+            <a:picLocks noChangeAspect="1"/>
+          </p:cNvPicPr>
+          <p:nvPr/>
+        </p:nvPicPr>
+        <p:blipFill>
+          <a:blip r:embed="rId4">
+            <a:extLst>
+              <a:ext uri="{28A0092B-C50C-407E-A947-70E740481C1C}">
+                <a14:useLocalDpi xmlns:a14="http://schemas.microsoft.com/office/drawing/2010/main" val="0"/>
+              </a:ext>
+            </a:extLst>
+          </a:blip>
+          <a:stretch>
+            <a:fillRect/>
+          </a:stretch>
+        </p:blipFill>
+        <p:spPr>
+          <a:xfrm flipV="1">
+            <a:off x="1920990" y="688221"/>
+            <a:ext cx="365760" cy="365760"/>
+          </a:xfrm>
+          <a:prstGeom prst="rect">
+            <a:avLst/>
+          </a:prstGeom>
+        </p:spPr>
+      </p:pic>
+      <p:cxnSp>
+        <p:nvCxnSpPr>
+          <p:cNvPr id="28" name="Straight Connector 27"/>
+          <p:cNvCxnSpPr/>
+          <p:nvPr/>
+        </p:nvCxnSpPr>
+        <p:spPr>
+          <a:xfrm>
+            <a:off x="6087649" y="0"/>
+            <a:ext cx="0" cy="6858000"/>
+          </a:xfrm>
+          <a:prstGeom prst="line">
+            <a:avLst/>
+          </a:prstGeom>
+        </p:spPr>
+        <p:style>
+          <a:lnRef idx="1">
+            <a:schemeClr val="dk1"/>
+          </a:lnRef>
+          <a:fillRef idx="0">
+            <a:schemeClr val="dk1"/>
+          </a:fillRef>
+          <a:effectRef idx="0">
+            <a:schemeClr val="dk1"/>
+          </a:effectRef>
+          <a:fontRef idx="minor">
+            <a:schemeClr val="tx1"/>
+          </a:fontRef>
+        </p:style>
+      </p:cxnSp>
+      <p:cxnSp>
+        <p:nvCxnSpPr>
+          <p:cNvPr id="29" name="Straight Connector 28"/>
+          <p:cNvCxnSpPr/>
+          <p:nvPr/>
+        </p:nvCxnSpPr>
+        <p:spPr>
+          <a:xfrm>
+            <a:off x="6987240" y="2257887"/>
+            <a:ext cx="3294743" cy="14514"/>
+          </a:xfrm>
+          <a:prstGeom prst="line">
+            <a:avLst/>
+          </a:prstGeom>
+        </p:spPr>
+        <p:style>
+          <a:lnRef idx="1">
+            <a:schemeClr val="dk1"/>
+          </a:lnRef>
+          <a:fillRef idx="0">
+            <a:schemeClr val="dk1"/>
+          </a:fillRef>
+          <a:effectRef idx="0">
+            <a:schemeClr val="dk1"/>
+          </a:effectRef>
+          <a:fontRef idx="minor">
+            <a:schemeClr val="tx1"/>
+          </a:fontRef>
+        </p:style>
+      </p:cxnSp>
+      <p:sp>
+        <p:nvSpPr>
+          <p:cNvPr id="30" name="TextBox 29"/>
+          <p:cNvSpPr txBox="1"/>
+          <p:nvPr/>
+        </p:nvSpPr>
+        <p:spPr>
+          <a:xfrm>
+            <a:off x="6987239" y="1751450"/>
+            <a:ext cx="3272975" cy="369332"/>
+          </a:xfrm>
+          <a:prstGeom prst="rect">
+            <a:avLst/>
+          </a:prstGeom>
+          <a:noFill/>
+        </p:spPr>
+        <p:txBody>
+          <a:bodyPr wrap="square" rtlCol="0">
+            <a:spAutoFit/>
+          </a:bodyPr>
+          <a:lstStyle/>
+          <a:p>
+            <a:pPr algn="ctr"/>
+            <a:r>
+              <a:rPr lang="en-US" dirty="0" smtClean="0"/>
+              <a:t>LIST 32	</a:t>
+            </a:r>
+            <a:r>
+              <a:rPr lang="en-US" sz="1600" dirty="0" smtClean="0"/>
+              <a:t> </a:t>
+            </a:r>
+            <a:r>
+              <a:rPr lang="en-US" sz="1600" dirty="0" smtClean="0">
+                <a:solidFill>
+                  <a:schemeClr val="tx1">
+                    <a:lumMod val="50000"/>
+                    <a:lumOff val="50000"/>
+                  </a:schemeClr>
+                </a:solidFill>
+              </a:rPr>
+              <a:t>89 terms 	by </a:t>
+            </a:r>
+            <a:r>
+              <a:rPr lang="en-US" sz="1600" i="1" u="sng" dirty="0" smtClean="0">
+                <a:solidFill>
+                  <a:schemeClr val="tx1">
+                    <a:lumMod val="50000"/>
+                    <a:lumOff val="50000"/>
+                  </a:schemeClr>
+                </a:solidFill>
+              </a:rPr>
+              <a:t>username1</a:t>
+            </a:r>
+            <a:endParaRPr lang="en-US" i="1" u="sng" dirty="0">
+              <a:solidFill>
+                <a:schemeClr val="tx1">
+                  <a:lumMod val="50000"/>
+                  <a:lumOff val="50000"/>
+                </a:schemeClr>
+              </a:solidFill>
+            </a:endParaRPr>
+          </a:p>
+        </p:txBody>
+      </p:sp>
+      <p:sp>
+        <p:nvSpPr>
+          <p:cNvPr id="32" name="TextBox 31"/>
+          <p:cNvSpPr txBox="1"/>
+          <p:nvPr/>
+        </p:nvSpPr>
+        <p:spPr>
+          <a:xfrm>
+            <a:off x="6788702" y="2377434"/>
+            <a:ext cx="3600200" cy="369332"/>
+          </a:xfrm>
+          <a:prstGeom prst="rect">
+            <a:avLst/>
+          </a:prstGeom>
+          <a:noFill/>
+        </p:spPr>
+        <p:txBody>
+          <a:bodyPr wrap="square" rtlCol="0">
+            <a:spAutoFit/>
+          </a:bodyPr>
+          <a:lstStyle/>
+          <a:p>
+            <a:pPr algn="ctr"/>
+            <a:r>
+              <a:rPr lang="en-US" dirty="0" smtClean="0"/>
+              <a:t> LIST 17	 </a:t>
+            </a:r>
+            <a:r>
+              <a:rPr lang="en-US" dirty="0" smtClean="0">
+                <a:solidFill>
+                  <a:schemeClr val="tx1">
+                    <a:lumMod val="50000"/>
+                    <a:lumOff val="50000"/>
+                  </a:schemeClr>
+                </a:solidFill>
+              </a:rPr>
+              <a:t> </a:t>
+            </a:r>
+            <a:r>
+              <a:rPr lang="en-US" sz="1600" dirty="0" smtClean="0">
+                <a:solidFill>
+                  <a:schemeClr val="tx1">
+                    <a:lumMod val="50000"/>
+                    <a:lumOff val="50000"/>
+                  </a:schemeClr>
+                </a:solidFill>
+              </a:rPr>
+              <a:t>52 terms	</a:t>
+            </a:r>
+            <a:r>
+              <a:rPr lang="en-US" sz="1600" dirty="0" smtClean="0">
+                <a:solidFill>
+                  <a:schemeClr val="tx1">
+                    <a:lumMod val="50000"/>
+                    <a:lumOff val="50000"/>
+                  </a:schemeClr>
+                </a:solidFill>
+              </a:rPr>
+              <a:t>  by </a:t>
+            </a:r>
+            <a:r>
+              <a:rPr lang="en-US" sz="1600" i="1" u="sng" dirty="0" smtClean="0">
+                <a:solidFill>
+                  <a:schemeClr val="tx1">
+                    <a:lumMod val="50000"/>
+                    <a:lumOff val="50000"/>
+                  </a:schemeClr>
+                </a:solidFill>
+              </a:rPr>
+              <a:t>username2</a:t>
+            </a:r>
+            <a:endParaRPr lang="en-US" sz="1600" i="1" u="sng" dirty="0">
+              <a:solidFill>
+                <a:schemeClr val="tx1">
+                  <a:lumMod val="50000"/>
+                  <a:lumOff val="50000"/>
+                </a:schemeClr>
+              </a:solidFill>
+            </a:endParaRPr>
+          </a:p>
+        </p:txBody>
+      </p:sp>
+      <p:sp>
+        <p:nvSpPr>
+          <p:cNvPr id="33" name="Rectangle 32"/>
+          <p:cNvSpPr/>
+          <p:nvPr/>
+        </p:nvSpPr>
+        <p:spPr>
+          <a:xfrm>
+            <a:off x="6836333" y="1221410"/>
+            <a:ext cx="3547872" cy="365760"/>
+          </a:xfrm>
+          <a:prstGeom prst="rect">
+            <a:avLst/>
+          </a:prstGeom>
+          <a:solidFill>
+            <a:schemeClr val="bg1">
+              <a:lumMod val="85000"/>
+            </a:schemeClr>
+          </a:solidFill>
+          <a:ln w="12700">
+            <a:solidFill>
+              <a:schemeClr val="bg1">
+                <a:lumMod val="50000"/>
+              </a:schemeClr>
+            </a:solidFill>
+          </a:ln>
+        </p:spPr>
+        <p:style>
+          <a:lnRef idx="2">
+            <a:schemeClr val="accent1">
+              <a:shade val="50000"/>
+            </a:schemeClr>
+          </a:lnRef>
+          <a:fillRef idx="1">
+            <a:schemeClr val="accent1"/>
+          </a:fillRef>
+          <a:effectRef idx="0">
+            <a:schemeClr val="accent1"/>
+          </a:effectRef>
+          <a:fontRef idx="minor">
+            <a:schemeClr val="lt1"/>
+          </a:fontRef>
+        </p:style>
+        <p:txBody>
+          <a:bodyPr rtlCol="0" anchor="ctr"/>
+          <a:lstStyle/>
+          <a:p>
+            <a:pPr algn="ctr"/>
+            <a:r>
+              <a:rPr lang="en-US" sz="1600" dirty="0" smtClean="0">
+                <a:solidFill>
+                  <a:schemeClr val="bg1">
+                    <a:lumMod val="50000"/>
+                  </a:schemeClr>
+                </a:solidFill>
+              </a:rPr>
+              <a:t>  MY LIST	                    PUBLIC</a:t>
+            </a:r>
+            <a:endParaRPr lang="en-US" sz="1600" dirty="0">
+              <a:solidFill>
+                <a:schemeClr val="bg1">
+                  <a:lumMod val="50000"/>
+                </a:schemeClr>
+              </a:solidFill>
+            </a:endParaRPr>
+          </a:p>
+        </p:txBody>
+      </p:sp>
+      <p:cxnSp>
+        <p:nvCxnSpPr>
+          <p:cNvPr id="35" name="Straight Connector 34"/>
+          <p:cNvCxnSpPr>
+            <a:stCxn id="33" idx="0"/>
+            <a:endCxn id="33" idx="2"/>
+          </p:cNvCxnSpPr>
+          <p:nvPr/>
+        </p:nvCxnSpPr>
+        <p:spPr>
+          <a:xfrm>
+            <a:off x="8610269" y="1221410"/>
+            <a:ext cx="0" cy="365760"/>
+          </a:xfrm>
+          <a:prstGeom prst="line">
+            <a:avLst/>
+          </a:prstGeom>
+          <a:ln>
+            <a:solidFill>
+              <a:schemeClr val="bg1">
+                <a:lumMod val="50000"/>
+              </a:schemeClr>
+            </a:solidFill>
+          </a:ln>
+        </p:spPr>
+        <p:style>
+          <a:lnRef idx="1">
+            <a:schemeClr val="accent1"/>
+          </a:lnRef>
+          <a:fillRef idx="0">
+            <a:schemeClr val="accent1"/>
+          </a:fillRef>
+          <a:effectRef idx="0">
+            <a:schemeClr val="accent1"/>
+          </a:effectRef>
+          <a:fontRef idx="minor">
+            <a:schemeClr val="tx1"/>
+          </a:fontRef>
+        </p:style>
+      </p:cxnSp>
+    </p:spTree>
+    <p:extLst>
+      <p:ext uri="{BB962C8B-B14F-4D97-AF65-F5344CB8AC3E}">
+        <p14:creationId xmlns:p14="http://schemas.microsoft.com/office/powerpoint/2010/main" val="1024708200"/>
+      </p:ext>
+    </p:extLst>
+  </p:cSld>
+  <p:clrMapOvr>
+    <a:masterClrMapping/>
+  </p:clrMapOvr>
+</p:sld>
+</file>
+
+<file path=ppt/slides/slide7.xml><?xml version="1.0" encoding="utf-8"?>
+<p:sld xmlns:a="http://schemas.openxmlformats.org/drawingml/2006/main" xmlns:r="http://schemas.openxmlformats.org/officeDocument/2006/relationships" xmlns:p="http://schemas.openxmlformats.org/presentationml/2006/main">
+  <p:cSld>
+    <p:spTree>
+      <p:nvGrpSpPr>
+        <p:cNvPr id="1" name=""/>
+        <p:cNvGrpSpPr/>
+        <p:nvPr/>
+      </p:nvGrpSpPr>
+      <p:grpSpPr>
+        <a:xfrm>
+          <a:off x="0" y="0"/>
+          <a:ext cx="0" cy="0"/>
+          <a:chOff x="0" y="0"/>
+          <a:chExt cx="0" cy="0"/>
+        </a:xfrm>
+      </p:grpSpPr>
+      <p:sp>
+        <p:nvSpPr>
+          <p:cNvPr id="7" name="Frame 6"/>
+          <p:cNvSpPr/>
+          <p:nvPr/>
+        </p:nvSpPr>
+        <p:spPr>
+          <a:xfrm>
+            <a:off x="1734736" y="480960"/>
+            <a:ext cx="3657600" cy="5943600"/>
+          </a:xfrm>
+          <a:prstGeom prst="frame">
+            <a:avLst>
+              <a:gd name="adj1" fmla="val 992"/>
+            </a:avLst>
+          </a:prstGeom>
+          <a:ln/>
+        </p:spPr>
+        <p:style>
+          <a:lnRef idx="2">
+            <a:schemeClr val="dk1">
+              <a:shade val="50000"/>
+            </a:schemeClr>
+          </a:lnRef>
+          <a:fillRef idx="1">
+            <a:schemeClr val="dk1"/>
+          </a:fillRef>
+          <a:effectRef idx="0">
+            <a:schemeClr val="dk1"/>
+          </a:effectRef>
+          <a:fontRef idx="minor">
+            <a:schemeClr val="lt1"/>
+          </a:fontRef>
+        </p:style>
+        <p:txBody>
+          <a:bodyPr rtlCol="0" anchor="ctr"/>
+          <a:lstStyle/>
+          <a:p>
+            <a:pPr algn="ctr"/>
+            <a:endParaRPr lang="en-US">
+              <a:solidFill>
+                <a:schemeClr val="tx1"/>
+              </a:solidFill>
+            </a:endParaRPr>
+          </a:p>
+        </p:txBody>
+      </p:sp>
+      <p:sp>
+        <p:nvSpPr>
+          <p:cNvPr id="8" name="TextBox 7"/>
+          <p:cNvSpPr txBox="1"/>
+          <p:nvPr/>
+        </p:nvSpPr>
+        <p:spPr>
+          <a:xfrm>
+            <a:off x="2420074" y="757967"/>
+            <a:ext cx="2286924" cy="800219"/>
+          </a:xfrm>
+          <a:prstGeom prst="rect">
+            <a:avLst/>
+          </a:prstGeom>
+          <a:noFill/>
+        </p:spPr>
+        <p:txBody>
+          <a:bodyPr wrap="square" rtlCol="0">
+            <a:spAutoFit/>
+          </a:bodyPr>
+          <a:lstStyle/>
+          <a:p>
+            <a:pPr algn="ctr"/>
+            <a:r>
+              <a:rPr lang="en-US" sz="2800" dirty="0"/>
+              <a:t>SET TITLE</a:t>
+            </a:r>
+          </a:p>
+          <a:p>
+            <a:pPr algn="ctr"/>
+            <a:r>
+              <a:rPr lang="en-US" i="1" u="sng" dirty="0"/>
+              <a:t># terms</a:t>
+            </a:r>
+            <a:r>
+              <a:rPr lang="en-US" dirty="0"/>
+              <a:t> by </a:t>
+            </a:r>
+            <a:r>
+              <a:rPr lang="en-US" i="1" u="sng" dirty="0"/>
+              <a:t>creator</a:t>
+            </a:r>
+            <a:endParaRPr lang="en-US" sz="2800" i="1" u="sng" dirty="0"/>
+          </a:p>
+        </p:txBody>
+      </p:sp>
+      <p:cxnSp>
+        <p:nvCxnSpPr>
+          <p:cNvPr id="9" name="Straight Connector 8"/>
+          <p:cNvCxnSpPr/>
+          <p:nvPr/>
+        </p:nvCxnSpPr>
+        <p:spPr>
+          <a:xfrm>
+            <a:off x="1734736" y="2486153"/>
+            <a:ext cx="3657600" cy="0"/>
+          </a:xfrm>
+          <a:prstGeom prst="line">
+            <a:avLst/>
+          </a:prstGeom>
+        </p:spPr>
+        <p:style>
+          <a:lnRef idx="1">
+            <a:schemeClr val="dk1"/>
+          </a:lnRef>
+          <a:fillRef idx="0">
+            <a:schemeClr val="dk1"/>
+          </a:fillRef>
+          <a:effectRef idx="0">
+            <a:schemeClr val="dk1"/>
+          </a:effectRef>
+          <a:fontRef idx="minor">
+            <a:schemeClr val="tx1"/>
+          </a:fontRef>
+        </p:style>
+      </p:cxnSp>
+      <p:pic>
+        <p:nvPicPr>
+          <p:cNvPr id="12" name="Picture 11"/>
+          <p:cNvPicPr>
+            <a:picLocks noChangeAspect="1"/>
+          </p:cNvPicPr>
+          <p:nvPr/>
+        </p:nvPicPr>
+        <p:blipFill>
+          <a:blip r:embed="rId2">
+            <a:extLst>
+              <a:ext uri="{28A0092B-C50C-407E-A947-70E740481C1C}">
+                <a14:useLocalDpi xmlns:a14="http://schemas.microsoft.com/office/drawing/2010/main" val="0"/>
+              </a:ext>
+            </a:extLst>
+          </a:blip>
+          <a:stretch>
+            <a:fillRect/>
+          </a:stretch>
+        </p:blipFill>
+        <p:spPr>
+          <a:xfrm flipV="1">
+            <a:off x="1934442" y="703988"/>
+            <a:ext cx="365760" cy="365760"/>
+          </a:xfrm>
+          <a:prstGeom prst="rect">
+            <a:avLst/>
+          </a:prstGeom>
+        </p:spPr>
+      </p:pic>
+      <p:sp>
+        <p:nvSpPr>
+          <p:cNvPr id="13" name="Rounded Rectangle 12"/>
+          <p:cNvSpPr/>
+          <p:nvPr/>
+        </p:nvSpPr>
+        <p:spPr>
+          <a:xfrm>
+            <a:off x="2427318" y="1776271"/>
+            <a:ext cx="2249925" cy="498764"/>
+          </a:xfrm>
+          <a:prstGeom prst="roundRect">
+            <a:avLst>
+              <a:gd name="adj" fmla="val 50000"/>
+            </a:avLst>
+          </a:prstGeom>
+          <a:noFill/>
+          <a:ln>
+            <a:solidFill>
+              <a:schemeClr val="tx1"/>
+            </a:solidFill>
+          </a:ln>
+        </p:spPr>
+        <p:style>
+          <a:lnRef idx="2">
+            <a:schemeClr val="accent1">
+              <a:shade val="50000"/>
+            </a:schemeClr>
+          </a:lnRef>
+          <a:fillRef idx="1">
+            <a:schemeClr val="accent1"/>
+          </a:fillRef>
+          <a:effectRef idx="0">
+            <a:schemeClr val="accent1"/>
+          </a:effectRef>
+          <a:fontRef idx="minor">
+            <a:schemeClr val="lt1"/>
+          </a:fontRef>
+        </p:style>
+        <p:txBody>
+          <a:bodyPr rtlCol="0" anchor="ctr"/>
+          <a:lstStyle/>
+          <a:p>
+            <a:pPr algn="ctr"/>
+            <a:endParaRPr lang="en-US"/>
+          </a:p>
+        </p:txBody>
+      </p:sp>
+      <p:pic>
+        <p:nvPicPr>
+          <p:cNvPr id="14" name="Picture 13"/>
+          <p:cNvPicPr>
+            <a:picLocks noChangeAspect="1"/>
+          </p:cNvPicPr>
+          <p:nvPr/>
+        </p:nvPicPr>
+        <p:blipFill>
+          <a:blip r:embed="rId3">
+            <a:extLst>
+              <a:ext uri="{28A0092B-C50C-407E-A947-70E740481C1C}">
+                <a14:useLocalDpi xmlns:a14="http://schemas.microsoft.com/office/drawing/2010/main" val="0"/>
+              </a:ext>
+            </a:extLst>
+          </a:blip>
+          <a:stretch>
+            <a:fillRect/>
+          </a:stretch>
+        </p:blipFill>
+        <p:spPr>
+          <a:xfrm>
+            <a:off x="2729975" y="1843995"/>
+            <a:ext cx="374073" cy="374073"/>
+          </a:xfrm>
+          <a:prstGeom prst="rect">
+            <a:avLst/>
+          </a:prstGeom>
+        </p:spPr>
+      </p:pic>
+      <p:sp>
+        <p:nvSpPr>
+          <p:cNvPr id="15" name="TextBox 14"/>
+          <p:cNvSpPr txBox="1"/>
+          <p:nvPr/>
+        </p:nvSpPr>
+        <p:spPr>
+          <a:xfrm>
+            <a:off x="3199324" y="1863153"/>
+            <a:ext cx="1268296" cy="338554"/>
+          </a:xfrm>
+          <a:prstGeom prst="rect">
+            <a:avLst/>
+          </a:prstGeom>
+          <a:noFill/>
+        </p:spPr>
+        <p:txBody>
+          <a:bodyPr wrap="none" rtlCol="0">
+            <a:spAutoFit/>
+          </a:bodyPr>
+          <a:lstStyle/>
+          <a:p>
+            <a:r>
+              <a:rPr lang="en-US" sz="1600" dirty="0" smtClean="0"/>
+              <a:t>FLASHCARDS</a:t>
+            </a:r>
+            <a:endParaRPr lang="en-US" dirty="0"/>
+          </a:p>
+        </p:txBody>
+      </p:sp>
+      <p:sp>
+        <p:nvSpPr>
+          <p:cNvPr id="16" name="Rectangle 15"/>
+          <p:cNvSpPr/>
+          <p:nvPr/>
+        </p:nvSpPr>
+        <p:spPr>
+          <a:xfrm>
+            <a:off x="1784611" y="2518188"/>
+            <a:ext cx="3566160" cy="365760"/>
+          </a:xfrm>
+          <a:prstGeom prst="rect">
+            <a:avLst/>
+          </a:prstGeom>
+          <a:solidFill>
+            <a:schemeClr val="bg1">
+              <a:lumMod val="85000"/>
+            </a:schemeClr>
+          </a:solidFill>
+          <a:ln w="28575">
+            <a:noFill/>
+          </a:ln>
+        </p:spPr>
+        <p:style>
+          <a:lnRef idx="2">
+            <a:schemeClr val="accent1">
+              <a:shade val="50000"/>
+            </a:schemeClr>
+          </a:lnRef>
+          <a:fillRef idx="1">
+            <a:schemeClr val="accent1"/>
+          </a:fillRef>
+          <a:effectRef idx="0">
+            <a:schemeClr val="accent1"/>
+          </a:effectRef>
+          <a:fontRef idx="minor">
+            <a:schemeClr val="lt1"/>
+          </a:fontRef>
+        </p:style>
+        <p:txBody>
+          <a:bodyPr rtlCol="0" anchor="ctr"/>
+          <a:lstStyle/>
+          <a:p>
+            <a:pPr algn="ctr"/>
+            <a:r>
+              <a:rPr lang="en-US" sz="1600" dirty="0" smtClean="0">
+                <a:solidFill>
+                  <a:schemeClr val="bg1">
+                    <a:lumMod val="50000"/>
+                  </a:schemeClr>
+                </a:solidFill>
+              </a:rPr>
+              <a:t>     TERM   	              DEFINITION      </a:t>
+            </a:r>
+            <a:r>
+              <a:rPr lang="en-US" sz="1600" dirty="0" smtClean="0">
+                <a:solidFill>
+                  <a:schemeClr val="bg1">
+                    <a:lumMod val="85000"/>
+                  </a:schemeClr>
+                </a:solidFill>
+              </a:rPr>
+              <a:t>.</a:t>
+            </a:r>
+            <a:endParaRPr lang="en-US" sz="1600" dirty="0">
+              <a:solidFill>
+                <a:schemeClr val="bg1">
+                  <a:lumMod val="85000"/>
+                </a:schemeClr>
+              </a:solidFill>
+            </a:endParaRPr>
+          </a:p>
+        </p:txBody>
+      </p:sp>
+      <p:graphicFrame>
+        <p:nvGraphicFramePr>
+          <p:cNvPr id="17" name="Table 16"/>
+          <p:cNvGraphicFramePr>
+            <a:graphicFrameLocks noGrp="1"/>
+          </p:cNvGraphicFramePr>
+          <p:nvPr>
+            <p:extLst>
+              <p:ext uri="{D42A27DB-BD31-4B8C-83A1-F6EECF244321}">
+                <p14:modId xmlns:p14="http://schemas.microsoft.com/office/powerpoint/2010/main" val="541774743"/>
+              </p:ext>
+            </p:extLst>
+          </p:nvPr>
+        </p:nvGraphicFramePr>
+        <p:xfrm>
+          <a:off x="1934442" y="2883049"/>
+          <a:ext cx="2936964" cy="3541510"/>
+        </p:xfrm>
+        <a:graphic>
+          <a:graphicData uri="http://schemas.openxmlformats.org/drawingml/2006/table">
+            <a:tbl>
+              <a:tblPr firstRow="1" bandRow="1">
+                <a:tableStyleId>{5940675A-B579-460E-94D1-54222C63F5DA}</a:tableStyleId>
+              </a:tblPr>
+              <a:tblGrid>
+                <a:gridCol w="1468482"/>
+                <a:gridCol w="1468482"/>
+              </a:tblGrid>
+              <a:tr h="505930">
+                <a:tc>
+                  <a:txBody>
+                    <a:bodyPr/>
+                    <a:lstStyle/>
+                    <a:p>
+                      <a:endParaRPr lang="en-US" dirty="0"/>
+                    </a:p>
+                  </a:txBody>
+                  <a:tcPr>
+                    <a:lnL w="12700" cap="flat" cmpd="sng" algn="ctr">
+                      <a:noFill/>
+                      <a:prstDash val="solid"/>
+                      <a:round/>
+                      <a:headEnd type="none" w="med" len="med"/>
+                      <a:tailEnd type="none" w="med" len="med"/>
+                    </a:lnL>
+                    <a:lnT w="12700" cap="flat" cmpd="sng" algn="ctr">
+                      <a:noFill/>
+                      <a:prstDash val="solid"/>
+                      <a:round/>
+                      <a:headEnd type="none" w="med" len="med"/>
+                      <a:tailEnd type="none" w="med" len="med"/>
+                    </a:lnT>
+                  </a:tcPr>
+                </a:tc>
+                <a:tc>
+                  <a:txBody>
+                    <a:bodyPr/>
+                    <a:lstStyle/>
+                    <a:p>
+                      <a:endParaRPr lang="en-US"/>
+                    </a:p>
+                  </a:txBody>
+                  <a:tcPr>
+                    <a:lnR w="12700" cap="flat" cmpd="sng" algn="ctr">
+                      <a:noFill/>
+                      <a:prstDash val="solid"/>
+                      <a:round/>
+                      <a:headEnd type="none" w="med" len="med"/>
+                      <a:tailEnd type="none" w="med" len="med"/>
+                    </a:lnR>
+                    <a:lnT w="12700" cap="flat" cmpd="sng" algn="ctr">
+                      <a:noFill/>
+                      <a:prstDash val="solid"/>
+                      <a:round/>
+                      <a:headEnd type="none" w="med" len="med"/>
+                      <a:tailEnd type="none" w="med" len="med"/>
+                    </a:lnT>
+                  </a:tcPr>
+                </a:tc>
+              </a:tr>
+              <a:tr h="505930">
+                <a:tc>
+                  <a:txBody>
+                    <a:bodyPr/>
+                    <a:lstStyle/>
+                    <a:p>
+                      <a:endParaRPr lang="en-US"/>
+                    </a:p>
+                  </a:txBody>
+                  <a:tcPr>
+                    <a:lnL w="12700" cap="flat" cmpd="sng" algn="ctr">
+                      <a:noFill/>
+                      <a:prstDash val="solid"/>
+                      <a:round/>
+                      <a:headEnd type="none" w="med" len="med"/>
+                      <a:tailEnd type="none" w="med" len="med"/>
+                    </a:lnL>
+                  </a:tcPr>
+                </a:tc>
+                <a:tc>
+                  <a:txBody>
+                    <a:bodyPr/>
+                    <a:lstStyle/>
+                    <a:p>
+                      <a:endParaRPr lang="en-US"/>
+                    </a:p>
+                  </a:txBody>
+                  <a:tcPr>
+                    <a:lnR w="12700" cap="flat" cmpd="sng" algn="ctr">
+                      <a:noFill/>
+                      <a:prstDash val="solid"/>
+                      <a:round/>
+                      <a:headEnd type="none" w="med" len="med"/>
+                      <a:tailEnd type="none" w="med" len="med"/>
+                    </a:lnR>
+                  </a:tcPr>
+                </a:tc>
+              </a:tr>
+              <a:tr h="505930">
+                <a:tc>
+                  <a:txBody>
+                    <a:bodyPr/>
+                    <a:lstStyle/>
+                    <a:p>
+                      <a:endParaRPr lang="en-US"/>
+                    </a:p>
+                  </a:txBody>
+                  <a:tcPr>
+                    <a:lnL w="12700" cap="flat" cmpd="sng" algn="ctr">
+                      <a:noFill/>
+                      <a:prstDash val="solid"/>
+                      <a:round/>
+                      <a:headEnd type="none" w="med" len="med"/>
+                      <a:tailEnd type="none" w="med" len="med"/>
+                    </a:lnL>
+                  </a:tcPr>
+                </a:tc>
+                <a:tc>
+                  <a:txBody>
+                    <a:bodyPr/>
+                    <a:lstStyle/>
+                    <a:p>
+                      <a:endParaRPr lang="en-US"/>
+                    </a:p>
+                  </a:txBody>
+                  <a:tcPr>
+                    <a:lnR w="12700" cap="flat" cmpd="sng" algn="ctr">
+                      <a:noFill/>
+                      <a:prstDash val="solid"/>
+                      <a:round/>
+                      <a:headEnd type="none" w="med" len="med"/>
+                      <a:tailEnd type="none" w="med" len="med"/>
+                    </a:lnR>
+                  </a:tcPr>
+                </a:tc>
+              </a:tr>
+              <a:tr h="505930">
+                <a:tc>
+                  <a:txBody>
+                    <a:bodyPr/>
+                    <a:lstStyle/>
+                    <a:p>
+                      <a:endParaRPr lang="en-US"/>
+                    </a:p>
+                  </a:txBody>
+                  <a:tcPr>
+                    <a:lnL w="12700" cap="flat" cmpd="sng" algn="ctr">
+                      <a:noFill/>
+                      <a:prstDash val="solid"/>
+                      <a:round/>
+                      <a:headEnd type="none" w="med" len="med"/>
+                      <a:tailEnd type="none" w="med" len="med"/>
+                    </a:lnL>
+                  </a:tcPr>
+                </a:tc>
+                <a:tc>
+                  <a:txBody>
+                    <a:bodyPr/>
+                    <a:lstStyle/>
+                    <a:p>
+                      <a:endParaRPr lang="en-US"/>
+                    </a:p>
+                  </a:txBody>
+                  <a:tcPr>
+                    <a:lnR w="12700" cap="flat" cmpd="sng" algn="ctr">
+                      <a:noFill/>
+                      <a:prstDash val="solid"/>
+                      <a:round/>
+                      <a:headEnd type="none" w="med" len="med"/>
+                      <a:tailEnd type="none" w="med" len="med"/>
+                    </a:lnR>
+                  </a:tcPr>
+                </a:tc>
+              </a:tr>
+              <a:tr h="505930">
+                <a:tc>
+                  <a:txBody>
+                    <a:bodyPr/>
+                    <a:lstStyle/>
+                    <a:p>
+                      <a:endParaRPr lang="en-US"/>
+                    </a:p>
+                  </a:txBody>
+                  <a:tcPr>
+                    <a:lnL w="12700" cap="flat" cmpd="sng" algn="ctr">
+                      <a:noFill/>
+                      <a:prstDash val="solid"/>
+                      <a:round/>
+                      <a:headEnd type="none" w="med" len="med"/>
+                      <a:tailEnd type="none" w="med" len="med"/>
+                    </a:lnL>
+                  </a:tcPr>
+                </a:tc>
+                <a:tc>
+                  <a:txBody>
+                    <a:bodyPr/>
+                    <a:lstStyle/>
+                    <a:p>
+                      <a:endParaRPr lang="en-US"/>
+                    </a:p>
+                  </a:txBody>
+                  <a:tcPr>
+                    <a:lnR w="12700" cap="flat" cmpd="sng" algn="ctr">
+                      <a:noFill/>
+                      <a:prstDash val="solid"/>
+                      <a:round/>
+                      <a:headEnd type="none" w="med" len="med"/>
+                      <a:tailEnd type="none" w="med" len="med"/>
+                    </a:lnR>
+                  </a:tcPr>
+                </a:tc>
+              </a:tr>
+              <a:tr h="505930">
+                <a:tc>
+                  <a:txBody>
+                    <a:bodyPr/>
+                    <a:lstStyle/>
+                    <a:p>
+                      <a:endParaRPr lang="en-US"/>
+                    </a:p>
+                  </a:txBody>
+                  <a:tcPr>
+                    <a:lnL w="12700" cap="flat" cmpd="sng" algn="ctr">
+                      <a:noFill/>
+                      <a:prstDash val="solid"/>
+                      <a:round/>
+                      <a:headEnd type="none" w="med" len="med"/>
+                      <a:tailEnd type="none" w="med" len="med"/>
+                    </a:lnL>
+                  </a:tcPr>
+                </a:tc>
+                <a:tc>
+                  <a:txBody>
+                    <a:bodyPr/>
+                    <a:lstStyle/>
+                    <a:p>
+                      <a:endParaRPr lang="en-US"/>
+                    </a:p>
+                  </a:txBody>
+                  <a:tcPr>
+                    <a:lnR w="12700" cap="flat" cmpd="sng" algn="ctr">
+                      <a:noFill/>
+                      <a:prstDash val="solid"/>
+                      <a:round/>
+                      <a:headEnd type="none" w="med" len="med"/>
+                      <a:tailEnd type="none" w="med" len="med"/>
+                    </a:lnR>
+                  </a:tcPr>
+                </a:tc>
+              </a:tr>
+              <a:tr h="505930">
+                <a:tc>
+                  <a:txBody>
+                    <a:bodyPr/>
+                    <a:lstStyle/>
+                    <a:p>
+                      <a:endParaRPr lang="en-US" dirty="0"/>
+                    </a:p>
+                  </a:txBody>
+                  <a:tcPr>
+                    <a:lnL w="12700" cap="flat" cmpd="sng" algn="ctr">
+                      <a:noFill/>
+                      <a:prstDash val="solid"/>
+                      <a:round/>
+                      <a:headEnd type="none" w="med" len="med"/>
+                      <a:tailEnd type="none" w="med" len="med"/>
+                    </a:lnL>
+                    <a:lnB w="12700" cap="flat" cmpd="sng" algn="ctr">
+                      <a:noFill/>
+                      <a:prstDash val="solid"/>
+                      <a:round/>
+                      <a:headEnd type="none" w="med" len="med"/>
+                      <a:tailEnd type="none" w="med" len="med"/>
+                    </a:lnB>
+                  </a:tcPr>
+                </a:tc>
+                <a:tc>
+                  <a:txBody>
+                    <a:bodyPr/>
+                    <a:lstStyle/>
+                    <a:p>
+                      <a:endParaRPr lang="en-US" dirty="0"/>
+                    </a:p>
+                  </a:txBody>
+                  <a:tcPr>
+                    <a:lnR w="12700" cap="flat" cmpd="sng" algn="ctr">
+                      <a:noFill/>
+                      <a:prstDash val="solid"/>
+                      <a:round/>
+                      <a:headEnd type="none" w="med" len="med"/>
+                      <a:tailEnd type="none" w="med" len="med"/>
+                    </a:lnR>
+                    <a:lnB w="12700" cap="flat" cmpd="sng" algn="ctr">
+                      <a:noFill/>
+                      <a:prstDash val="solid"/>
+                      <a:round/>
+                      <a:headEnd type="none" w="med" len="med"/>
+                      <a:tailEnd type="none" w="med" len="med"/>
+                    </a:lnB>
+                  </a:tcPr>
+                </a:tc>
+              </a:tr>
+            </a:tbl>
+          </a:graphicData>
+        </a:graphic>
+      </p:graphicFrame>
+      <p:pic>
+        <p:nvPicPr>
+          <p:cNvPr id="25" name="Picture 24"/>
+          <p:cNvPicPr>
+            <a:picLocks noChangeAspect="1"/>
+          </p:cNvPicPr>
+          <p:nvPr/>
+        </p:nvPicPr>
+        <p:blipFill>
+          <a:blip r:embed="rId4">
+            <a:extLst>
+              <a:ext uri="{28A0092B-C50C-407E-A947-70E740481C1C}">
+                <a14:useLocalDpi xmlns:a14="http://schemas.microsoft.com/office/drawing/2010/main" val="0"/>
+              </a:ext>
+            </a:extLst>
+          </a:blip>
+          <a:stretch>
+            <a:fillRect/>
+          </a:stretch>
+        </p:blipFill>
+        <p:spPr>
+          <a:xfrm>
+            <a:off x="4971851" y="2961081"/>
+            <a:ext cx="320040" cy="320040"/>
+          </a:xfrm>
+          <a:prstGeom prst="rect">
+            <a:avLst/>
+          </a:prstGeom>
+        </p:spPr>
+      </p:pic>
+      <p:pic>
+        <p:nvPicPr>
+          <p:cNvPr id="26" name="Picture 25"/>
+          <p:cNvPicPr>
+            <a:picLocks noChangeAspect="1"/>
+          </p:cNvPicPr>
+          <p:nvPr/>
+        </p:nvPicPr>
+        <p:blipFill>
+          <a:blip r:embed="rId4">
+            <a:extLst>
+              <a:ext uri="{28A0092B-C50C-407E-A947-70E740481C1C}">
+                <a14:useLocalDpi xmlns:a14="http://schemas.microsoft.com/office/drawing/2010/main" val="0"/>
+              </a:ext>
+            </a:extLst>
+          </a:blip>
+          <a:stretch>
+            <a:fillRect/>
+          </a:stretch>
+        </p:blipFill>
+        <p:spPr>
+          <a:xfrm>
+            <a:off x="4971851" y="3452760"/>
+            <a:ext cx="320040" cy="320040"/>
+          </a:xfrm>
+          <a:prstGeom prst="rect">
+            <a:avLst/>
+          </a:prstGeom>
+        </p:spPr>
+      </p:pic>
+      <p:pic>
+        <p:nvPicPr>
+          <p:cNvPr id="27" name="Picture 26"/>
+          <p:cNvPicPr>
+            <a:picLocks noChangeAspect="1"/>
+          </p:cNvPicPr>
+          <p:nvPr/>
+        </p:nvPicPr>
+        <p:blipFill>
+          <a:blip r:embed="rId4">
+            <a:extLst>
+              <a:ext uri="{28A0092B-C50C-407E-A947-70E740481C1C}">
+                <a14:useLocalDpi xmlns:a14="http://schemas.microsoft.com/office/drawing/2010/main" val="0"/>
+              </a:ext>
+            </a:extLst>
+          </a:blip>
+          <a:stretch>
+            <a:fillRect/>
+          </a:stretch>
+        </p:blipFill>
+        <p:spPr>
+          <a:xfrm>
+            <a:off x="4971851" y="3975297"/>
+            <a:ext cx="320040" cy="320040"/>
+          </a:xfrm>
+          <a:prstGeom prst="rect">
+            <a:avLst/>
+          </a:prstGeom>
+        </p:spPr>
+      </p:pic>
+      <p:pic>
+        <p:nvPicPr>
+          <p:cNvPr id="28" name="Picture 27"/>
+          <p:cNvPicPr>
+            <a:picLocks noChangeAspect="1"/>
+          </p:cNvPicPr>
+          <p:nvPr/>
+        </p:nvPicPr>
+        <p:blipFill>
+          <a:blip r:embed="rId4">
+            <a:extLst>
+              <a:ext uri="{28A0092B-C50C-407E-A947-70E740481C1C}">
+                <a14:useLocalDpi xmlns:a14="http://schemas.microsoft.com/office/drawing/2010/main" val="0"/>
+              </a:ext>
+            </a:extLst>
+          </a:blip>
+          <a:stretch>
+            <a:fillRect/>
+          </a:stretch>
+        </p:blipFill>
+        <p:spPr>
+          <a:xfrm>
+            <a:off x="4971851" y="4503737"/>
+            <a:ext cx="320040" cy="320040"/>
+          </a:xfrm>
+          <a:prstGeom prst="rect">
+            <a:avLst/>
+          </a:prstGeom>
+        </p:spPr>
+      </p:pic>
+      <p:pic>
+        <p:nvPicPr>
+          <p:cNvPr id="29" name="Picture 28"/>
+          <p:cNvPicPr>
+            <a:picLocks noChangeAspect="1"/>
+          </p:cNvPicPr>
+          <p:nvPr/>
+        </p:nvPicPr>
+        <p:blipFill>
+          <a:blip r:embed="rId4">
+            <a:extLst>
+              <a:ext uri="{28A0092B-C50C-407E-A947-70E740481C1C}">
+                <a14:useLocalDpi xmlns:a14="http://schemas.microsoft.com/office/drawing/2010/main" val="0"/>
+              </a:ext>
+            </a:extLst>
+          </a:blip>
+          <a:stretch>
+            <a:fillRect/>
+          </a:stretch>
+        </p:blipFill>
+        <p:spPr>
+          <a:xfrm>
+            <a:off x="4971851" y="5002208"/>
+            <a:ext cx="320040" cy="320040"/>
+          </a:xfrm>
+          <a:prstGeom prst="rect">
+            <a:avLst/>
+          </a:prstGeom>
+        </p:spPr>
+      </p:pic>
+      <p:pic>
+        <p:nvPicPr>
+          <p:cNvPr id="30" name="Picture 29"/>
+          <p:cNvPicPr>
+            <a:picLocks noChangeAspect="1"/>
+          </p:cNvPicPr>
+          <p:nvPr/>
+        </p:nvPicPr>
+        <p:blipFill>
+          <a:blip r:embed="rId4">
+            <a:extLst>
+              <a:ext uri="{28A0092B-C50C-407E-A947-70E740481C1C}">
+                <a14:useLocalDpi xmlns:a14="http://schemas.microsoft.com/office/drawing/2010/main" val="0"/>
+              </a:ext>
+            </a:extLst>
+          </a:blip>
+          <a:stretch>
+            <a:fillRect/>
+          </a:stretch>
+        </p:blipFill>
+        <p:spPr>
+          <a:xfrm>
+            <a:off x="4971851" y="5500679"/>
+            <a:ext cx="320040" cy="320040"/>
+          </a:xfrm>
+          <a:prstGeom prst="rect">
+            <a:avLst/>
+          </a:prstGeom>
+        </p:spPr>
+      </p:pic>
+      <p:pic>
+        <p:nvPicPr>
+          <p:cNvPr id="31" name="Picture 30"/>
+          <p:cNvPicPr>
+            <a:picLocks noChangeAspect="1"/>
+          </p:cNvPicPr>
+          <p:nvPr/>
+        </p:nvPicPr>
+        <p:blipFill>
+          <a:blip r:embed="rId4">
+            <a:extLst>
+              <a:ext uri="{28A0092B-C50C-407E-A947-70E740481C1C}">
+                <a14:useLocalDpi xmlns:a14="http://schemas.microsoft.com/office/drawing/2010/main" val="0"/>
+              </a:ext>
+            </a:extLst>
+          </a:blip>
+          <a:stretch>
+            <a:fillRect/>
+          </a:stretch>
+        </p:blipFill>
+        <p:spPr>
+          <a:xfrm>
+            <a:off x="4974769" y="5979244"/>
+            <a:ext cx="320040" cy="320040"/>
+          </a:xfrm>
+          <a:prstGeom prst="rect">
+            <a:avLst/>
+          </a:prstGeom>
+        </p:spPr>
+      </p:pic>
+    </p:spTree>
+    <p:extLst>
+      <p:ext uri="{BB962C8B-B14F-4D97-AF65-F5344CB8AC3E}">
+        <p14:creationId xmlns:p14="http://schemas.microsoft.com/office/powerpoint/2010/main" val="1123586406"/>
       </p:ext>
     </p:extLst>
   </p:cSld>
